--- a/Assignment/HCDV Poster.pptx
+++ b/Assignment/HCDV Poster.pptx
@@ -104,6 +104,11 @@
       </a:defRPr>
     </a:lvl9pPr>
   </p:defaultTextStyle>
+  <p:extLst>
+    <p:ext uri="{EFAFB233-063F-42B5-8137-9DF3F51BA10A}">
+      <p15:sldGuideLst xmlns:p15="http://schemas.microsoft.com/office/powerpoint/2012/main"/>
+    </p:ext>
+  </p:extLst>
 </p:presentation>
 </file>
 
@@ -238,7 +243,7 @@
           <a:p>
             <a:fld id="{7410C324-D911-9949-A81A-9C3505B102E7}" type="datetimeFigureOut">
               <a:rPr lang="en-GB" smtClean="0"/>
-              <a:t>22/12/2020</a:t>
+              <a:t>23/12/2020</a:t>
             </a:fld>
             <a:endParaRPr lang="en-GB"/>
           </a:p>
@@ -408,7 +413,7 @@
           <a:p>
             <a:fld id="{7410C324-D911-9949-A81A-9C3505B102E7}" type="datetimeFigureOut">
               <a:rPr lang="en-GB" smtClean="0"/>
-              <a:t>22/12/2020</a:t>
+              <a:t>23/12/2020</a:t>
             </a:fld>
             <a:endParaRPr lang="en-GB"/>
           </a:p>
@@ -588,7 +593,7 @@
           <a:p>
             <a:fld id="{7410C324-D911-9949-A81A-9C3505B102E7}" type="datetimeFigureOut">
               <a:rPr lang="en-GB" smtClean="0"/>
-              <a:t>22/12/2020</a:t>
+              <a:t>23/12/2020</a:t>
             </a:fld>
             <a:endParaRPr lang="en-GB"/>
           </a:p>
@@ -758,7 +763,7 @@
           <a:p>
             <a:fld id="{7410C324-D911-9949-A81A-9C3505B102E7}" type="datetimeFigureOut">
               <a:rPr lang="en-GB" smtClean="0"/>
-              <a:t>22/12/2020</a:t>
+              <a:t>23/12/2020</a:t>
             </a:fld>
             <a:endParaRPr lang="en-GB"/>
           </a:p>
@@ -1002,7 +1007,7 @@
           <a:p>
             <a:fld id="{7410C324-D911-9949-A81A-9C3505B102E7}" type="datetimeFigureOut">
               <a:rPr lang="en-GB" smtClean="0"/>
-              <a:t>22/12/2020</a:t>
+              <a:t>23/12/2020</a:t>
             </a:fld>
             <a:endParaRPr lang="en-GB"/>
           </a:p>
@@ -1234,7 +1239,7 @@
           <a:p>
             <a:fld id="{7410C324-D911-9949-A81A-9C3505B102E7}" type="datetimeFigureOut">
               <a:rPr lang="en-GB" smtClean="0"/>
-              <a:t>22/12/2020</a:t>
+              <a:t>23/12/2020</a:t>
             </a:fld>
             <a:endParaRPr lang="en-GB"/>
           </a:p>
@@ -1601,7 +1606,7 @@
           <a:p>
             <a:fld id="{7410C324-D911-9949-A81A-9C3505B102E7}" type="datetimeFigureOut">
               <a:rPr lang="en-GB" smtClean="0"/>
-              <a:t>22/12/2020</a:t>
+              <a:t>23/12/2020</a:t>
             </a:fld>
             <a:endParaRPr lang="en-GB"/>
           </a:p>
@@ -1719,7 +1724,7 @@
           <a:p>
             <a:fld id="{7410C324-D911-9949-A81A-9C3505B102E7}" type="datetimeFigureOut">
               <a:rPr lang="en-GB" smtClean="0"/>
-              <a:t>22/12/2020</a:t>
+              <a:t>23/12/2020</a:t>
             </a:fld>
             <a:endParaRPr lang="en-GB"/>
           </a:p>
@@ -1814,7 +1819,7 @@
           <a:p>
             <a:fld id="{7410C324-D911-9949-A81A-9C3505B102E7}" type="datetimeFigureOut">
               <a:rPr lang="en-GB" smtClean="0"/>
-              <a:t>22/12/2020</a:t>
+              <a:t>23/12/2020</a:t>
             </a:fld>
             <a:endParaRPr lang="en-GB"/>
           </a:p>
@@ -2091,7 +2096,7 @@
           <a:p>
             <a:fld id="{7410C324-D911-9949-A81A-9C3505B102E7}" type="datetimeFigureOut">
               <a:rPr lang="en-GB" smtClean="0"/>
-              <a:t>22/12/2020</a:t>
+              <a:t>23/12/2020</a:t>
             </a:fld>
             <a:endParaRPr lang="en-GB"/>
           </a:p>
@@ -2348,7 +2353,7 @@
           <a:p>
             <a:fld id="{7410C324-D911-9949-A81A-9C3505B102E7}" type="datetimeFigureOut">
               <a:rPr lang="en-GB" smtClean="0"/>
-              <a:t>22/12/2020</a:t>
+              <a:t>23/12/2020</a:t>
             </a:fld>
             <a:endParaRPr lang="en-GB"/>
           </a:p>
@@ -2561,7 +2566,7 @@
           <a:p>
             <a:fld id="{7410C324-D911-9949-A81A-9C3505B102E7}" type="datetimeFigureOut">
               <a:rPr lang="en-GB" smtClean="0"/>
-              <a:t>22/12/2020</a:t>
+              <a:t>23/12/2020</a:t>
             </a:fld>
             <a:endParaRPr lang="en-GB"/>
           </a:p>
@@ -2966,6 +2971,133 @@
           <a:chExt cx="0" cy="0"/>
         </a:xfrm>
       </p:grpSpPr>
+      <p:grpSp>
+        <p:nvGrpSpPr>
+          <p:cNvPr id="7" name="Group 6">
+            <a:extLst>
+              <a:ext uri="{FF2B5EF4-FFF2-40B4-BE49-F238E27FC236}">
+                <a16:creationId xmlns:a16="http://schemas.microsoft.com/office/drawing/2014/main" id="{F962BA1E-9791-5B48-858F-E40036CD8EF6}"/>
+              </a:ext>
+            </a:extLst>
+          </p:cNvPr>
+          <p:cNvGrpSpPr/>
+          <p:nvPr/>
+        </p:nvGrpSpPr>
+        <p:grpSpPr>
+          <a:xfrm>
+            <a:off x="35324718" y="3994485"/>
+            <a:ext cx="4716380" cy="6882062"/>
+            <a:chOff x="28029184" y="4572001"/>
+            <a:chExt cx="5502475" cy="7603958"/>
+          </a:xfrm>
+        </p:grpSpPr>
+        <p:pic>
+          <p:nvPicPr>
+            <p:cNvPr id="3" name="Picture 2" descr="Icon&#10;&#10;Description automatically generated with medium confidence">
+              <a:extLst>
+                <a:ext uri="{FF2B5EF4-FFF2-40B4-BE49-F238E27FC236}">
+                  <a16:creationId xmlns:a16="http://schemas.microsoft.com/office/drawing/2014/main" id="{6DDB6B8B-1255-C74A-8D22-D7C662768239}"/>
+                </a:ext>
+              </a:extLst>
+            </p:cNvPr>
+            <p:cNvPicPr>
+              <a:picLocks noChangeAspect="1"/>
+            </p:cNvPicPr>
+            <p:nvPr/>
+          </p:nvPicPr>
+          <p:blipFill rotWithShape="1">
+            <a:blip r:embed="rId2"/>
+            <a:srcRect l="21409" r="31818"/>
+            <a:stretch/>
+          </p:blipFill>
+          <p:spPr>
+            <a:xfrm>
+              <a:off x="28029184" y="4572001"/>
+              <a:ext cx="5502475" cy="7603958"/>
+            </a:xfrm>
+            <a:prstGeom prst="rect">
+              <a:avLst/>
+            </a:prstGeom>
+          </p:spPr>
+        </p:pic>
+        <p:sp>
+          <p:nvSpPr>
+            <p:cNvPr id="4" name="Oval 3">
+              <a:extLst>
+                <a:ext uri="{FF2B5EF4-FFF2-40B4-BE49-F238E27FC236}">
+                  <a16:creationId xmlns:a16="http://schemas.microsoft.com/office/drawing/2014/main" id="{C203F0B9-632E-C544-AD89-9BCAE184CFCF}"/>
+                </a:ext>
+              </a:extLst>
+            </p:cNvPr>
+            <p:cNvSpPr/>
+            <p:nvPr/>
+          </p:nvSpPr>
+          <p:spPr>
+            <a:xfrm>
+              <a:off x="30319579" y="8855242"/>
+              <a:ext cx="1251284" cy="1732547"/>
+            </a:xfrm>
+            <a:prstGeom prst="ellipse">
+              <a:avLst/>
+            </a:prstGeom>
+            <a:noFill/>
+            <a:ln w="38100"/>
+          </p:spPr>
+          <p:style>
+            <a:lnRef idx="2">
+              <a:schemeClr val="accent1">
+                <a:shade val="50000"/>
+              </a:schemeClr>
+            </a:lnRef>
+            <a:fillRef idx="1">
+              <a:schemeClr val="accent1"/>
+            </a:fillRef>
+            <a:effectRef idx="0">
+              <a:schemeClr val="accent1"/>
+            </a:effectRef>
+            <a:fontRef idx="minor">
+              <a:schemeClr val="lt1"/>
+            </a:fontRef>
+          </p:style>
+          <p:txBody>
+            <a:bodyPr rtlCol="0" anchor="ctr"/>
+            <a:lstStyle/>
+            <a:p>
+              <a:pPr algn="ctr"/>
+              <a:endParaRPr lang="en-GB"/>
+            </a:p>
+          </p:txBody>
+        </p:sp>
+      </p:grpSp>
+      <p:pic>
+        <p:nvPicPr>
+          <p:cNvPr id="6" name="Picture 5" descr="Map&#10;&#10;Description automatically generated">
+            <a:extLst>
+              <a:ext uri="{FF2B5EF4-FFF2-40B4-BE49-F238E27FC236}">
+                <a16:creationId xmlns:a16="http://schemas.microsoft.com/office/drawing/2014/main" id="{CBB7A848-FD5E-0A44-A189-77260A24BD9E}"/>
+              </a:ext>
+            </a:extLst>
+          </p:cNvPr>
+          <p:cNvPicPr>
+            <a:picLocks noChangeAspect="1"/>
+          </p:cNvPicPr>
+          <p:nvPr/>
+        </p:nvPicPr>
+        <p:blipFill rotWithShape="1">
+          <a:blip r:embed="rId3"/>
+          <a:srcRect l="16809" r="35785"/>
+          <a:stretch/>
+        </p:blipFill>
+        <p:spPr>
+          <a:xfrm>
+            <a:off x="15519801" y="7117556"/>
+            <a:ext cx="11764160" cy="16040100"/>
+          </a:xfrm>
+          <a:prstGeom prst="rect">
+            <a:avLst/>
+          </a:prstGeom>
+        </p:spPr>
+      </p:pic>
     </p:spTree>
     <p:extLst>
       <p:ext uri="{BB962C8B-B14F-4D97-AF65-F5344CB8AC3E}">

--- a/Assignment/HCDV Poster.pptx
+++ b/Assignment/HCDV Poster.pptx
@@ -6,6 +6,7 @@
   </p:sldMasterIdLst>
   <p:sldIdLst>
     <p:sldId id="256" r:id="rId2"/>
+    <p:sldId id="257" r:id="rId3"/>
   </p:sldIdLst>
   <p:sldSz cx="42803763" cy="30275213"/>
   <p:notesSz cx="6858000" cy="9144000"/>
@@ -243,7 +244,7 @@
           <a:p>
             <a:fld id="{7410C324-D911-9949-A81A-9C3505B102E7}" type="datetimeFigureOut">
               <a:rPr lang="en-GB" smtClean="0"/>
-              <a:t>23/12/2020</a:t>
+              <a:t>28/12/2020</a:t>
             </a:fld>
             <a:endParaRPr lang="en-GB"/>
           </a:p>
@@ -413,7 +414,7 @@
           <a:p>
             <a:fld id="{7410C324-D911-9949-A81A-9C3505B102E7}" type="datetimeFigureOut">
               <a:rPr lang="en-GB" smtClean="0"/>
-              <a:t>23/12/2020</a:t>
+              <a:t>28/12/2020</a:t>
             </a:fld>
             <a:endParaRPr lang="en-GB"/>
           </a:p>
@@ -593,7 +594,7 @@
           <a:p>
             <a:fld id="{7410C324-D911-9949-A81A-9C3505B102E7}" type="datetimeFigureOut">
               <a:rPr lang="en-GB" smtClean="0"/>
-              <a:t>23/12/2020</a:t>
+              <a:t>28/12/2020</a:t>
             </a:fld>
             <a:endParaRPr lang="en-GB"/>
           </a:p>
@@ -763,7 +764,7 @@
           <a:p>
             <a:fld id="{7410C324-D911-9949-A81A-9C3505B102E7}" type="datetimeFigureOut">
               <a:rPr lang="en-GB" smtClean="0"/>
-              <a:t>23/12/2020</a:t>
+              <a:t>28/12/2020</a:t>
             </a:fld>
             <a:endParaRPr lang="en-GB"/>
           </a:p>
@@ -1007,7 +1008,7 @@
           <a:p>
             <a:fld id="{7410C324-D911-9949-A81A-9C3505B102E7}" type="datetimeFigureOut">
               <a:rPr lang="en-GB" smtClean="0"/>
-              <a:t>23/12/2020</a:t>
+              <a:t>28/12/2020</a:t>
             </a:fld>
             <a:endParaRPr lang="en-GB"/>
           </a:p>
@@ -1239,7 +1240,7 @@
           <a:p>
             <a:fld id="{7410C324-D911-9949-A81A-9C3505B102E7}" type="datetimeFigureOut">
               <a:rPr lang="en-GB" smtClean="0"/>
-              <a:t>23/12/2020</a:t>
+              <a:t>28/12/2020</a:t>
             </a:fld>
             <a:endParaRPr lang="en-GB"/>
           </a:p>
@@ -1606,7 +1607,7 @@
           <a:p>
             <a:fld id="{7410C324-D911-9949-A81A-9C3505B102E7}" type="datetimeFigureOut">
               <a:rPr lang="en-GB" smtClean="0"/>
-              <a:t>23/12/2020</a:t>
+              <a:t>28/12/2020</a:t>
             </a:fld>
             <a:endParaRPr lang="en-GB"/>
           </a:p>
@@ -1724,7 +1725,7 @@
           <a:p>
             <a:fld id="{7410C324-D911-9949-A81A-9C3505B102E7}" type="datetimeFigureOut">
               <a:rPr lang="en-GB" smtClean="0"/>
-              <a:t>23/12/2020</a:t>
+              <a:t>28/12/2020</a:t>
             </a:fld>
             <a:endParaRPr lang="en-GB"/>
           </a:p>
@@ -1819,7 +1820,7 @@
           <a:p>
             <a:fld id="{7410C324-D911-9949-A81A-9C3505B102E7}" type="datetimeFigureOut">
               <a:rPr lang="en-GB" smtClean="0"/>
-              <a:t>23/12/2020</a:t>
+              <a:t>28/12/2020</a:t>
             </a:fld>
             <a:endParaRPr lang="en-GB"/>
           </a:p>
@@ -2096,7 +2097,7 @@
           <a:p>
             <a:fld id="{7410C324-D911-9949-A81A-9C3505B102E7}" type="datetimeFigureOut">
               <a:rPr lang="en-GB" smtClean="0"/>
-              <a:t>23/12/2020</a:t>
+              <a:t>28/12/2020</a:t>
             </a:fld>
             <a:endParaRPr lang="en-GB"/>
           </a:p>
@@ -2353,7 +2354,7 @@
           <a:p>
             <a:fld id="{7410C324-D911-9949-A81A-9C3505B102E7}" type="datetimeFigureOut">
               <a:rPr lang="en-GB" smtClean="0"/>
-              <a:t>23/12/2020</a:t>
+              <a:t>28/12/2020</a:t>
             </a:fld>
             <a:endParaRPr lang="en-GB"/>
           </a:p>
@@ -2566,7 +2567,7 @@
           <a:p>
             <a:fld id="{7410C324-D911-9949-A81A-9C3505B102E7}" type="datetimeFigureOut">
               <a:rPr lang="en-GB" smtClean="0"/>
-              <a:t>23/12/2020</a:t>
+              <a:t>28/12/2020</a:t>
             </a:fld>
             <a:endParaRPr lang="en-GB"/>
           </a:p>
@@ -2971,6 +2972,71 @@
           <a:chExt cx="0" cy="0"/>
         </a:xfrm>
       </p:grpSpPr>
+      <p:sp>
+        <p:nvSpPr>
+          <p:cNvPr id="8" name="TextBox 7">
+            <a:extLst>
+              <a:ext uri="{FF2B5EF4-FFF2-40B4-BE49-F238E27FC236}">
+                <a16:creationId xmlns:a16="http://schemas.microsoft.com/office/drawing/2014/main" id="{AB538B17-6B2A-5A47-BDAA-1089B5B8AF14}"/>
+              </a:ext>
+            </a:extLst>
+          </p:cNvPr>
+          <p:cNvSpPr txBox="1"/>
+          <p:nvPr/>
+        </p:nvSpPr>
+        <p:spPr>
+          <a:xfrm>
+            <a:off x="1636295" y="1155032"/>
+            <a:ext cx="13883506" cy="3785652"/>
+          </a:xfrm>
+          <a:prstGeom prst="rect">
+            <a:avLst/>
+          </a:prstGeom>
+          <a:noFill/>
+        </p:spPr>
+        <p:txBody>
+          <a:bodyPr wrap="square" rtlCol="0">
+            <a:spAutoFit/>
+          </a:bodyPr>
+          <a:lstStyle/>
+          <a:p>
+            <a:r>
+              <a:rPr lang="en-GB" sz="12000" dirty="0"/>
+              <a:t>Total Crashes to Light Conditions.</a:t>
+            </a:r>
+          </a:p>
+        </p:txBody>
+      </p:sp>
+      <p:pic>
+        <p:nvPicPr>
+          <p:cNvPr id="10" name="Picture 9" descr="Map&#10;&#10;Description automatically generated">
+            <a:extLst>
+              <a:ext uri="{FF2B5EF4-FFF2-40B4-BE49-F238E27FC236}">
+                <a16:creationId xmlns:a16="http://schemas.microsoft.com/office/drawing/2014/main" id="{405DA148-DA01-9E46-AF4F-804671AFF149}"/>
+              </a:ext>
+            </a:extLst>
+          </p:cNvPr>
+          <p:cNvPicPr>
+            <a:picLocks noChangeAspect="1"/>
+          </p:cNvPicPr>
+          <p:nvPr/>
+        </p:nvPicPr>
+        <p:blipFill>
+          <a:blip r:embed="rId2"/>
+          <a:stretch>
+            <a:fillRect/>
+          </a:stretch>
+        </p:blipFill>
+        <p:spPr>
+          <a:xfrm>
+            <a:off x="20491868" y="776293"/>
+            <a:ext cx="20675600" cy="16395700"/>
+          </a:xfrm>
+          <a:prstGeom prst="rect">
+            <a:avLst/>
+          </a:prstGeom>
+        </p:spPr>
+      </p:pic>
       <p:grpSp>
         <p:nvGrpSpPr>
           <p:cNvPr id="7" name="Group 6">
@@ -2985,8 +3051,8 @@
         </p:nvGrpSpPr>
         <p:grpSpPr>
           <a:xfrm>
-            <a:off x="35324718" y="3994485"/>
-            <a:ext cx="4716380" cy="6882062"/>
+            <a:off x="38248750" y="5482020"/>
+            <a:ext cx="2918718" cy="4744688"/>
             <a:chOff x="28029184" y="4572001"/>
             <a:chExt cx="5502475" cy="7603958"/>
           </a:xfrm>
@@ -3006,7 +3072,7 @@
             <p:nvPr/>
           </p:nvPicPr>
           <p:blipFill rotWithShape="1">
-            <a:blip r:embed="rId2"/>
+            <a:blip r:embed="rId3"/>
             <a:srcRect l="21409" r="31818"/>
             <a:stretch/>
           </p:blipFill>
@@ -3071,10 +3137,10 @@
       </p:grpSp>
       <p:pic>
         <p:nvPicPr>
-          <p:cNvPr id="6" name="Picture 5" descr="Map&#10;&#10;Description automatically generated">
+          <p:cNvPr id="9" name="slide2" descr="Sheet 1">
             <a:extLst>
               <a:ext uri="{FF2B5EF4-FFF2-40B4-BE49-F238E27FC236}">
-                <a16:creationId xmlns:a16="http://schemas.microsoft.com/office/drawing/2014/main" id="{CBB7A848-FD5E-0A44-A189-77260A24BD9E}"/>
+                <a16:creationId xmlns:a16="http://schemas.microsoft.com/office/drawing/2014/main" id="{CE9D1F62-205F-9842-9C53-990BE93A40C8}"/>
               </a:ext>
             </a:extLst>
           </p:cNvPr>
@@ -3083,15 +3149,22 @@
           </p:cNvPicPr>
           <p:nvPr/>
         </p:nvPicPr>
-        <p:blipFill rotWithShape="1">
-          <a:blip r:embed="rId3"/>
-          <a:srcRect l="16809" r="35785"/>
-          <a:stretch/>
+        <p:blipFill>
+          <a:blip r:embed="rId4">
+            <a:extLst>
+              <a:ext uri="{28A0092B-C50C-407E-A947-70E740481C1C}">
+                <a14:useLocalDpi xmlns:a14="http://schemas.microsoft.com/office/drawing/2010/main" val="0"/>
+              </a:ext>
+            </a:extLst>
+          </a:blip>
+          <a:stretch>
+            <a:fillRect/>
+          </a:stretch>
         </p:blipFill>
         <p:spPr>
           <a:xfrm>
-            <a:off x="15519801" y="7117556"/>
-            <a:ext cx="11764160" cy="16040100"/>
+            <a:off x="2285749" y="7854364"/>
+            <a:ext cx="6657975" cy="4143375"/>
           </a:xfrm>
           <a:prstGeom prst="rect">
             <a:avLst/>
@@ -3102,6 +3175,144 @@
     <p:extLst>
       <p:ext uri="{BB962C8B-B14F-4D97-AF65-F5344CB8AC3E}">
         <p14:creationId xmlns:p14="http://schemas.microsoft.com/office/powerpoint/2010/main" val="447254968"/>
+      </p:ext>
+    </p:extLst>
+  </p:cSld>
+  <p:clrMapOvr>
+    <a:masterClrMapping/>
+  </p:clrMapOvr>
+</p:sld>
+</file>
+
+<file path=ppt/slides/slide2.xml><?xml version="1.0" encoding="utf-8"?>
+<p:sld xmlns:a="http://schemas.openxmlformats.org/drawingml/2006/main" xmlns:r="http://schemas.openxmlformats.org/officeDocument/2006/relationships" xmlns:p="http://schemas.openxmlformats.org/presentationml/2006/main">
+  <p:cSld>
+    <p:spTree>
+      <p:nvGrpSpPr>
+        <p:cNvPr id="1" name=""/>
+        <p:cNvGrpSpPr/>
+        <p:nvPr/>
+      </p:nvGrpSpPr>
+      <p:grpSpPr>
+        <a:xfrm>
+          <a:off x="0" y="0"/>
+          <a:ext cx="0" cy="0"/>
+          <a:chOff x="0" y="0"/>
+          <a:chExt cx="0" cy="0"/>
+        </a:xfrm>
+      </p:grpSpPr>
+      <p:sp>
+        <p:nvSpPr>
+          <p:cNvPr id="2" name="Title 1">
+            <a:extLst>
+              <a:ext uri="{FF2B5EF4-FFF2-40B4-BE49-F238E27FC236}">
+                <a16:creationId xmlns:a16="http://schemas.microsoft.com/office/drawing/2014/main" id="{B6337A9B-E445-BE43-B9D9-B1ACBBBA7247}"/>
+              </a:ext>
+            </a:extLst>
+          </p:cNvPr>
+          <p:cNvSpPr>
+            <a:spLocks noGrp="1"/>
+          </p:cNvSpPr>
+          <p:nvPr>
+            <p:ph type="title"/>
+          </p:nvPr>
+        </p:nvSpPr>
+        <p:spPr/>
+        <p:txBody>
+          <a:bodyPr/>
+          <a:lstStyle/>
+          <a:p>
+            <a:r>
+              <a:rPr lang="en-GB" dirty="0"/>
+              <a:t>Notes</a:t>
+            </a:r>
+          </a:p>
+        </p:txBody>
+      </p:sp>
+      <p:sp>
+        <p:nvSpPr>
+          <p:cNvPr id="3" name="Content Placeholder 2">
+            <a:extLst>
+              <a:ext uri="{FF2B5EF4-FFF2-40B4-BE49-F238E27FC236}">
+                <a16:creationId xmlns:a16="http://schemas.microsoft.com/office/drawing/2014/main" id="{4D2EC70C-0C13-C048-A209-B927CBFDE507}"/>
+              </a:ext>
+            </a:extLst>
+          </p:cNvPr>
+          <p:cNvSpPr>
+            <a:spLocks noGrp="1"/>
+          </p:cNvSpPr>
+          <p:nvPr>
+            <p:ph idx="1"/>
+          </p:nvPr>
+        </p:nvSpPr>
+        <p:spPr/>
+        <p:txBody>
+          <a:bodyPr>
+            <a:normAutofit/>
+          </a:bodyPr>
+          <a:lstStyle/>
+          <a:p>
+            <a:r>
+              <a:rPr lang="en-GB" sz="2800" dirty="0"/>
+              <a:t>Full UK map to show the location associated to whole of UK. Made wales pink for this to allow the the area to be seen quickly.</a:t>
+            </a:r>
+          </a:p>
+          <a:p>
+            <a:r>
+              <a:rPr lang="en-GB" sz="2800" dirty="0"/>
+              <a:t>Text added to views can see what the name of the areas are called.</a:t>
+            </a:r>
+          </a:p>
+          <a:p>
+            <a:r>
+              <a:rPr lang="en-GB" sz="2800" dirty="0"/>
+              <a:t>Added Wales Principle areas to show the different areas on the map.</a:t>
+            </a:r>
+          </a:p>
+          <a:p>
+            <a:r>
+              <a:rPr lang="en-GB" sz="2800" dirty="0"/>
+              <a:t>Text size 9</a:t>
+            </a:r>
+          </a:p>
+          <a:p>
+            <a:r>
+              <a:rPr lang="en-GB" sz="2800" dirty="0"/>
+              <a:t>Text: wrapped letters on 2 characters/ Type Case: Title Case</a:t>
+            </a:r>
+          </a:p>
+          <a:p>
+            <a:r>
+              <a:rPr lang="en-GB" sz="2800" dirty="0"/>
+              <a:t>Tried to lay out charts like the co-ordinates of the map</a:t>
+            </a:r>
+          </a:p>
+          <a:p>
+            <a:r>
+              <a:rPr lang="en-GB" sz="2800" dirty="0"/>
+              <a:t>Used same colour coding for the different light conditions.</a:t>
+            </a:r>
+          </a:p>
+          <a:p>
+            <a:r>
+              <a:rPr lang="en-GB" sz="2800" dirty="0"/>
+              <a:t>Tried using a logarithmic scale, but felt that the scale made it hard to read at </a:t>
+            </a:r>
+            <a:r>
+              <a:rPr lang="en-GB" sz="2800"/>
+              <a:t>a glance.</a:t>
+            </a:r>
+            <a:endParaRPr lang="en-GB" sz="2800" dirty="0"/>
+          </a:p>
+          <a:p>
+            <a:endParaRPr lang="en-GB" dirty="0"/>
+          </a:p>
+        </p:txBody>
+      </p:sp>
+    </p:spTree>
+    <p:extLst>
+      <p:ext uri="{BB962C8B-B14F-4D97-AF65-F5344CB8AC3E}">
+        <p14:creationId xmlns:p14="http://schemas.microsoft.com/office/powerpoint/2010/main" val="2311437922"/>
       </p:ext>
     </p:extLst>
   </p:cSld>

--- a/Assignment/HCDV Poster.pptx
+++ b/Assignment/HCDV Poster.pptx
@@ -6,7 +6,10 @@
   </p:sldMasterIdLst>
   <p:sldIdLst>
     <p:sldId id="256" r:id="rId2"/>
-    <p:sldId id="257" r:id="rId3"/>
+    <p:sldId id="258" r:id="rId3"/>
+    <p:sldId id="259" r:id="rId4"/>
+    <p:sldId id="260" r:id="rId5"/>
+    <p:sldId id="257" r:id="rId6"/>
   </p:sldIdLst>
   <p:sldSz cx="42803763" cy="30275213"/>
   <p:notesSz cx="6858000" cy="9144000"/>
@@ -244,7 +247,7 @@
           <a:p>
             <a:fld id="{7410C324-D911-9949-A81A-9C3505B102E7}" type="datetimeFigureOut">
               <a:rPr lang="en-GB" smtClean="0"/>
-              <a:t>28/12/2020</a:t>
+              <a:t>29/12/2020</a:t>
             </a:fld>
             <a:endParaRPr lang="en-GB"/>
           </a:p>
@@ -414,7 +417,7 @@
           <a:p>
             <a:fld id="{7410C324-D911-9949-A81A-9C3505B102E7}" type="datetimeFigureOut">
               <a:rPr lang="en-GB" smtClean="0"/>
-              <a:t>28/12/2020</a:t>
+              <a:t>29/12/2020</a:t>
             </a:fld>
             <a:endParaRPr lang="en-GB"/>
           </a:p>
@@ -594,7 +597,7 @@
           <a:p>
             <a:fld id="{7410C324-D911-9949-A81A-9C3505B102E7}" type="datetimeFigureOut">
               <a:rPr lang="en-GB" smtClean="0"/>
-              <a:t>28/12/2020</a:t>
+              <a:t>29/12/2020</a:t>
             </a:fld>
             <a:endParaRPr lang="en-GB"/>
           </a:p>
@@ -764,7 +767,7 @@
           <a:p>
             <a:fld id="{7410C324-D911-9949-A81A-9C3505B102E7}" type="datetimeFigureOut">
               <a:rPr lang="en-GB" smtClean="0"/>
-              <a:t>28/12/2020</a:t>
+              <a:t>29/12/2020</a:t>
             </a:fld>
             <a:endParaRPr lang="en-GB"/>
           </a:p>
@@ -1008,7 +1011,7 @@
           <a:p>
             <a:fld id="{7410C324-D911-9949-A81A-9C3505B102E7}" type="datetimeFigureOut">
               <a:rPr lang="en-GB" smtClean="0"/>
-              <a:t>28/12/2020</a:t>
+              <a:t>29/12/2020</a:t>
             </a:fld>
             <a:endParaRPr lang="en-GB"/>
           </a:p>
@@ -1240,7 +1243,7 @@
           <a:p>
             <a:fld id="{7410C324-D911-9949-A81A-9C3505B102E7}" type="datetimeFigureOut">
               <a:rPr lang="en-GB" smtClean="0"/>
-              <a:t>28/12/2020</a:t>
+              <a:t>29/12/2020</a:t>
             </a:fld>
             <a:endParaRPr lang="en-GB"/>
           </a:p>
@@ -1607,7 +1610,7 @@
           <a:p>
             <a:fld id="{7410C324-D911-9949-A81A-9C3505B102E7}" type="datetimeFigureOut">
               <a:rPr lang="en-GB" smtClean="0"/>
-              <a:t>28/12/2020</a:t>
+              <a:t>29/12/2020</a:t>
             </a:fld>
             <a:endParaRPr lang="en-GB"/>
           </a:p>
@@ -1725,7 +1728,7 @@
           <a:p>
             <a:fld id="{7410C324-D911-9949-A81A-9C3505B102E7}" type="datetimeFigureOut">
               <a:rPr lang="en-GB" smtClean="0"/>
-              <a:t>28/12/2020</a:t>
+              <a:t>29/12/2020</a:t>
             </a:fld>
             <a:endParaRPr lang="en-GB"/>
           </a:p>
@@ -1820,7 +1823,7 @@
           <a:p>
             <a:fld id="{7410C324-D911-9949-A81A-9C3505B102E7}" type="datetimeFigureOut">
               <a:rPr lang="en-GB" smtClean="0"/>
-              <a:t>28/12/2020</a:t>
+              <a:t>29/12/2020</a:t>
             </a:fld>
             <a:endParaRPr lang="en-GB"/>
           </a:p>
@@ -2097,7 +2100,7 @@
           <a:p>
             <a:fld id="{7410C324-D911-9949-A81A-9C3505B102E7}" type="datetimeFigureOut">
               <a:rPr lang="en-GB" smtClean="0"/>
-              <a:t>28/12/2020</a:t>
+              <a:t>29/12/2020</a:t>
             </a:fld>
             <a:endParaRPr lang="en-GB"/>
           </a:p>
@@ -2354,7 +2357,7 @@
           <a:p>
             <a:fld id="{7410C324-D911-9949-A81A-9C3505B102E7}" type="datetimeFigureOut">
               <a:rPr lang="en-GB" smtClean="0"/>
-              <a:t>28/12/2020</a:t>
+              <a:t>29/12/2020</a:t>
             </a:fld>
             <a:endParaRPr lang="en-GB"/>
           </a:p>
@@ -2567,7 +2570,7 @@
           <a:p>
             <a:fld id="{7410C324-D911-9949-A81A-9C3505B102E7}" type="datetimeFigureOut">
               <a:rPr lang="en-GB" smtClean="0"/>
-              <a:t>28/12/2020</a:t>
+              <a:t>29/12/2020</a:t>
             </a:fld>
             <a:endParaRPr lang="en-GB"/>
           </a:p>
@@ -2987,7 +2990,7 @@
         <p:spPr>
           <a:xfrm>
             <a:off x="1636295" y="1155032"/>
-            <a:ext cx="13883506" cy="3785652"/>
+            <a:ext cx="13883506" cy="1323439"/>
           </a:xfrm>
           <a:prstGeom prst="rect">
             <a:avLst/>
@@ -3001,7 +3004,7 @@
           <a:lstStyle/>
           <a:p>
             <a:r>
-              <a:rPr lang="en-GB" sz="12000" dirty="0"/>
+              <a:rPr lang="en-GB" sz="8000" dirty="0"/>
               <a:t>Total Crashes to Light Conditions.</a:t>
             </a:r>
           </a:p>
@@ -3021,16 +3024,15 @@
           </p:cNvPicPr>
           <p:nvPr/>
         </p:nvPicPr>
-        <p:blipFill>
+        <p:blipFill rotWithShape="1">
           <a:blip r:embed="rId2"/>
-          <a:stretch>
-            <a:fillRect/>
-          </a:stretch>
+          <a:srcRect l="19496" r="13353"/>
+          <a:stretch/>
         </p:blipFill>
         <p:spPr>
           <a:xfrm>
-            <a:off x="20491868" y="776293"/>
-            <a:ext cx="20675600" cy="16395700"/>
+            <a:off x="14460128" y="7854364"/>
+            <a:ext cx="13883506" cy="16395700"/>
           </a:xfrm>
           <a:prstGeom prst="rect">
             <a:avLst/>
@@ -3051,7 +3053,7 @@
         </p:nvGrpSpPr>
         <p:grpSpPr>
           <a:xfrm>
-            <a:off x="38248750" y="5482020"/>
+            <a:off x="39708109" y="0"/>
             <a:ext cx="2918718" cy="4744688"/>
             <a:chOff x="28029184" y="4572001"/>
             <a:chExt cx="5502475" cy="7603958"/>
@@ -3135,12 +3137,52 @@
           </p:txBody>
         </p:sp>
       </p:grpSp>
+      <p:sp>
+        <p:nvSpPr>
+          <p:cNvPr id="2" name="TextBox 1">
+            <a:extLst>
+              <a:ext uri="{FF2B5EF4-FFF2-40B4-BE49-F238E27FC236}">
+                <a16:creationId xmlns:a16="http://schemas.microsoft.com/office/drawing/2014/main" id="{13E79CAA-2257-424A-85D0-43EF377ECEAC}"/>
+              </a:ext>
+            </a:extLst>
+          </p:cNvPr>
+          <p:cNvSpPr txBox="1"/>
+          <p:nvPr/>
+        </p:nvSpPr>
+        <p:spPr>
+          <a:xfrm>
+            <a:off x="1636295" y="2935705"/>
+            <a:ext cx="7748337" cy="369332"/>
+          </a:xfrm>
+          <a:prstGeom prst="rect">
+            <a:avLst/>
+          </a:prstGeom>
+          <a:noFill/>
+        </p:spPr>
+        <p:txBody>
+          <a:bodyPr wrap="square" rtlCol="0">
+            <a:spAutoFit/>
+          </a:bodyPr>
+          <a:lstStyle/>
+          <a:p>
+            <a:r>
+              <a:rPr lang="en-GB" dirty="0"/>
+              <a:t>Give a brief </a:t>
+            </a:r>
+            <a:r>
+              <a:rPr lang="en-GB" dirty="0" err="1"/>
+              <a:t>ocverview</a:t>
+            </a:r>
+            <a:endParaRPr lang="en-GB" dirty="0"/>
+          </a:p>
+        </p:txBody>
+      </p:sp>
       <p:pic>
         <p:nvPicPr>
-          <p:cNvPr id="9" name="slide2" descr="Sheet 1">
-            <a:extLst>
-              <a:ext uri="{FF2B5EF4-FFF2-40B4-BE49-F238E27FC236}">
-                <a16:creationId xmlns:a16="http://schemas.microsoft.com/office/drawing/2014/main" id="{CE9D1F62-205F-9842-9C53-990BE93A40C8}"/>
+          <p:cNvPr id="11" name="slide25" descr="Wrexham">
+            <a:extLst>
+              <a:ext uri="{FF2B5EF4-FFF2-40B4-BE49-F238E27FC236}">
+                <a16:creationId xmlns:a16="http://schemas.microsoft.com/office/drawing/2014/main" id="{7ECAA9BB-13D2-5741-9691-7E6E0036B9F3}"/>
               </a:ext>
             </a:extLst>
           </p:cNvPr>
@@ -3149,7 +3191,7 @@
           </p:cNvPicPr>
           <p:nvPr/>
         </p:nvPicPr>
-        <p:blipFill>
+        <p:blipFill rotWithShape="1">
           <a:blip r:embed="rId4">
             <a:extLst>
               <a:ext uri="{28A0092B-C50C-407E-A947-70E740481C1C}">
@@ -3157,14 +3199,783 @@
               </a:ext>
             </a:extLst>
           </a:blip>
-          <a:stretch>
-            <a:fillRect/>
-          </a:stretch>
+          <a:srcRect r="25273" b="10638"/>
+          <a:stretch/>
         </p:blipFill>
         <p:spPr>
           <a:xfrm>
-            <a:off x="2285749" y="7854364"/>
-            <a:ext cx="6657975" cy="4143375"/>
+            <a:off x="29774417" y="8588496"/>
+            <a:ext cx="5487761" cy="2979124"/>
+          </a:xfrm>
+          <a:prstGeom prst="rect">
+            <a:avLst/>
+          </a:prstGeom>
+        </p:spPr>
+      </p:pic>
+      <p:pic>
+        <p:nvPicPr>
+          <p:cNvPr id="12" name="slide4" descr="Blaenau Gwent">
+            <a:extLst>
+              <a:ext uri="{FF2B5EF4-FFF2-40B4-BE49-F238E27FC236}">
+                <a16:creationId xmlns:a16="http://schemas.microsoft.com/office/drawing/2014/main" id="{86136565-5D92-D94D-B343-324A5EC9FC92}"/>
+              </a:ext>
+            </a:extLst>
+          </p:cNvPr>
+          <p:cNvPicPr>
+            <a:picLocks noChangeAspect="1"/>
+          </p:cNvPicPr>
+          <p:nvPr/>
+        </p:nvPicPr>
+        <p:blipFill rotWithShape="1">
+          <a:blip r:embed="rId5">
+            <a:extLst>
+              <a:ext uri="{28A0092B-C50C-407E-A947-70E740481C1C}">
+                <a14:useLocalDpi xmlns:a14="http://schemas.microsoft.com/office/drawing/2010/main" val="0"/>
+              </a:ext>
+            </a:extLst>
+          </a:blip>
+          <a:srcRect r="25563" b="17474"/>
+          <a:stretch/>
+        </p:blipFill>
+        <p:spPr>
+          <a:xfrm>
+            <a:off x="29774418" y="17080367"/>
+            <a:ext cx="5487760" cy="2696192"/>
+          </a:xfrm>
+          <a:prstGeom prst="rect">
+            <a:avLst/>
+          </a:prstGeom>
+        </p:spPr>
+      </p:pic>
+      <p:pic>
+        <p:nvPicPr>
+          <p:cNvPr id="13" name="slide5" descr="Bridgend">
+            <a:extLst>
+              <a:ext uri="{FF2B5EF4-FFF2-40B4-BE49-F238E27FC236}">
+                <a16:creationId xmlns:a16="http://schemas.microsoft.com/office/drawing/2014/main" id="{E7D374DC-16F9-914E-88A4-91C87F2A7DC3}"/>
+              </a:ext>
+            </a:extLst>
+          </p:cNvPr>
+          <p:cNvPicPr>
+            <a:picLocks noChangeAspect="1"/>
+          </p:cNvPicPr>
+          <p:nvPr/>
+        </p:nvPicPr>
+        <p:blipFill rotWithShape="1">
+          <a:blip r:embed="rId6">
+            <a:extLst>
+              <a:ext uri="{28A0092B-C50C-407E-A947-70E740481C1C}">
+                <a14:useLocalDpi xmlns:a14="http://schemas.microsoft.com/office/drawing/2010/main" val="0"/>
+              </a:ext>
+            </a:extLst>
+          </a:blip>
+          <a:srcRect r="24786" b="12743"/>
+          <a:stretch/>
+        </p:blipFill>
+        <p:spPr>
+          <a:xfrm>
+            <a:off x="19429640" y="24876579"/>
+            <a:ext cx="5487760" cy="2692841"/>
+          </a:xfrm>
+          <a:prstGeom prst="rect">
+            <a:avLst/>
+          </a:prstGeom>
+        </p:spPr>
+      </p:pic>
+      <p:pic>
+        <p:nvPicPr>
+          <p:cNvPr id="14" name="slide6" descr="Caerphilly">
+            <a:extLst>
+              <a:ext uri="{FF2B5EF4-FFF2-40B4-BE49-F238E27FC236}">
+                <a16:creationId xmlns:a16="http://schemas.microsoft.com/office/drawing/2014/main" id="{AB6C43ED-8F7B-BD4D-BEEC-B8381A4592AD}"/>
+              </a:ext>
+            </a:extLst>
+          </p:cNvPr>
+          <p:cNvPicPr>
+            <a:picLocks noChangeAspect="1"/>
+          </p:cNvPicPr>
+          <p:nvPr/>
+        </p:nvPicPr>
+        <p:blipFill rotWithShape="1">
+          <a:blip r:embed="rId7">
+            <a:extLst>
+              <a:ext uri="{28A0092B-C50C-407E-A947-70E740481C1C}">
+                <a14:useLocalDpi xmlns:a14="http://schemas.microsoft.com/office/drawing/2010/main" val="0"/>
+              </a:ext>
+            </a:extLst>
+          </a:blip>
+          <a:srcRect r="25273" b="10638"/>
+          <a:stretch/>
+        </p:blipFill>
+        <p:spPr>
+          <a:xfrm>
+            <a:off x="25414741" y="24965120"/>
+            <a:ext cx="5487760" cy="2979122"/>
+          </a:xfrm>
+          <a:prstGeom prst="rect">
+            <a:avLst/>
+          </a:prstGeom>
+        </p:spPr>
+      </p:pic>
+      <p:pic>
+        <p:nvPicPr>
+          <p:cNvPr id="15" name="slide7" descr="Cardiff">
+            <a:extLst>
+              <a:ext uri="{FF2B5EF4-FFF2-40B4-BE49-F238E27FC236}">
+                <a16:creationId xmlns:a16="http://schemas.microsoft.com/office/drawing/2014/main" id="{A2EE8F0A-B4B1-3A47-8861-5D2CA7BC2294}"/>
+              </a:ext>
+            </a:extLst>
+          </p:cNvPr>
+          <p:cNvPicPr>
+            <a:picLocks noChangeAspect="1"/>
+          </p:cNvPicPr>
+          <p:nvPr/>
+        </p:nvPicPr>
+        <p:blipFill rotWithShape="1">
+          <a:blip r:embed="rId8">
+            <a:extLst>
+              <a:ext uri="{28A0092B-C50C-407E-A947-70E740481C1C}">
+                <a14:useLocalDpi xmlns:a14="http://schemas.microsoft.com/office/drawing/2010/main" val="0"/>
+              </a:ext>
+            </a:extLst>
+          </a:blip>
+          <a:srcRect r="30039" b="14777"/>
+          <a:stretch/>
+        </p:blipFill>
+        <p:spPr>
+          <a:xfrm>
+            <a:off x="30890936" y="24965121"/>
+            <a:ext cx="4558013" cy="2979122"/>
+          </a:xfrm>
+          <a:prstGeom prst="rect">
+            <a:avLst/>
+          </a:prstGeom>
+        </p:spPr>
+      </p:pic>
+      <p:pic>
+        <p:nvPicPr>
+          <p:cNvPr id="16" name="slide8" descr="Carmarthenshire">
+            <a:extLst>
+              <a:ext uri="{FF2B5EF4-FFF2-40B4-BE49-F238E27FC236}">
+                <a16:creationId xmlns:a16="http://schemas.microsoft.com/office/drawing/2014/main" id="{50CF8BC6-67DC-D244-8E74-FC0DFA7A87D1}"/>
+              </a:ext>
+            </a:extLst>
+          </p:cNvPr>
+          <p:cNvPicPr>
+            <a:picLocks noChangeAspect="1"/>
+          </p:cNvPicPr>
+          <p:nvPr/>
+        </p:nvPicPr>
+        <p:blipFill rotWithShape="1">
+          <a:blip r:embed="rId9">
+            <a:extLst>
+              <a:ext uri="{28A0092B-C50C-407E-A947-70E740481C1C}">
+                <a14:useLocalDpi xmlns:a14="http://schemas.microsoft.com/office/drawing/2010/main" val="0"/>
+              </a:ext>
+            </a:extLst>
+          </a:blip>
+          <a:srcRect r="25273" b="14777"/>
+          <a:stretch/>
+        </p:blipFill>
+        <p:spPr>
+          <a:xfrm>
+            <a:off x="1627701" y="25492015"/>
+            <a:ext cx="5487761" cy="2979122"/>
+          </a:xfrm>
+          <a:prstGeom prst="rect">
+            <a:avLst/>
+          </a:prstGeom>
+        </p:spPr>
+      </p:pic>
+      <p:pic>
+        <p:nvPicPr>
+          <p:cNvPr id="17" name="slide9" descr="Ceredigion">
+            <a:extLst>
+              <a:ext uri="{FF2B5EF4-FFF2-40B4-BE49-F238E27FC236}">
+                <a16:creationId xmlns:a16="http://schemas.microsoft.com/office/drawing/2014/main" id="{F656BC71-D6CD-EC43-AF63-D20C607FAB18}"/>
+              </a:ext>
+            </a:extLst>
+          </p:cNvPr>
+          <p:cNvPicPr>
+            <a:picLocks noChangeAspect="1"/>
+          </p:cNvPicPr>
+          <p:nvPr/>
+        </p:nvPicPr>
+        <p:blipFill rotWithShape="1">
+          <a:blip r:embed="rId10">
+            <a:extLst>
+              <a:ext uri="{28A0092B-C50C-407E-A947-70E740481C1C}">
+                <a14:useLocalDpi xmlns:a14="http://schemas.microsoft.com/office/drawing/2010/main" val="0"/>
+              </a:ext>
+            </a:extLst>
+          </a:blip>
+          <a:srcRect r="29729" b="14022"/>
+          <a:stretch/>
+        </p:blipFill>
+        <p:spPr>
+          <a:xfrm>
+            <a:off x="10563386" y="14156739"/>
+            <a:ext cx="4471112" cy="3259391"/>
+          </a:xfrm>
+          <a:prstGeom prst="rect">
+            <a:avLst/>
+          </a:prstGeom>
+        </p:spPr>
+      </p:pic>
+      <p:pic>
+        <p:nvPicPr>
+          <p:cNvPr id="18" name="slide10" descr="Conwy">
+            <a:extLst>
+              <a:ext uri="{FF2B5EF4-FFF2-40B4-BE49-F238E27FC236}">
+                <a16:creationId xmlns:a16="http://schemas.microsoft.com/office/drawing/2014/main" id="{2026BBE7-4919-9C4E-AB62-3C6004A5539E}"/>
+              </a:ext>
+            </a:extLst>
+          </p:cNvPr>
+          <p:cNvPicPr>
+            <a:picLocks noChangeAspect="1"/>
+          </p:cNvPicPr>
+          <p:nvPr/>
+        </p:nvPicPr>
+        <p:blipFill rotWithShape="1">
+          <a:blip r:embed="rId11">
+            <a:extLst>
+              <a:ext uri="{28A0092B-C50C-407E-A947-70E740481C1C}">
+                <a14:useLocalDpi xmlns:a14="http://schemas.microsoft.com/office/drawing/2010/main" val="0"/>
+              </a:ext>
+            </a:extLst>
+          </a:blip>
+          <a:srcRect r="28422" b="15245"/>
+          <a:stretch/>
+        </p:blipFill>
+        <p:spPr>
+          <a:xfrm>
+            <a:off x="20363090" y="4520111"/>
+            <a:ext cx="4554310" cy="2962759"/>
+          </a:xfrm>
+          <a:prstGeom prst="rect">
+            <a:avLst/>
+          </a:prstGeom>
+        </p:spPr>
+      </p:pic>
+      <p:pic>
+        <p:nvPicPr>
+          <p:cNvPr id="19" name="slide11" descr="Denbighshire">
+            <a:extLst>
+              <a:ext uri="{FF2B5EF4-FFF2-40B4-BE49-F238E27FC236}">
+                <a16:creationId xmlns:a16="http://schemas.microsoft.com/office/drawing/2014/main" id="{6D7C69FE-BD87-7E4F-8E4D-7E48EDC05CF0}"/>
+              </a:ext>
+            </a:extLst>
+          </p:cNvPr>
+          <p:cNvPicPr>
+            <a:picLocks noChangeAspect="1"/>
+          </p:cNvPicPr>
+          <p:nvPr/>
+        </p:nvPicPr>
+        <p:blipFill rotWithShape="1">
+          <a:blip r:embed="rId12">
+            <a:extLst>
+              <a:ext uri="{28A0092B-C50C-407E-A947-70E740481C1C}">
+                <a14:useLocalDpi xmlns:a14="http://schemas.microsoft.com/office/drawing/2010/main" val="0"/>
+              </a:ext>
+            </a:extLst>
+          </a:blip>
+          <a:srcRect r="28422" b="14777"/>
+          <a:stretch/>
+        </p:blipFill>
+        <p:spPr>
+          <a:xfrm>
+            <a:off x="25162284" y="4535009"/>
+            <a:ext cx="4554310" cy="2979122"/>
+          </a:xfrm>
+          <a:prstGeom prst="rect">
+            <a:avLst/>
+          </a:prstGeom>
+        </p:spPr>
+      </p:pic>
+      <p:pic>
+        <p:nvPicPr>
+          <p:cNvPr id="20" name="slide12" descr="Flintshire">
+            <a:extLst>
+              <a:ext uri="{FF2B5EF4-FFF2-40B4-BE49-F238E27FC236}">
+                <a16:creationId xmlns:a16="http://schemas.microsoft.com/office/drawing/2014/main" id="{BD6B0DDA-F72A-2446-8E2D-CD8D44EEB332}"/>
+              </a:ext>
+            </a:extLst>
+          </p:cNvPr>
+          <p:cNvPicPr>
+            <a:picLocks noChangeAspect="1"/>
+          </p:cNvPicPr>
+          <p:nvPr/>
+        </p:nvPicPr>
+        <p:blipFill rotWithShape="1">
+          <a:blip r:embed="rId13">
+            <a:extLst>
+              <a:ext uri="{28A0092B-C50C-407E-A947-70E740481C1C}">
+                <a14:useLocalDpi xmlns:a14="http://schemas.microsoft.com/office/drawing/2010/main" val="0"/>
+              </a:ext>
+            </a:extLst>
+          </a:blip>
+          <a:srcRect r="25273" b="10638"/>
+          <a:stretch/>
+        </p:blipFill>
+        <p:spPr>
+          <a:xfrm>
+            <a:off x="29774419" y="4785474"/>
+            <a:ext cx="5487760" cy="2979122"/>
+          </a:xfrm>
+          <a:prstGeom prst="rect">
+            <a:avLst/>
+          </a:prstGeom>
+        </p:spPr>
+      </p:pic>
+      <p:pic>
+        <p:nvPicPr>
+          <p:cNvPr id="21" name="slide13" descr="Gwynedd">
+            <a:extLst>
+              <a:ext uri="{FF2B5EF4-FFF2-40B4-BE49-F238E27FC236}">
+                <a16:creationId xmlns:a16="http://schemas.microsoft.com/office/drawing/2014/main" id="{3950D1D2-50ED-AD45-B801-D7C23C1EB8A6}"/>
+              </a:ext>
+            </a:extLst>
+          </p:cNvPr>
+          <p:cNvPicPr>
+            <a:picLocks noChangeAspect="1"/>
+          </p:cNvPicPr>
+          <p:nvPr/>
+        </p:nvPicPr>
+        <p:blipFill rotWithShape="1">
+          <a:blip r:embed="rId14">
+            <a:extLst>
+              <a:ext uri="{28A0092B-C50C-407E-A947-70E740481C1C}">
+                <a14:useLocalDpi xmlns:a14="http://schemas.microsoft.com/office/drawing/2010/main" val="0"/>
+              </a:ext>
+            </a:extLst>
+          </a:blip>
+          <a:srcRect r="30684" b="14777"/>
+          <a:stretch/>
+        </p:blipFill>
+        <p:spPr>
+          <a:xfrm>
+            <a:off x="10563386" y="10755890"/>
+            <a:ext cx="4410357" cy="2979121"/>
+          </a:xfrm>
+          <a:prstGeom prst="rect">
+            <a:avLst/>
+          </a:prstGeom>
+        </p:spPr>
+      </p:pic>
+      <p:pic>
+        <p:nvPicPr>
+          <p:cNvPr id="22" name="slide14" descr="Isle of Anglesey">
+            <a:extLst>
+              <a:ext uri="{FF2B5EF4-FFF2-40B4-BE49-F238E27FC236}">
+                <a16:creationId xmlns:a16="http://schemas.microsoft.com/office/drawing/2014/main" id="{642F09C3-A47B-B040-96A0-5D9FC683BC53}"/>
+              </a:ext>
+            </a:extLst>
+          </p:cNvPr>
+          <p:cNvPicPr>
+            <a:picLocks noChangeAspect="1"/>
+          </p:cNvPicPr>
+          <p:nvPr/>
+        </p:nvPicPr>
+        <p:blipFill rotWithShape="1">
+          <a:blip r:embed="rId15">
+            <a:extLst>
+              <a:ext uri="{28A0092B-C50C-407E-A947-70E740481C1C}">
+                <a14:useLocalDpi xmlns:a14="http://schemas.microsoft.com/office/drawing/2010/main" val="0"/>
+              </a:ext>
+            </a:extLst>
+          </a:blip>
+          <a:srcRect r="25796" b="14608"/>
+          <a:stretch/>
+        </p:blipFill>
+        <p:spPr>
+          <a:xfrm>
+            <a:off x="10772936" y="4869343"/>
+            <a:ext cx="4410357" cy="2985021"/>
+          </a:xfrm>
+          <a:prstGeom prst="rect">
+            <a:avLst/>
+          </a:prstGeom>
+        </p:spPr>
+      </p:pic>
+      <p:pic>
+        <p:nvPicPr>
+          <p:cNvPr id="23" name="slide15" descr="Merthyr Tydfil">
+            <a:extLst>
+              <a:ext uri="{FF2B5EF4-FFF2-40B4-BE49-F238E27FC236}">
+                <a16:creationId xmlns:a16="http://schemas.microsoft.com/office/drawing/2014/main" id="{D32995F7-5E92-4643-9CEC-295EAF76F2E5}"/>
+              </a:ext>
+            </a:extLst>
+          </p:cNvPr>
+          <p:cNvPicPr>
+            <a:picLocks noChangeAspect="1"/>
+          </p:cNvPicPr>
+          <p:nvPr/>
+        </p:nvPicPr>
+        <p:blipFill rotWithShape="1">
+          <a:blip r:embed="rId16">
+            <a:extLst>
+              <a:ext uri="{28A0092B-C50C-407E-A947-70E740481C1C}">
+                <a14:useLocalDpi xmlns:a14="http://schemas.microsoft.com/office/drawing/2010/main" val="0"/>
+              </a:ext>
+            </a:extLst>
+          </a:blip>
+          <a:srcRect r="29357" b="14776"/>
+          <a:stretch/>
+        </p:blipFill>
+        <p:spPr>
+          <a:xfrm>
+            <a:off x="28158621" y="21845934"/>
+            <a:ext cx="4447729" cy="2979123"/>
+          </a:xfrm>
+          <a:prstGeom prst="rect">
+            <a:avLst/>
+          </a:prstGeom>
+        </p:spPr>
+      </p:pic>
+      <p:pic>
+        <p:nvPicPr>
+          <p:cNvPr id="24" name="slide16" descr="Monmouthshire">
+            <a:extLst>
+              <a:ext uri="{FF2B5EF4-FFF2-40B4-BE49-F238E27FC236}">
+                <a16:creationId xmlns:a16="http://schemas.microsoft.com/office/drawing/2014/main" id="{EC32B1C6-D21D-7240-88F7-C536787FC9EF}"/>
+              </a:ext>
+            </a:extLst>
+          </p:cNvPr>
+          <p:cNvPicPr>
+            <a:picLocks noChangeAspect="1"/>
+          </p:cNvPicPr>
+          <p:nvPr/>
+        </p:nvPicPr>
+        <p:blipFill rotWithShape="1">
+          <a:blip r:embed="rId17">
+            <a:extLst>
+              <a:ext uri="{28A0092B-C50C-407E-A947-70E740481C1C}">
+                <a14:useLocalDpi xmlns:a14="http://schemas.microsoft.com/office/drawing/2010/main" val="0"/>
+              </a:ext>
+            </a:extLst>
+          </a:blip>
+          <a:srcRect r="25273" b="14777"/>
+          <a:stretch/>
+        </p:blipFill>
+        <p:spPr>
+          <a:xfrm>
+            <a:off x="34108052" y="20347442"/>
+            <a:ext cx="5487760" cy="2979122"/>
+          </a:xfrm>
+          <a:prstGeom prst="rect">
+            <a:avLst/>
+          </a:prstGeom>
+        </p:spPr>
+      </p:pic>
+      <p:pic>
+        <p:nvPicPr>
+          <p:cNvPr id="25" name="slide17" descr="Neath &amp;amp; Port Talbot">
+            <a:extLst>
+              <a:ext uri="{FF2B5EF4-FFF2-40B4-BE49-F238E27FC236}">
+                <a16:creationId xmlns:a16="http://schemas.microsoft.com/office/drawing/2014/main" id="{B00A75CE-3B75-634F-80F0-F0452D8CE1D9}"/>
+              </a:ext>
+            </a:extLst>
+          </p:cNvPr>
+          <p:cNvPicPr>
+            <a:picLocks noChangeAspect="1"/>
+          </p:cNvPicPr>
+          <p:nvPr/>
+        </p:nvPicPr>
+        <p:blipFill rotWithShape="1">
+          <a:blip r:embed="rId18">
+            <a:extLst>
+              <a:ext uri="{28A0092B-C50C-407E-A947-70E740481C1C}">
+                <a14:useLocalDpi xmlns:a14="http://schemas.microsoft.com/office/drawing/2010/main" val="0"/>
+              </a:ext>
+            </a:extLst>
+          </a:blip>
+          <a:srcRect r="29729" b="14777"/>
+          <a:stretch/>
+        </p:blipFill>
+        <p:spPr>
+          <a:xfrm>
+            <a:off x="14176117" y="24671792"/>
+            <a:ext cx="4471112" cy="2979122"/>
+          </a:xfrm>
+          <a:prstGeom prst="rect">
+            <a:avLst/>
+          </a:prstGeom>
+        </p:spPr>
+      </p:pic>
+      <p:pic>
+        <p:nvPicPr>
+          <p:cNvPr id="26" name="slide18" descr="Newport">
+            <a:extLst>
+              <a:ext uri="{FF2B5EF4-FFF2-40B4-BE49-F238E27FC236}">
+                <a16:creationId xmlns:a16="http://schemas.microsoft.com/office/drawing/2014/main" id="{3F281E80-F51C-E641-B8F5-11BC30CA7BAE}"/>
+              </a:ext>
+            </a:extLst>
+          </p:cNvPr>
+          <p:cNvPicPr>
+            <a:picLocks noChangeAspect="1"/>
+          </p:cNvPicPr>
+          <p:nvPr/>
+        </p:nvPicPr>
+        <p:blipFill rotWithShape="1">
+          <a:blip r:embed="rId19">
+            <a:extLst>
+              <a:ext uri="{28A0092B-C50C-407E-A947-70E740481C1C}">
+                <a14:useLocalDpi xmlns:a14="http://schemas.microsoft.com/office/drawing/2010/main" val="0"/>
+              </a:ext>
+            </a:extLst>
+          </a:blip>
+          <a:srcRect r="25273" b="10638"/>
+          <a:stretch/>
+        </p:blipFill>
+        <p:spPr>
+          <a:xfrm>
+            <a:off x="35745480" y="24965120"/>
+            <a:ext cx="5487760" cy="2979122"/>
+          </a:xfrm>
+          <a:prstGeom prst="rect">
+            <a:avLst/>
+          </a:prstGeom>
+        </p:spPr>
+      </p:pic>
+      <p:pic>
+        <p:nvPicPr>
+          <p:cNvPr id="27" name="slide19" descr="Pembrokeshire">
+            <a:extLst>
+              <a:ext uri="{FF2B5EF4-FFF2-40B4-BE49-F238E27FC236}">
+                <a16:creationId xmlns:a16="http://schemas.microsoft.com/office/drawing/2014/main" id="{1C96E80D-D04E-4242-A1E2-E76E080C9F80}"/>
+              </a:ext>
+            </a:extLst>
+          </p:cNvPr>
+          <p:cNvPicPr>
+            <a:picLocks noChangeAspect="1"/>
+          </p:cNvPicPr>
+          <p:nvPr/>
+        </p:nvPicPr>
+        <p:blipFill rotWithShape="1">
+          <a:blip r:embed="rId20">
+            <a:extLst>
+              <a:ext uri="{28A0092B-C50C-407E-A947-70E740481C1C}">
+                <a14:useLocalDpi xmlns:a14="http://schemas.microsoft.com/office/drawing/2010/main" val="0"/>
+              </a:ext>
+            </a:extLst>
+          </a:blip>
+          <a:srcRect r="25273" b="13744"/>
+          <a:stretch/>
+        </p:blipFill>
+        <p:spPr>
+          <a:xfrm>
+            <a:off x="1838576" y="20311347"/>
+            <a:ext cx="5487762" cy="3015218"/>
+          </a:xfrm>
+          <a:prstGeom prst="rect">
+            <a:avLst/>
+          </a:prstGeom>
+        </p:spPr>
+      </p:pic>
+      <p:pic>
+        <p:nvPicPr>
+          <p:cNvPr id="28" name="slide20" descr="Powys">
+            <a:extLst>
+              <a:ext uri="{FF2B5EF4-FFF2-40B4-BE49-F238E27FC236}">
+                <a16:creationId xmlns:a16="http://schemas.microsoft.com/office/drawing/2014/main" id="{2092EF91-2043-1745-A95E-0BB005DD6924}"/>
+              </a:ext>
+            </a:extLst>
+          </p:cNvPr>
+          <p:cNvPicPr>
+            <a:picLocks noChangeAspect="1"/>
+          </p:cNvPicPr>
+          <p:nvPr/>
+        </p:nvPicPr>
+        <p:blipFill rotWithShape="1">
+          <a:blip r:embed="rId21">
+            <a:extLst>
+              <a:ext uri="{28A0092B-C50C-407E-A947-70E740481C1C}">
+                <a14:useLocalDpi xmlns:a14="http://schemas.microsoft.com/office/drawing/2010/main" val="0"/>
+              </a:ext>
+            </a:extLst>
+          </a:blip>
+          <a:srcRect r="30097" b="14776"/>
+          <a:stretch/>
+        </p:blipFill>
+        <p:spPr>
+          <a:xfrm>
+            <a:off x="29774417" y="12480060"/>
+            <a:ext cx="4447729" cy="2979124"/>
+          </a:xfrm>
+          <a:prstGeom prst="rect">
+            <a:avLst/>
+          </a:prstGeom>
+        </p:spPr>
+      </p:pic>
+      <p:pic>
+        <p:nvPicPr>
+          <p:cNvPr id="29" name="slide21" descr="Rhondda Cynon Taff">
+            <a:extLst>
+              <a:ext uri="{FF2B5EF4-FFF2-40B4-BE49-F238E27FC236}">
+                <a16:creationId xmlns:a16="http://schemas.microsoft.com/office/drawing/2014/main" id="{6275AF14-5261-4545-A9B6-79D565E92C88}"/>
+              </a:ext>
+            </a:extLst>
+          </p:cNvPr>
+          <p:cNvPicPr>
+            <a:picLocks noChangeAspect="1"/>
+          </p:cNvPicPr>
+          <p:nvPr/>
+        </p:nvPicPr>
+        <p:blipFill rotWithShape="1">
+          <a:blip r:embed="rId22">
+            <a:extLst>
+              <a:ext uri="{28A0092B-C50C-407E-A947-70E740481C1C}">
+                <a14:useLocalDpi xmlns:a14="http://schemas.microsoft.com/office/drawing/2010/main" val="0"/>
+              </a:ext>
+            </a:extLst>
+          </a:blip>
+          <a:srcRect r="25273" b="18361"/>
+          <a:stretch/>
+        </p:blipFill>
+        <p:spPr>
+          <a:xfrm>
+            <a:off x="16041674" y="21971211"/>
+            <a:ext cx="5487763" cy="2853846"/>
+          </a:xfrm>
+          <a:prstGeom prst="rect">
+            <a:avLst/>
+          </a:prstGeom>
+        </p:spPr>
+      </p:pic>
+      <p:pic>
+        <p:nvPicPr>
+          <p:cNvPr id="30" name="slide23" descr="Torfaen">
+            <a:extLst>
+              <a:ext uri="{FF2B5EF4-FFF2-40B4-BE49-F238E27FC236}">
+                <a16:creationId xmlns:a16="http://schemas.microsoft.com/office/drawing/2014/main" id="{7B213DA8-16C6-0545-9F06-343D7CE99805}"/>
+              </a:ext>
+            </a:extLst>
+          </p:cNvPr>
+          <p:cNvPicPr>
+            <a:picLocks noChangeAspect="1"/>
+          </p:cNvPicPr>
+          <p:nvPr/>
+        </p:nvPicPr>
+        <p:blipFill rotWithShape="1">
+          <a:blip r:embed="rId23">
+            <a:extLst>
+              <a:ext uri="{28A0092B-C50C-407E-A947-70E740481C1C}">
+                <a14:useLocalDpi xmlns:a14="http://schemas.microsoft.com/office/drawing/2010/main" val="0"/>
+              </a:ext>
+            </a:extLst>
+          </a:blip>
+          <a:srcRect r="24589" b="15245"/>
+          <a:stretch/>
+        </p:blipFill>
+        <p:spPr>
+          <a:xfrm>
+            <a:off x="718016" y="4360437"/>
+            <a:ext cx="5487762" cy="2962759"/>
+          </a:xfrm>
+          <a:prstGeom prst="rect">
+            <a:avLst/>
+          </a:prstGeom>
+        </p:spPr>
+      </p:pic>
+      <p:pic>
+        <p:nvPicPr>
+          <p:cNvPr id="31" name="slide22" descr="Swansea">
+            <a:extLst>
+              <a:ext uri="{FF2B5EF4-FFF2-40B4-BE49-F238E27FC236}">
+                <a16:creationId xmlns:a16="http://schemas.microsoft.com/office/drawing/2014/main" id="{DC062F9F-91C9-E040-BF0D-97311A0F907B}"/>
+              </a:ext>
+            </a:extLst>
+          </p:cNvPr>
+          <p:cNvPicPr>
+            <a:picLocks noChangeAspect="1"/>
+          </p:cNvPicPr>
+          <p:nvPr/>
+        </p:nvPicPr>
+        <p:blipFill rotWithShape="1">
+          <a:blip r:embed="rId24">
+            <a:extLst>
+              <a:ext uri="{28A0092B-C50C-407E-A947-70E740481C1C}">
+                <a14:useLocalDpi xmlns:a14="http://schemas.microsoft.com/office/drawing/2010/main" val="0"/>
+              </a:ext>
+            </a:extLst>
+          </a:blip>
+          <a:srcRect r="25273" b="9311"/>
+          <a:stretch/>
+        </p:blipFill>
+        <p:spPr>
+          <a:xfrm>
+            <a:off x="718016" y="7786119"/>
+            <a:ext cx="5487763" cy="3023349"/>
+          </a:xfrm>
+          <a:prstGeom prst="rect">
+            <a:avLst/>
+          </a:prstGeom>
+        </p:spPr>
+      </p:pic>
+      <p:pic>
+        <p:nvPicPr>
+          <p:cNvPr id="32" name="slide24" descr="Vale of Glamorgan">
+            <a:extLst>
+              <a:ext uri="{FF2B5EF4-FFF2-40B4-BE49-F238E27FC236}">
+                <a16:creationId xmlns:a16="http://schemas.microsoft.com/office/drawing/2014/main" id="{EDF3DEB2-B23C-7643-8698-B0743030CD64}"/>
+              </a:ext>
+            </a:extLst>
+          </p:cNvPr>
+          <p:cNvPicPr>
+            <a:picLocks noChangeAspect="1"/>
+          </p:cNvPicPr>
+          <p:nvPr/>
+        </p:nvPicPr>
+        <p:blipFill rotWithShape="1">
+          <a:blip r:embed="rId25">
+            <a:extLst>
+              <a:ext uri="{28A0092B-C50C-407E-A947-70E740481C1C}">
+                <a14:useLocalDpi xmlns:a14="http://schemas.microsoft.com/office/drawing/2010/main" val="0"/>
+              </a:ext>
+            </a:extLst>
+          </a:blip>
+          <a:srcRect r="25273" b="13744"/>
+          <a:stretch/>
+        </p:blipFill>
+        <p:spPr>
+          <a:xfrm>
+            <a:off x="718017" y="11168795"/>
+            <a:ext cx="5487762" cy="3015218"/>
+          </a:xfrm>
+          <a:prstGeom prst="rect">
+            <a:avLst/>
+          </a:prstGeom>
+        </p:spPr>
+      </p:pic>
+      <p:pic>
+        <p:nvPicPr>
+          <p:cNvPr id="33" name="slide22" descr="Swansea">
+            <a:extLst>
+              <a:ext uri="{FF2B5EF4-FFF2-40B4-BE49-F238E27FC236}">
+                <a16:creationId xmlns:a16="http://schemas.microsoft.com/office/drawing/2014/main" id="{10ED9F54-A959-574A-A76D-4B9AA9D4B1DE}"/>
+              </a:ext>
+            </a:extLst>
+          </p:cNvPr>
+          <p:cNvPicPr>
+            <a:picLocks noChangeAspect="1"/>
+          </p:cNvPicPr>
+          <p:nvPr/>
+        </p:nvPicPr>
+        <p:blipFill rotWithShape="1">
+          <a:blip r:embed="rId24">
+            <a:extLst>
+              <a:ext uri="{28A0092B-C50C-407E-A947-70E740481C1C}">
+                <a14:useLocalDpi xmlns:a14="http://schemas.microsoft.com/office/drawing/2010/main" val="0"/>
+              </a:ext>
+            </a:extLst>
+          </a:blip>
+          <a:srcRect l="74145" b="47147"/>
+          <a:stretch/>
+        </p:blipFill>
+        <p:spPr>
+          <a:xfrm>
+            <a:off x="37724315" y="407049"/>
+            <a:ext cx="1898722" cy="1761993"/>
           </a:xfrm>
           <a:prstGeom prst="rect">
             <a:avLst/>
@@ -3185,6 +3996,6089 @@
 </file>
 
 <file path=ppt/slides/slide2.xml><?xml version="1.0" encoding="utf-8"?>
+<p:sld xmlns:a="http://schemas.openxmlformats.org/drawingml/2006/main" xmlns:r="http://schemas.openxmlformats.org/officeDocument/2006/relationships" xmlns:p="http://schemas.openxmlformats.org/presentationml/2006/main">
+  <p:cSld>
+    <p:bg>
+      <p:bgPr>
+        <a:solidFill>
+          <a:schemeClr val="bg1"/>
+        </a:solidFill>
+        <a:effectLst/>
+      </p:bgPr>
+    </p:bg>
+    <p:spTree>
+      <p:nvGrpSpPr>
+        <p:cNvPr id="1" name=""/>
+        <p:cNvGrpSpPr/>
+        <p:nvPr/>
+      </p:nvGrpSpPr>
+      <p:grpSpPr>
+        <a:xfrm>
+          <a:off x="0" y="0"/>
+          <a:ext cx="0" cy="0"/>
+          <a:chOff x="0" y="0"/>
+          <a:chExt cx="0" cy="0"/>
+        </a:xfrm>
+      </p:grpSpPr>
+      <p:sp>
+        <p:nvSpPr>
+          <p:cNvPr id="8" name="TextBox 7">
+            <a:extLst>
+              <a:ext uri="{FF2B5EF4-FFF2-40B4-BE49-F238E27FC236}">
+                <a16:creationId xmlns:a16="http://schemas.microsoft.com/office/drawing/2014/main" id="{AB538B17-6B2A-5A47-BDAA-1089B5B8AF14}"/>
+              </a:ext>
+            </a:extLst>
+          </p:cNvPr>
+          <p:cNvSpPr txBox="1"/>
+          <p:nvPr/>
+        </p:nvSpPr>
+        <p:spPr>
+          <a:xfrm>
+            <a:off x="1636295" y="1155032"/>
+            <a:ext cx="13883506" cy="1323439"/>
+          </a:xfrm>
+          <a:prstGeom prst="rect">
+            <a:avLst/>
+          </a:prstGeom>
+          <a:noFill/>
+        </p:spPr>
+        <p:txBody>
+          <a:bodyPr wrap="square" rtlCol="0">
+            <a:spAutoFit/>
+          </a:bodyPr>
+          <a:lstStyle/>
+          <a:p>
+            <a:r>
+              <a:rPr lang="en-GB" sz="8000" dirty="0"/>
+              <a:t>Total Crashes to Light Conditions.</a:t>
+            </a:r>
+          </a:p>
+        </p:txBody>
+      </p:sp>
+      <p:pic>
+        <p:nvPicPr>
+          <p:cNvPr id="10" name="Picture 9" descr="Map&#10;&#10;Description automatically generated">
+            <a:extLst>
+              <a:ext uri="{FF2B5EF4-FFF2-40B4-BE49-F238E27FC236}">
+                <a16:creationId xmlns:a16="http://schemas.microsoft.com/office/drawing/2014/main" id="{405DA148-DA01-9E46-AF4F-804671AFF149}"/>
+              </a:ext>
+            </a:extLst>
+          </p:cNvPr>
+          <p:cNvPicPr>
+            <a:picLocks noChangeAspect="1"/>
+          </p:cNvPicPr>
+          <p:nvPr/>
+        </p:nvPicPr>
+        <p:blipFill rotWithShape="1">
+          <a:blip r:embed="rId2"/>
+          <a:srcRect l="19496" r="15752"/>
+          <a:stretch/>
+        </p:blipFill>
+        <p:spPr>
+          <a:xfrm>
+            <a:off x="29416320" y="5607704"/>
+            <a:ext cx="13387443" cy="16395700"/>
+          </a:xfrm>
+          <a:prstGeom prst="rect">
+            <a:avLst/>
+          </a:prstGeom>
+        </p:spPr>
+      </p:pic>
+      <p:grpSp>
+        <p:nvGrpSpPr>
+          <p:cNvPr id="7" name="Group 6">
+            <a:extLst>
+              <a:ext uri="{FF2B5EF4-FFF2-40B4-BE49-F238E27FC236}">
+                <a16:creationId xmlns:a16="http://schemas.microsoft.com/office/drawing/2014/main" id="{F962BA1E-9791-5B48-858F-E40036CD8EF6}"/>
+              </a:ext>
+            </a:extLst>
+          </p:cNvPr>
+          <p:cNvGrpSpPr/>
+          <p:nvPr/>
+        </p:nvGrpSpPr>
+        <p:grpSpPr>
+          <a:xfrm>
+            <a:off x="39708109" y="0"/>
+            <a:ext cx="2918718" cy="4744688"/>
+            <a:chOff x="28029184" y="4572001"/>
+            <a:chExt cx="5502475" cy="7603958"/>
+          </a:xfrm>
+        </p:grpSpPr>
+        <p:pic>
+          <p:nvPicPr>
+            <p:cNvPr id="3" name="Picture 2" descr="Icon&#10;&#10;Description automatically generated with medium confidence">
+              <a:extLst>
+                <a:ext uri="{FF2B5EF4-FFF2-40B4-BE49-F238E27FC236}">
+                  <a16:creationId xmlns:a16="http://schemas.microsoft.com/office/drawing/2014/main" id="{6DDB6B8B-1255-C74A-8D22-D7C662768239}"/>
+                </a:ext>
+              </a:extLst>
+            </p:cNvPr>
+            <p:cNvPicPr>
+              <a:picLocks noChangeAspect="1"/>
+            </p:cNvPicPr>
+            <p:nvPr/>
+          </p:nvPicPr>
+          <p:blipFill rotWithShape="1">
+            <a:blip r:embed="rId3"/>
+            <a:srcRect l="21409" r="31818"/>
+            <a:stretch/>
+          </p:blipFill>
+          <p:spPr>
+            <a:xfrm>
+              <a:off x="28029184" y="4572001"/>
+              <a:ext cx="5502475" cy="7603958"/>
+            </a:xfrm>
+            <a:prstGeom prst="rect">
+              <a:avLst/>
+            </a:prstGeom>
+          </p:spPr>
+        </p:pic>
+        <p:sp>
+          <p:nvSpPr>
+            <p:cNvPr id="4" name="Oval 3">
+              <a:extLst>
+                <a:ext uri="{FF2B5EF4-FFF2-40B4-BE49-F238E27FC236}">
+                  <a16:creationId xmlns:a16="http://schemas.microsoft.com/office/drawing/2014/main" id="{C203F0B9-632E-C544-AD89-9BCAE184CFCF}"/>
+                </a:ext>
+              </a:extLst>
+            </p:cNvPr>
+            <p:cNvSpPr/>
+            <p:nvPr/>
+          </p:nvSpPr>
+          <p:spPr>
+            <a:xfrm>
+              <a:off x="30319579" y="8855242"/>
+              <a:ext cx="1251284" cy="1732547"/>
+            </a:xfrm>
+            <a:prstGeom prst="ellipse">
+              <a:avLst/>
+            </a:prstGeom>
+            <a:noFill/>
+            <a:ln w="38100"/>
+          </p:spPr>
+          <p:style>
+            <a:lnRef idx="2">
+              <a:schemeClr val="accent1">
+                <a:shade val="50000"/>
+              </a:schemeClr>
+            </a:lnRef>
+            <a:fillRef idx="1">
+              <a:schemeClr val="accent1"/>
+            </a:fillRef>
+            <a:effectRef idx="0">
+              <a:schemeClr val="accent1"/>
+            </a:effectRef>
+            <a:fontRef idx="minor">
+              <a:schemeClr val="lt1"/>
+            </a:fontRef>
+          </p:style>
+          <p:txBody>
+            <a:bodyPr rtlCol="0" anchor="ctr"/>
+            <a:lstStyle/>
+            <a:p>
+              <a:pPr algn="ctr"/>
+              <a:endParaRPr lang="en-GB"/>
+            </a:p>
+          </p:txBody>
+        </p:sp>
+      </p:grpSp>
+      <p:sp>
+        <p:nvSpPr>
+          <p:cNvPr id="2" name="TextBox 1">
+            <a:extLst>
+              <a:ext uri="{FF2B5EF4-FFF2-40B4-BE49-F238E27FC236}">
+                <a16:creationId xmlns:a16="http://schemas.microsoft.com/office/drawing/2014/main" id="{13E79CAA-2257-424A-85D0-43EF377ECEAC}"/>
+              </a:ext>
+            </a:extLst>
+          </p:cNvPr>
+          <p:cNvSpPr txBox="1"/>
+          <p:nvPr/>
+        </p:nvSpPr>
+        <p:spPr>
+          <a:xfrm>
+            <a:off x="1636295" y="2935705"/>
+            <a:ext cx="7748337" cy="369332"/>
+          </a:xfrm>
+          <a:prstGeom prst="rect">
+            <a:avLst/>
+          </a:prstGeom>
+          <a:noFill/>
+        </p:spPr>
+        <p:txBody>
+          <a:bodyPr wrap="square" rtlCol="0">
+            <a:spAutoFit/>
+          </a:bodyPr>
+          <a:lstStyle/>
+          <a:p>
+            <a:r>
+              <a:rPr lang="en-GB" dirty="0"/>
+              <a:t>Give a brief </a:t>
+            </a:r>
+            <a:r>
+              <a:rPr lang="en-GB" dirty="0" err="1"/>
+              <a:t>ocverview</a:t>
+            </a:r>
+            <a:endParaRPr lang="en-GB" dirty="0"/>
+          </a:p>
+        </p:txBody>
+      </p:sp>
+      <p:pic>
+        <p:nvPicPr>
+          <p:cNvPr id="11" name="slide25" descr="Wrexham">
+            <a:extLst>
+              <a:ext uri="{FF2B5EF4-FFF2-40B4-BE49-F238E27FC236}">
+                <a16:creationId xmlns:a16="http://schemas.microsoft.com/office/drawing/2014/main" id="{7ECAA9BB-13D2-5741-9691-7E6E0036B9F3}"/>
+              </a:ext>
+            </a:extLst>
+          </p:cNvPr>
+          <p:cNvPicPr>
+            <a:picLocks noChangeAspect="1"/>
+          </p:cNvPicPr>
+          <p:nvPr/>
+        </p:nvPicPr>
+        <p:blipFill rotWithShape="1">
+          <a:blip r:embed="rId4">
+            <a:extLst>
+              <a:ext uri="{28A0092B-C50C-407E-A947-70E740481C1C}">
+                <a14:useLocalDpi xmlns:a14="http://schemas.microsoft.com/office/drawing/2010/main" val="0"/>
+              </a:ext>
+            </a:extLst>
+          </a:blip>
+          <a:srcRect r="25273" b="10638"/>
+          <a:stretch/>
+        </p:blipFill>
+        <p:spPr>
+          <a:xfrm>
+            <a:off x="17588203" y="7958936"/>
+            <a:ext cx="5487761" cy="2979124"/>
+          </a:xfrm>
+          <a:prstGeom prst="rect">
+            <a:avLst/>
+          </a:prstGeom>
+        </p:spPr>
+      </p:pic>
+      <p:pic>
+        <p:nvPicPr>
+          <p:cNvPr id="12" name="slide4" descr="Blaenau Gwent">
+            <a:extLst>
+              <a:ext uri="{FF2B5EF4-FFF2-40B4-BE49-F238E27FC236}">
+                <a16:creationId xmlns:a16="http://schemas.microsoft.com/office/drawing/2014/main" id="{86136565-5D92-D94D-B343-324A5EC9FC92}"/>
+              </a:ext>
+            </a:extLst>
+          </p:cNvPr>
+          <p:cNvPicPr>
+            <a:picLocks noChangeAspect="1"/>
+          </p:cNvPicPr>
+          <p:nvPr/>
+        </p:nvPicPr>
+        <p:blipFill rotWithShape="1">
+          <a:blip r:embed="rId5">
+            <a:extLst>
+              <a:ext uri="{28A0092B-C50C-407E-A947-70E740481C1C}">
+                <a14:useLocalDpi xmlns:a14="http://schemas.microsoft.com/office/drawing/2010/main" val="0"/>
+              </a:ext>
+            </a:extLst>
+          </a:blip>
+          <a:srcRect r="25563" b="17474"/>
+          <a:stretch/>
+        </p:blipFill>
+        <p:spPr>
+          <a:xfrm>
+            <a:off x="12449015" y="14837339"/>
+            <a:ext cx="5487760" cy="2696192"/>
+          </a:xfrm>
+          <a:prstGeom prst="rect">
+            <a:avLst/>
+          </a:prstGeom>
+        </p:spPr>
+      </p:pic>
+      <p:pic>
+        <p:nvPicPr>
+          <p:cNvPr id="13" name="slide5" descr="Bridgend">
+            <a:extLst>
+              <a:ext uri="{FF2B5EF4-FFF2-40B4-BE49-F238E27FC236}">
+                <a16:creationId xmlns:a16="http://schemas.microsoft.com/office/drawing/2014/main" id="{E7D374DC-16F9-914E-88A4-91C87F2A7DC3}"/>
+              </a:ext>
+            </a:extLst>
+          </p:cNvPr>
+          <p:cNvPicPr>
+            <a:picLocks noChangeAspect="1"/>
+          </p:cNvPicPr>
+          <p:nvPr/>
+        </p:nvPicPr>
+        <p:blipFill rotWithShape="1">
+          <a:blip r:embed="rId6">
+            <a:extLst>
+              <a:ext uri="{28A0092B-C50C-407E-A947-70E740481C1C}">
+                <a14:useLocalDpi xmlns:a14="http://schemas.microsoft.com/office/drawing/2010/main" val="0"/>
+              </a:ext>
+            </a:extLst>
+          </a:blip>
+          <a:srcRect r="24786" b="12743"/>
+          <a:stretch/>
+        </p:blipFill>
+        <p:spPr>
+          <a:xfrm>
+            <a:off x="6961255" y="18283467"/>
+            <a:ext cx="5487760" cy="2692841"/>
+          </a:xfrm>
+          <a:prstGeom prst="rect">
+            <a:avLst/>
+          </a:prstGeom>
+        </p:spPr>
+      </p:pic>
+      <p:pic>
+        <p:nvPicPr>
+          <p:cNvPr id="14" name="slide6" descr="Caerphilly">
+            <a:extLst>
+              <a:ext uri="{FF2B5EF4-FFF2-40B4-BE49-F238E27FC236}">
+                <a16:creationId xmlns:a16="http://schemas.microsoft.com/office/drawing/2014/main" id="{AB6C43ED-8F7B-BD4D-BEEC-B8381A4592AD}"/>
+              </a:ext>
+            </a:extLst>
+          </p:cNvPr>
+          <p:cNvPicPr>
+            <a:picLocks noChangeAspect="1"/>
+          </p:cNvPicPr>
+          <p:nvPr/>
+        </p:nvPicPr>
+        <p:blipFill rotWithShape="1">
+          <a:blip r:embed="rId7">
+            <a:extLst>
+              <a:ext uri="{28A0092B-C50C-407E-A947-70E740481C1C}">
+                <a14:useLocalDpi xmlns:a14="http://schemas.microsoft.com/office/drawing/2010/main" val="0"/>
+              </a:ext>
+            </a:extLst>
+          </a:blip>
+          <a:srcRect r="25273" b="10638"/>
+          <a:stretch/>
+        </p:blipFill>
+        <p:spPr>
+          <a:xfrm>
+            <a:off x="12775921" y="18337261"/>
+            <a:ext cx="5487760" cy="2979122"/>
+          </a:xfrm>
+          <a:prstGeom prst="rect">
+            <a:avLst/>
+          </a:prstGeom>
+        </p:spPr>
+      </p:pic>
+      <p:pic>
+        <p:nvPicPr>
+          <p:cNvPr id="15" name="slide7" descr="Cardiff">
+            <a:extLst>
+              <a:ext uri="{FF2B5EF4-FFF2-40B4-BE49-F238E27FC236}">
+                <a16:creationId xmlns:a16="http://schemas.microsoft.com/office/drawing/2014/main" id="{A2EE8F0A-B4B1-3A47-8861-5D2CA7BC2294}"/>
+              </a:ext>
+            </a:extLst>
+          </p:cNvPr>
+          <p:cNvPicPr>
+            <a:picLocks noChangeAspect="1"/>
+          </p:cNvPicPr>
+          <p:nvPr/>
+        </p:nvPicPr>
+        <p:blipFill rotWithShape="1">
+          <a:blip r:embed="rId8">
+            <a:extLst>
+              <a:ext uri="{28A0092B-C50C-407E-A947-70E740481C1C}">
+                <a14:useLocalDpi xmlns:a14="http://schemas.microsoft.com/office/drawing/2010/main" val="0"/>
+              </a:ext>
+            </a:extLst>
+          </a:blip>
+          <a:srcRect r="30039" b="14777"/>
+          <a:stretch/>
+        </p:blipFill>
+        <p:spPr>
+          <a:xfrm>
+            <a:off x="18653661" y="18337261"/>
+            <a:ext cx="4558013" cy="2979122"/>
+          </a:xfrm>
+          <a:prstGeom prst="rect">
+            <a:avLst/>
+          </a:prstGeom>
+        </p:spPr>
+      </p:pic>
+      <p:pic>
+        <p:nvPicPr>
+          <p:cNvPr id="16" name="slide8" descr="Carmarthenshire">
+            <a:extLst>
+              <a:ext uri="{FF2B5EF4-FFF2-40B4-BE49-F238E27FC236}">
+                <a16:creationId xmlns:a16="http://schemas.microsoft.com/office/drawing/2014/main" id="{50CF8BC6-67DC-D244-8E74-FC0DFA7A87D1}"/>
+              </a:ext>
+            </a:extLst>
+          </p:cNvPr>
+          <p:cNvPicPr>
+            <a:picLocks noChangeAspect="1"/>
+          </p:cNvPicPr>
+          <p:nvPr/>
+        </p:nvPicPr>
+        <p:blipFill rotWithShape="1">
+          <a:blip r:embed="rId9">
+            <a:extLst>
+              <a:ext uri="{28A0092B-C50C-407E-A947-70E740481C1C}">
+                <a14:useLocalDpi xmlns:a14="http://schemas.microsoft.com/office/drawing/2010/main" val="0"/>
+              </a:ext>
+            </a:extLst>
+          </a:blip>
+          <a:srcRect r="25273" b="14777"/>
+          <a:stretch/>
+        </p:blipFill>
+        <p:spPr>
+          <a:xfrm>
+            <a:off x="6914416" y="11535933"/>
+            <a:ext cx="5487761" cy="2979122"/>
+          </a:xfrm>
+          <a:prstGeom prst="rect">
+            <a:avLst/>
+          </a:prstGeom>
+        </p:spPr>
+      </p:pic>
+      <p:pic>
+        <p:nvPicPr>
+          <p:cNvPr id="17" name="slide9" descr="Ceredigion">
+            <a:extLst>
+              <a:ext uri="{FF2B5EF4-FFF2-40B4-BE49-F238E27FC236}">
+                <a16:creationId xmlns:a16="http://schemas.microsoft.com/office/drawing/2014/main" id="{F656BC71-D6CD-EC43-AF63-D20C607FAB18}"/>
+              </a:ext>
+            </a:extLst>
+          </p:cNvPr>
+          <p:cNvPicPr>
+            <a:picLocks noChangeAspect="1"/>
+          </p:cNvPicPr>
+          <p:nvPr/>
+        </p:nvPicPr>
+        <p:blipFill rotWithShape="1">
+          <a:blip r:embed="rId10">
+            <a:extLst>
+              <a:ext uri="{28A0092B-C50C-407E-A947-70E740481C1C}">
+                <a14:useLocalDpi xmlns:a14="http://schemas.microsoft.com/office/drawing/2010/main" val="0"/>
+              </a:ext>
+            </a:extLst>
+          </a:blip>
+          <a:srcRect r="29729" b="14022"/>
+          <a:stretch/>
+        </p:blipFill>
+        <p:spPr>
+          <a:xfrm>
+            <a:off x="718016" y="7965782"/>
+            <a:ext cx="4471112" cy="3259391"/>
+          </a:xfrm>
+          <a:prstGeom prst="rect">
+            <a:avLst/>
+          </a:prstGeom>
+        </p:spPr>
+      </p:pic>
+      <p:pic>
+        <p:nvPicPr>
+          <p:cNvPr id="18" name="slide10" descr="Conwy">
+            <a:extLst>
+              <a:ext uri="{FF2B5EF4-FFF2-40B4-BE49-F238E27FC236}">
+                <a16:creationId xmlns:a16="http://schemas.microsoft.com/office/drawing/2014/main" id="{2026BBE7-4919-9C4E-AB62-3C6004A5539E}"/>
+              </a:ext>
+            </a:extLst>
+          </p:cNvPr>
+          <p:cNvPicPr>
+            <a:picLocks noChangeAspect="1"/>
+          </p:cNvPicPr>
+          <p:nvPr/>
+        </p:nvPicPr>
+        <p:blipFill rotWithShape="1">
+          <a:blip r:embed="rId11">
+            <a:extLst>
+              <a:ext uri="{28A0092B-C50C-407E-A947-70E740481C1C}">
+                <a14:useLocalDpi xmlns:a14="http://schemas.microsoft.com/office/drawing/2010/main" val="0"/>
+              </a:ext>
+            </a:extLst>
+          </a:blip>
+          <a:srcRect r="28422" b="15245"/>
+          <a:stretch/>
+        </p:blipFill>
+        <p:spPr>
+          <a:xfrm>
+            <a:off x="6914416" y="4609560"/>
+            <a:ext cx="4554310" cy="2962759"/>
+          </a:xfrm>
+          <a:prstGeom prst="rect">
+            <a:avLst/>
+          </a:prstGeom>
+        </p:spPr>
+      </p:pic>
+      <p:pic>
+        <p:nvPicPr>
+          <p:cNvPr id="19" name="slide11" descr="Denbighshire">
+            <a:extLst>
+              <a:ext uri="{FF2B5EF4-FFF2-40B4-BE49-F238E27FC236}">
+                <a16:creationId xmlns:a16="http://schemas.microsoft.com/office/drawing/2014/main" id="{6D7C69FE-BD87-7E4F-8E4D-7E48EDC05CF0}"/>
+              </a:ext>
+            </a:extLst>
+          </p:cNvPr>
+          <p:cNvPicPr>
+            <a:picLocks noChangeAspect="1"/>
+          </p:cNvPicPr>
+          <p:nvPr/>
+        </p:nvPicPr>
+        <p:blipFill rotWithShape="1">
+          <a:blip r:embed="rId12">
+            <a:extLst>
+              <a:ext uri="{28A0092B-C50C-407E-A947-70E740481C1C}">
+                <a14:useLocalDpi xmlns:a14="http://schemas.microsoft.com/office/drawing/2010/main" val="0"/>
+              </a:ext>
+            </a:extLst>
+          </a:blip>
+          <a:srcRect r="28422" b="14777"/>
+          <a:stretch/>
+        </p:blipFill>
+        <p:spPr>
+          <a:xfrm>
+            <a:off x="12251310" y="4601378"/>
+            <a:ext cx="4554310" cy="2979122"/>
+          </a:xfrm>
+          <a:prstGeom prst="rect">
+            <a:avLst/>
+          </a:prstGeom>
+        </p:spPr>
+      </p:pic>
+      <p:pic>
+        <p:nvPicPr>
+          <p:cNvPr id="20" name="slide12" descr="Flintshire">
+            <a:extLst>
+              <a:ext uri="{FF2B5EF4-FFF2-40B4-BE49-F238E27FC236}">
+                <a16:creationId xmlns:a16="http://schemas.microsoft.com/office/drawing/2014/main" id="{BD6B0DDA-F72A-2446-8E2D-CD8D44EEB332}"/>
+              </a:ext>
+            </a:extLst>
+          </p:cNvPr>
+          <p:cNvPicPr>
+            <a:picLocks noChangeAspect="1"/>
+          </p:cNvPicPr>
+          <p:nvPr/>
+        </p:nvPicPr>
+        <p:blipFill rotWithShape="1">
+          <a:blip r:embed="rId13">
+            <a:extLst>
+              <a:ext uri="{28A0092B-C50C-407E-A947-70E740481C1C}">
+                <a14:useLocalDpi xmlns:a14="http://schemas.microsoft.com/office/drawing/2010/main" val="0"/>
+              </a:ext>
+            </a:extLst>
+          </a:blip>
+          <a:srcRect r="25273" b="10638"/>
+          <a:stretch/>
+        </p:blipFill>
+        <p:spPr>
+          <a:xfrm>
+            <a:off x="17588204" y="4593197"/>
+            <a:ext cx="5487760" cy="2979122"/>
+          </a:xfrm>
+          <a:prstGeom prst="rect">
+            <a:avLst/>
+          </a:prstGeom>
+        </p:spPr>
+      </p:pic>
+      <p:pic>
+        <p:nvPicPr>
+          <p:cNvPr id="21" name="slide13" descr="Gwynedd">
+            <a:extLst>
+              <a:ext uri="{FF2B5EF4-FFF2-40B4-BE49-F238E27FC236}">
+                <a16:creationId xmlns:a16="http://schemas.microsoft.com/office/drawing/2014/main" id="{3950D1D2-50ED-AD45-B801-D7C23C1EB8A6}"/>
+              </a:ext>
+            </a:extLst>
+          </p:cNvPr>
+          <p:cNvPicPr>
+            <a:picLocks noChangeAspect="1"/>
+          </p:cNvPicPr>
+          <p:nvPr/>
+        </p:nvPicPr>
+        <p:blipFill rotWithShape="1">
+          <a:blip r:embed="rId14">
+            <a:extLst>
+              <a:ext uri="{28A0092B-C50C-407E-A947-70E740481C1C}">
+                <a14:useLocalDpi xmlns:a14="http://schemas.microsoft.com/office/drawing/2010/main" val="0"/>
+              </a:ext>
+            </a:extLst>
+          </a:blip>
+          <a:srcRect r="30684" b="14777"/>
+          <a:stretch/>
+        </p:blipFill>
+        <p:spPr>
+          <a:xfrm>
+            <a:off x="6914417" y="7931646"/>
+            <a:ext cx="4554310" cy="2979121"/>
+          </a:xfrm>
+          <a:prstGeom prst="rect">
+            <a:avLst/>
+          </a:prstGeom>
+        </p:spPr>
+      </p:pic>
+      <p:pic>
+        <p:nvPicPr>
+          <p:cNvPr id="22" name="slide14" descr="Isle of Anglesey">
+            <a:extLst>
+              <a:ext uri="{FF2B5EF4-FFF2-40B4-BE49-F238E27FC236}">
+                <a16:creationId xmlns:a16="http://schemas.microsoft.com/office/drawing/2014/main" id="{642F09C3-A47B-B040-96A0-5D9FC683BC53}"/>
+              </a:ext>
+            </a:extLst>
+          </p:cNvPr>
+          <p:cNvPicPr>
+            <a:picLocks noChangeAspect="1"/>
+          </p:cNvPicPr>
+          <p:nvPr/>
+        </p:nvPicPr>
+        <p:blipFill rotWithShape="1">
+          <a:blip r:embed="rId15">
+            <a:extLst>
+              <a:ext uri="{28A0092B-C50C-407E-A947-70E740481C1C}">
+                <a14:useLocalDpi xmlns:a14="http://schemas.microsoft.com/office/drawing/2010/main" val="0"/>
+              </a:ext>
+            </a:extLst>
+          </a:blip>
+          <a:srcRect r="25796" b="14608"/>
+          <a:stretch/>
+        </p:blipFill>
+        <p:spPr>
+          <a:xfrm>
+            <a:off x="718016" y="4643921"/>
+            <a:ext cx="4410357" cy="2985021"/>
+          </a:xfrm>
+          <a:prstGeom prst="rect">
+            <a:avLst/>
+          </a:prstGeom>
+        </p:spPr>
+      </p:pic>
+      <p:pic>
+        <p:nvPicPr>
+          <p:cNvPr id="23" name="slide15" descr="Merthyr Tydfil">
+            <a:extLst>
+              <a:ext uri="{FF2B5EF4-FFF2-40B4-BE49-F238E27FC236}">
+                <a16:creationId xmlns:a16="http://schemas.microsoft.com/office/drawing/2014/main" id="{D32995F7-5E92-4643-9CEC-295EAF76F2E5}"/>
+              </a:ext>
+            </a:extLst>
+          </p:cNvPr>
+          <p:cNvPicPr>
+            <a:picLocks noChangeAspect="1"/>
+          </p:cNvPicPr>
+          <p:nvPr/>
+        </p:nvPicPr>
+        <p:blipFill rotWithShape="1">
+          <a:blip r:embed="rId16">
+            <a:extLst>
+              <a:ext uri="{28A0092B-C50C-407E-A947-70E740481C1C}">
+                <a14:useLocalDpi xmlns:a14="http://schemas.microsoft.com/office/drawing/2010/main" val="0"/>
+              </a:ext>
+            </a:extLst>
+          </a:blip>
+          <a:srcRect r="29357" b="14776"/>
+          <a:stretch/>
+        </p:blipFill>
+        <p:spPr>
+          <a:xfrm>
+            <a:off x="18604852" y="14971750"/>
+            <a:ext cx="4447729" cy="2979123"/>
+          </a:xfrm>
+          <a:prstGeom prst="rect">
+            <a:avLst/>
+          </a:prstGeom>
+        </p:spPr>
+      </p:pic>
+      <p:pic>
+        <p:nvPicPr>
+          <p:cNvPr id="24" name="slide16" descr="Monmouthshire">
+            <a:extLst>
+              <a:ext uri="{FF2B5EF4-FFF2-40B4-BE49-F238E27FC236}">
+                <a16:creationId xmlns:a16="http://schemas.microsoft.com/office/drawing/2014/main" id="{EC32B1C6-D21D-7240-88F7-C536787FC9EF}"/>
+              </a:ext>
+            </a:extLst>
+          </p:cNvPr>
+          <p:cNvPicPr>
+            <a:picLocks noChangeAspect="1"/>
+          </p:cNvPicPr>
+          <p:nvPr/>
+        </p:nvPicPr>
+        <p:blipFill rotWithShape="1">
+          <a:blip r:embed="rId17">
+            <a:extLst>
+              <a:ext uri="{28A0092B-C50C-407E-A947-70E740481C1C}">
+                <a14:useLocalDpi xmlns:a14="http://schemas.microsoft.com/office/drawing/2010/main" val="0"/>
+              </a:ext>
+            </a:extLst>
+          </a:blip>
+          <a:srcRect r="25273" b="14777"/>
+          <a:stretch/>
+        </p:blipFill>
+        <p:spPr>
+          <a:xfrm>
+            <a:off x="653218" y="21985998"/>
+            <a:ext cx="5487760" cy="2979122"/>
+          </a:xfrm>
+          <a:prstGeom prst="rect">
+            <a:avLst/>
+          </a:prstGeom>
+        </p:spPr>
+      </p:pic>
+      <p:pic>
+        <p:nvPicPr>
+          <p:cNvPr id="25" name="slide17" descr="Neath &amp;amp; Port Talbot">
+            <a:extLst>
+              <a:ext uri="{FF2B5EF4-FFF2-40B4-BE49-F238E27FC236}">
+                <a16:creationId xmlns:a16="http://schemas.microsoft.com/office/drawing/2014/main" id="{B00A75CE-3B75-634F-80F0-F0452D8CE1D9}"/>
+              </a:ext>
+            </a:extLst>
+          </p:cNvPr>
+          <p:cNvPicPr>
+            <a:picLocks noChangeAspect="1"/>
+          </p:cNvPicPr>
+          <p:nvPr/>
+        </p:nvPicPr>
+        <p:blipFill rotWithShape="1">
+          <a:blip r:embed="rId18">
+            <a:extLst>
+              <a:ext uri="{28A0092B-C50C-407E-A947-70E740481C1C}">
+                <a14:useLocalDpi xmlns:a14="http://schemas.microsoft.com/office/drawing/2010/main" val="0"/>
+              </a:ext>
+            </a:extLst>
+          </a:blip>
+          <a:srcRect r="29729" b="14777"/>
+          <a:stretch/>
+        </p:blipFill>
+        <p:spPr>
+          <a:xfrm>
+            <a:off x="12546134" y="11535933"/>
+            <a:ext cx="4471112" cy="2979122"/>
+          </a:xfrm>
+          <a:prstGeom prst="rect">
+            <a:avLst/>
+          </a:prstGeom>
+        </p:spPr>
+      </p:pic>
+      <p:pic>
+        <p:nvPicPr>
+          <p:cNvPr id="26" name="slide18" descr="Newport">
+            <a:extLst>
+              <a:ext uri="{FF2B5EF4-FFF2-40B4-BE49-F238E27FC236}">
+                <a16:creationId xmlns:a16="http://schemas.microsoft.com/office/drawing/2014/main" id="{3F281E80-F51C-E641-B8F5-11BC30CA7BAE}"/>
+              </a:ext>
+            </a:extLst>
+          </p:cNvPr>
+          <p:cNvPicPr>
+            <a:picLocks noChangeAspect="1"/>
+          </p:cNvPicPr>
+          <p:nvPr/>
+        </p:nvPicPr>
+        <p:blipFill rotWithShape="1">
+          <a:blip r:embed="rId19">
+            <a:extLst>
+              <a:ext uri="{28A0092B-C50C-407E-A947-70E740481C1C}">
+                <a14:useLocalDpi xmlns:a14="http://schemas.microsoft.com/office/drawing/2010/main" val="0"/>
+              </a:ext>
+            </a:extLst>
+          </a:blip>
+          <a:srcRect r="25273" b="10638"/>
+          <a:stretch/>
+        </p:blipFill>
+        <p:spPr>
+          <a:xfrm>
+            <a:off x="6961255" y="22013491"/>
+            <a:ext cx="5487760" cy="2979122"/>
+          </a:xfrm>
+          <a:prstGeom prst="rect">
+            <a:avLst/>
+          </a:prstGeom>
+        </p:spPr>
+      </p:pic>
+      <p:pic>
+        <p:nvPicPr>
+          <p:cNvPr id="27" name="slide19" descr="Pembrokeshire">
+            <a:extLst>
+              <a:ext uri="{FF2B5EF4-FFF2-40B4-BE49-F238E27FC236}">
+                <a16:creationId xmlns:a16="http://schemas.microsoft.com/office/drawing/2014/main" id="{1C96E80D-D04E-4242-A1E2-E76E080C9F80}"/>
+              </a:ext>
+            </a:extLst>
+          </p:cNvPr>
+          <p:cNvPicPr>
+            <a:picLocks noChangeAspect="1"/>
+          </p:cNvPicPr>
+          <p:nvPr/>
+        </p:nvPicPr>
+        <p:blipFill rotWithShape="1">
+          <a:blip r:embed="rId20">
+            <a:extLst>
+              <a:ext uri="{28A0092B-C50C-407E-A947-70E740481C1C}">
+                <a14:useLocalDpi xmlns:a14="http://schemas.microsoft.com/office/drawing/2010/main" val="0"/>
+              </a:ext>
+            </a:extLst>
+          </a:blip>
+          <a:srcRect r="25273" b="13744"/>
+          <a:stretch/>
+        </p:blipFill>
+        <p:spPr>
+          <a:xfrm>
+            <a:off x="718016" y="11602744"/>
+            <a:ext cx="5487762" cy="3015218"/>
+          </a:xfrm>
+          <a:prstGeom prst="rect">
+            <a:avLst/>
+          </a:prstGeom>
+        </p:spPr>
+      </p:pic>
+      <p:pic>
+        <p:nvPicPr>
+          <p:cNvPr id="28" name="slide20" descr="Powys">
+            <a:extLst>
+              <a:ext uri="{FF2B5EF4-FFF2-40B4-BE49-F238E27FC236}">
+                <a16:creationId xmlns:a16="http://schemas.microsoft.com/office/drawing/2014/main" id="{2092EF91-2043-1745-A95E-0BB005DD6924}"/>
+              </a:ext>
+            </a:extLst>
+          </p:cNvPr>
+          <p:cNvPicPr>
+            <a:picLocks noChangeAspect="1"/>
+          </p:cNvPicPr>
+          <p:nvPr/>
+        </p:nvPicPr>
+        <p:blipFill rotWithShape="1">
+          <a:blip r:embed="rId21">
+            <a:extLst>
+              <a:ext uri="{28A0092B-C50C-407E-A947-70E740481C1C}">
+                <a14:useLocalDpi xmlns:a14="http://schemas.microsoft.com/office/drawing/2010/main" val="0"/>
+              </a:ext>
+            </a:extLst>
+          </a:blip>
+          <a:srcRect r="30097" b="14776"/>
+          <a:stretch/>
+        </p:blipFill>
+        <p:spPr>
+          <a:xfrm>
+            <a:off x="12251311" y="7958936"/>
+            <a:ext cx="4554310" cy="2979124"/>
+          </a:xfrm>
+          <a:prstGeom prst="rect">
+            <a:avLst/>
+          </a:prstGeom>
+        </p:spPr>
+      </p:pic>
+      <p:pic>
+        <p:nvPicPr>
+          <p:cNvPr id="29" name="slide21" descr="Rhondda Cynon Taff">
+            <a:extLst>
+              <a:ext uri="{FF2B5EF4-FFF2-40B4-BE49-F238E27FC236}">
+                <a16:creationId xmlns:a16="http://schemas.microsoft.com/office/drawing/2014/main" id="{6275AF14-5261-4545-A9B6-79D565E92C88}"/>
+              </a:ext>
+            </a:extLst>
+          </p:cNvPr>
+          <p:cNvPicPr>
+            <a:picLocks noChangeAspect="1"/>
+          </p:cNvPicPr>
+          <p:nvPr/>
+        </p:nvPicPr>
+        <p:blipFill rotWithShape="1">
+          <a:blip r:embed="rId22">
+            <a:extLst>
+              <a:ext uri="{28A0092B-C50C-407E-A947-70E740481C1C}">
+                <a14:useLocalDpi xmlns:a14="http://schemas.microsoft.com/office/drawing/2010/main" val="0"/>
+              </a:ext>
+            </a:extLst>
+          </a:blip>
+          <a:srcRect r="25273" b="18361"/>
+          <a:stretch/>
+        </p:blipFill>
+        <p:spPr>
+          <a:xfrm>
+            <a:off x="17588201" y="11527982"/>
+            <a:ext cx="5487763" cy="2853846"/>
+          </a:xfrm>
+          <a:prstGeom prst="rect">
+            <a:avLst/>
+          </a:prstGeom>
+        </p:spPr>
+      </p:pic>
+      <p:pic>
+        <p:nvPicPr>
+          <p:cNvPr id="30" name="slide23" descr="Torfaen">
+            <a:extLst>
+              <a:ext uri="{FF2B5EF4-FFF2-40B4-BE49-F238E27FC236}">
+                <a16:creationId xmlns:a16="http://schemas.microsoft.com/office/drawing/2014/main" id="{7B213DA8-16C6-0545-9F06-343D7CE99805}"/>
+              </a:ext>
+            </a:extLst>
+          </p:cNvPr>
+          <p:cNvPicPr>
+            <a:picLocks noChangeAspect="1"/>
+          </p:cNvPicPr>
+          <p:nvPr/>
+        </p:nvPicPr>
+        <p:blipFill rotWithShape="1">
+          <a:blip r:embed="rId23">
+            <a:extLst>
+              <a:ext uri="{28A0092B-C50C-407E-A947-70E740481C1C}">
+                <a14:useLocalDpi xmlns:a14="http://schemas.microsoft.com/office/drawing/2010/main" val="0"/>
+              </a:ext>
+            </a:extLst>
+          </a:blip>
+          <a:srcRect r="24589" b="15245"/>
+          <a:stretch/>
+        </p:blipFill>
+        <p:spPr>
+          <a:xfrm>
+            <a:off x="718015" y="18301621"/>
+            <a:ext cx="5487762" cy="2962759"/>
+          </a:xfrm>
+          <a:prstGeom prst="rect">
+            <a:avLst/>
+          </a:prstGeom>
+        </p:spPr>
+      </p:pic>
+      <p:pic>
+        <p:nvPicPr>
+          <p:cNvPr id="31" name="slide22" descr="Swansea">
+            <a:extLst>
+              <a:ext uri="{FF2B5EF4-FFF2-40B4-BE49-F238E27FC236}">
+                <a16:creationId xmlns:a16="http://schemas.microsoft.com/office/drawing/2014/main" id="{DC062F9F-91C9-E040-BF0D-97311A0F907B}"/>
+              </a:ext>
+            </a:extLst>
+          </p:cNvPr>
+          <p:cNvPicPr>
+            <a:picLocks noChangeAspect="1"/>
+          </p:cNvPicPr>
+          <p:nvPr/>
+        </p:nvPicPr>
+        <p:blipFill rotWithShape="1">
+          <a:blip r:embed="rId24">
+            <a:extLst>
+              <a:ext uri="{28A0092B-C50C-407E-A947-70E740481C1C}">
+                <a14:useLocalDpi xmlns:a14="http://schemas.microsoft.com/office/drawing/2010/main" val="0"/>
+              </a:ext>
+            </a:extLst>
+          </a:blip>
+          <a:srcRect r="25273" b="9311"/>
+          <a:stretch/>
+        </p:blipFill>
+        <p:spPr>
+          <a:xfrm>
+            <a:off x="718015" y="14908832"/>
+            <a:ext cx="5487763" cy="3023349"/>
+          </a:xfrm>
+          <a:prstGeom prst="rect">
+            <a:avLst/>
+          </a:prstGeom>
+        </p:spPr>
+      </p:pic>
+      <p:pic>
+        <p:nvPicPr>
+          <p:cNvPr id="32" name="slide24" descr="Vale of Glamorgan">
+            <a:extLst>
+              <a:ext uri="{FF2B5EF4-FFF2-40B4-BE49-F238E27FC236}">
+                <a16:creationId xmlns:a16="http://schemas.microsoft.com/office/drawing/2014/main" id="{EDF3DEB2-B23C-7643-8698-B0743030CD64}"/>
+              </a:ext>
+            </a:extLst>
+          </p:cNvPr>
+          <p:cNvPicPr>
+            <a:picLocks noChangeAspect="1"/>
+          </p:cNvPicPr>
+          <p:nvPr/>
+        </p:nvPicPr>
+        <p:blipFill rotWithShape="1">
+          <a:blip r:embed="rId25">
+            <a:extLst>
+              <a:ext uri="{28A0092B-C50C-407E-A947-70E740481C1C}">
+                <a14:useLocalDpi xmlns:a14="http://schemas.microsoft.com/office/drawing/2010/main" val="0"/>
+              </a:ext>
+            </a:extLst>
+          </a:blip>
+          <a:srcRect r="25273" b="13744"/>
+          <a:stretch/>
+        </p:blipFill>
+        <p:spPr>
+          <a:xfrm>
+            <a:off x="6914415" y="14774857"/>
+            <a:ext cx="5487762" cy="3015218"/>
+          </a:xfrm>
+          <a:prstGeom prst="rect">
+            <a:avLst/>
+          </a:prstGeom>
+        </p:spPr>
+      </p:pic>
+      <p:pic>
+        <p:nvPicPr>
+          <p:cNvPr id="33" name="slide22" descr="Swansea">
+            <a:extLst>
+              <a:ext uri="{FF2B5EF4-FFF2-40B4-BE49-F238E27FC236}">
+                <a16:creationId xmlns:a16="http://schemas.microsoft.com/office/drawing/2014/main" id="{10ED9F54-A959-574A-A76D-4B9AA9D4B1DE}"/>
+              </a:ext>
+            </a:extLst>
+          </p:cNvPr>
+          <p:cNvPicPr>
+            <a:picLocks noChangeAspect="1"/>
+          </p:cNvPicPr>
+          <p:nvPr/>
+        </p:nvPicPr>
+        <p:blipFill rotWithShape="1">
+          <a:blip r:embed="rId24">
+            <a:extLst>
+              <a:ext uri="{28A0092B-C50C-407E-A947-70E740481C1C}">
+                <a14:useLocalDpi xmlns:a14="http://schemas.microsoft.com/office/drawing/2010/main" val="0"/>
+              </a:ext>
+            </a:extLst>
+          </a:blip>
+          <a:srcRect l="74145" b="47147"/>
+          <a:stretch/>
+        </p:blipFill>
+        <p:spPr>
+          <a:xfrm>
+            <a:off x="37724315" y="407049"/>
+            <a:ext cx="1898722" cy="1761993"/>
+          </a:xfrm>
+          <a:prstGeom prst="rect">
+            <a:avLst/>
+          </a:prstGeom>
+        </p:spPr>
+      </p:pic>
+    </p:spTree>
+    <p:extLst>
+      <p:ext uri="{BB962C8B-B14F-4D97-AF65-F5344CB8AC3E}">
+        <p14:creationId xmlns:p14="http://schemas.microsoft.com/office/powerpoint/2010/main" val="3075114207"/>
+      </p:ext>
+    </p:extLst>
+  </p:cSld>
+  <p:clrMapOvr>
+    <a:masterClrMapping/>
+  </p:clrMapOvr>
+</p:sld>
+</file>
+
+<file path=ppt/slides/slide3.xml><?xml version="1.0" encoding="utf-8"?>
+<p:sld xmlns:a="http://schemas.openxmlformats.org/drawingml/2006/main" xmlns:r="http://schemas.openxmlformats.org/officeDocument/2006/relationships" xmlns:p="http://schemas.openxmlformats.org/presentationml/2006/main">
+  <p:cSld>
+    <p:bg>
+      <p:bgPr>
+        <a:solidFill>
+          <a:schemeClr val="bg1"/>
+        </a:solidFill>
+        <a:effectLst/>
+      </p:bgPr>
+    </p:bg>
+    <p:spTree>
+      <p:nvGrpSpPr>
+        <p:cNvPr id="1" name=""/>
+        <p:cNvGrpSpPr/>
+        <p:nvPr/>
+      </p:nvGrpSpPr>
+      <p:grpSpPr>
+        <a:xfrm>
+          <a:off x="0" y="0"/>
+          <a:ext cx="0" cy="0"/>
+          <a:chOff x="0" y="0"/>
+          <a:chExt cx="0" cy="0"/>
+        </a:xfrm>
+      </p:grpSpPr>
+      <p:sp>
+        <p:nvSpPr>
+          <p:cNvPr id="8" name="TextBox 7">
+            <a:extLst>
+              <a:ext uri="{FF2B5EF4-FFF2-40B4-BE49-F238E27FC236}">
+                <a16:creationId xmlns:a16="http://schemas.microsoft.com/office/drawing/2014/main" id="{AB538B17-6B2A-5A47-BDAA-1089B5B8AF14}"/>
+              </a:ext>
+            </a:extLst>
+          </p:cNvPr>
+          <p:cNvSpPr txBox="1"/>
+          <p:nvPr/>
+        </p:nvSpPr>
+        <p:spPr>
+          <a:xfrm>
+            <a:off x="805131" y="482170"/>
+            <a:ext cx="13883506" cy="1323439"/>
+          </a:xfrm>
+          <a:prstGeom prst="rect">
+            <a:avLst/>
+          </a:prstGeom>
+          <a:noFill/>
+        </p:spPr>
+        <p:txBody>
+          <a:bodyPr wrap="square" rtlCol="0">
+            <a:spAutoFit/>
+          </a:bodyPr>
+          <a:lstStyle/>
+          <a:p>
+            <a:r>
+              <a:rPr lang="en-GB" sz="8000" dirty="0"/>
+              <a:t>Total Crashes to Light Conditions.</a:t>
+            </a:r>
+          </a:p>
+        </p:txBody>
+      </p:sp>
+      <p:pic>
+        <p:nvPicPr>
+          <p:cNvPr id="10" name="Picture 9" descr="Map&#10;&#10;Description automatically generated">
+            <a:extLst>
+              <a:ext uri="{FF2B5EF4-FFF2-40B4-BE49-F238E27FC236}">
+                <a16:creationId xmlns:a16="http://schemas.microsoft.com/office/drawing/2014/main" id="{405DA148-DA01-9E46-AF4F-804671AFF149}"/>
+              </a:ext>
+            </a:extLst>
+          </p:cNvPr>
+          <p:cNvPicPr>
+            <a:picLocks noChangeAspect="1"/>
+          </p:cNvPicPr>
+          <p:nvPr/>
+        </p:nvPicPr>
+        <p:blipFill rotWithShape="1">
+          <a:blip r:embed="rId2"/>
+          <a:srcRect l="19496" r="15752"/>
+          <a:stretch/>
+        </p:blipFill>
+        <p:spPr>
+          <a:xfrm>
+            <a:off x="27075792" y="13879513"/>
+            <a:ext cx="13387443" cy="16395700"/>
+          </a:xfrm>
+          <a:prstGeom prst="rect">
+            <a:avLst/>
+          </a:prstGeom>
+        </p:spPr>
+      </p:pic>
+      <p:sp>
+        <p:nvSpPr>
+          <p:cNvPr id="2" name="TextBox 1">
+            <a:extLst>
+              <a:ext uri="{FF2B5EF4-FFF2-40B4-BE49-F238E27FC236}">
+                <a16:creationId xmlns:a16="http://schemas.microsoft.com/office/drawing/2014/main" id="{13E79CAA-2257-424A-85D0-43EF377ECEAC}"/>
+              </a:ext>
+            </a:extLst>
+          </p:cNvPr>
+          <p:cNvSpPr txBox="1"/>
+          <p:nvPr/>
+        </p:nvSpPr>
+        <p:spPr>
+          <a:xfrm>
+            <a:off x="805131" y="2856608"/>
+            <a:ext cx="7748337" cy="369332"/>
+          </a:xfrm>
+          <a:prstGeom prst="rect">
+            <a:avLst/>
+          </a:prstGeom>
+          <a:noFill/>
+        </p:spPr>
+        <p:txBody>
+          <a:bodyPr wrap="square" rtlCol="0">
+            <a:spAutoFit/>
+          </a:bodyPr>
+          <a:lstStyle/>
+          <a:p>
+            <a:r>
+              <a:rPr lang="en-GB" dirty="0"/>
+              <a:t>Give a brief </a:t>
+            </a:r>
+            <a:r>
+              <a:rPr lang="en-GB" dirty="0" err="1"/>
+              <a:t>ocverview</a:t>
+            </a:r>
+            <a:endParaRPr lang="en-GB" dirty="0"/>
+          </a:p>
+        </p:txBody>
+      </p:sp>
+      <p:pic>
+        <p:nvPicPr>
+          <p:cNvPr id="11" name="slide25" descr="Wrexham">
+            <a:extLst>
+              <a:ext uri="{FF2B5EF4-FFF2-40B4-BE49-F238E27FC236}">
+                <a16:creationId xmlns:a16="http://schemas.microsoft.com/office/drawing/2014/main" id="{7ECAA9BB-13D2-5741-9691-7E6E0036B9F3}"/>
+              </a:ext>
+            </a:extLst>
+          </p:cNvPr>
+          <p:cNvPicPr>
+            <a:picLocks noChangeAspect="1"/>
+          </p:cNvPicPr>
+          <p:nvPr/>
+        </p:nvPicPr>
+        <p:blipFill rotWithShape="1">
+          <a:blip r:embed="rId3">
+            <a:extLst>
+              <a:ext uri="{28A0092B-C50C-407E-A947-70E740481C1C}">
+                <a14:useLocalDpi xmlns:a14="http://schemas.microsoft.com/office/drawing/2010/main" val="0"/>
+              </a:ext>
+            </a:extLst>
+          </a:blip>
+          <a:srcRect r="25273" b="10638"/>
+          <a:stretch/>
+        </p:blipFill>
+        <p:spPr>
+          <a:xfrm>
+            <a:off x="21781857" y="22385495"/>
+            <a:ext cx="5884184" cy="3060000"/>
+          </a:xfrm>
+          <a:prstGeom prst="rect">
+            <a:avLst/>
+          </a:prstGeom>
+        </p:spPr>
+      </p:pic>
+      <p:pic>
+        <p:nvPicPr>
+          <p:cNvPr id="12" name="slide4" descr="Blaenau Gwent">
+            <a:extLst>
+              <a:ext uri="{FF2B5EF4-FFF2-40B4-BE49-F238E27FC236}">
+                <a16:creationId xmlns:a16="http://schemas.microsoft.com/office/drawing/2014/main" id="{86136565-5D92-D94D-B343-324A5EC9FC92}"/>
+              </a:ext>
+            </a:extLst>
+          </p:cNvPr>
+          <p:cNvPicPr>
+            <a:picLocks noChangeAspect="1"/>
+          </p:cNvPicPr>
+          <p:nvPr/>
+        </p:nvPicPr>
+        <p:blipFill rotWithShape="1">
+          <a:blip r:embed="rId4">
+            <a:extLst>
+              <a:ext uri="{28A0092B-C50C-407E-A947-70E740481C1C}">
+                <a14:useLocalDpi xmlns:a14="http://schemas.microsoft.com/office/drawing/2010/main" val="0"/>
+              </a:ext>
+            </a:extLst>
+          </a:blip>
+          <a:srcRect r="25563" b="17474"/>
+          <a:stretch/>
+        </p:blipFill>
+        <p:spPr>
+          <a:xfrm>
+            <a:off x="14295103" y="4631193"/>
+            <a:ext cx="6228245" cy="3060000"/>
+          </a:xfrm>
+          <a:prstGeom prst="rect">
+            <a:avLst/>
+          </a:prstGeom>
+        </p:spPr>
+      </p:pic>
+      <p:pic>
+        <p:nvPicPr>
+          <p:cNvPr id="13" name="slide5" descr="Bridgend">
+            <a:extLst>
+              <a:ext uri="{FF2B5EF4-FFF2-40B4-BE49-F238E27FC236}">
+                <a16:creationId xmlns:a16="http://schemas.microsoft.com/office/drawing/2014/main" id="{E7D374DC-16F9-914E-88A4-91C87F2A7DC3}"/>
+              </a:ext>
+            </a:extLst>
+          </p:cNvPr>
+          <p:cNvPicPr>
+            <a:picLocks noChangeAspect="1"/>
+          </p:cNvPicPr>
+          <p:nvPr/>
+        </p:nvPicPr>
+        <p:blipFill rotWithShape="1">
+          <a:blip r:embed="rId5">
+            <a:extLst>
+              <a:ext uri="{28A0092B-C50C-407E-A947-70E740481C1C}">
+                <a14:useLocalDpi xmlns:a14="http://schemas.microsoft.com/office/drawing/2010/main" val="0"/>
+              </a:ext>
+            </a:extLst>
+          </a:blip>
+          <a:srcRect r="24786" b="12743"/>
+          <a:stretch/>
+        </p:blipFill>
+        <p:spPr>
+          <a:xfrm>
+            <a:off x="21781858" y="4653584"/>
+            <a:ext cx="5884183" cy="3060000"/>
+          </a:xfrm>
+          <a:prstGeom prst="rect">
+            <a:avLst/>
+          </a:prstGeom>
+        </p:spPr>
+      </p:pic>
+      <p:pic>
+        <p:nvPicPr>
+          <p:cNvPr id="14" name="slide6" descr="Caerphilly">
+            <a:extLst>
+              <a:ext uri="{FF2B5EF4-FFF2-40B4-BE49-F238E27FC236}">
+                <a16:creationId xmlns:a16="http://schemas.microsoft.com/office/drawing/2014/main" id="{AB6C43ED-8F7B-BD4D-BEEC-B8381A4592AD}"/>
+              </a:ext>
+            </a:extLst>
+          </p:cNvPr>
+          <p:cNvPicPr>
+            <a:picLocks noChangeAspect="1"/>
+          </p:cNvPicPr>
+          <p:nvPr/>
+        </p:nvPicPr>
+        <p:blipFill rotWithShape="1">
+          <a:blip r:embed="rId6">
+            <a:extLst>
+              <a:ext uri="{28A0092B-C50C-407E-A947-70E740481C1C}">
+                <a14:useLocalDpi xmlns:a14="http://schemas.microsoft.com/office/drawing/2010/main" val="0"/>
+              </a:ext>
+            </a:extLst>
+          </a:blip>
+          <a:srcRect r="25273" b="10638"/>
+          <a:stretch/>
+        </p:blipFill>
+        <p:spPr>
+          <a:xfrm>
+            <a:off x="805132" y="8138181"/>
+            <a:ext cx="5636743" cy="3060000"/>
+          </a:xfrm>
+          <a:prstGeom prst="rect">
+            <a:avLst/>
+          </a:prstGeom>
+        </p:spPr>
+      </p:pic>
+      <p:pic>
+        <p:nvPicPr>
+          <p:cNvPr id="15" name="slide7" descr="Cardiff">
+            <a:extLst>
+              <a:ext uri="{FF2B5EF4-FFF2-40B4-BE49-F238E27FC236}">
+                <a16:creationId xmlns:a16="http://schemas.microsoft.com/office/drawing/2014/main" id="{A2EE8F0A-B4B1-3A47-8861-5D2CA7BC2294}"/>
+              </a:ext>
+            </a:extLst>
+          </p:cNvPr>
+          <p:cNvPicPr>
+            <a:picLocks noChangeAspect="1"/>
+          </p:cNvPicPr>
+          <p:nvPr/>
+        </p:nvPicPr>
+        <p:blipFill rotWithShape="1">
+          <a:blip r:embed="rId7">
+            <a:extLst>
+              <a:ext uri="{28A0092B-C50C-407E-A947-70E740481C1C}">
+                <a14:useLocalDpi xmlns:a14="http://schemas.microsoft.com/office/drawing/2010/main" val="0"/>
+              </a:ext>
+            </a:extLst>
+          </a:blip>
+          <a:srcRect r="30039" b="14777"/>
+          <a:stretch/>
+        </p:blipFill>
+        <p:spPr>
+          <a:xfrm>
+            <a:off x="8350917" y="8112751"/>
+            <a:ext cx="5487760" cy="3060000"/>
+          </a:xfrm>
+          <a:prstGeom prst="rect">
+            <a:avLst/>
+          </a:prstGeom>
+        </p:spPr>
+      </p:pic>
+      <p:pic>
+        <p:nvPicPr>
+          <p:cNvPr id="16" name="slide8" descr="Carmarthenshire">
+            <a:extLst>
+              <a:ext uri="{FF2B5EF4-FFF2-40B4-BE49-F238E27FC236}">
+                <a16:creationId xmlns:a16="http://schemas.microsoft.com/office/drawing/2014/main" id="{50CF8BC6-67DC-D244-8E74-FC0DFA7A87D1}"/>
+              </a:ext>
+            </a:extLst>
+          </p:cNvPr>
+          <p:cNvPicPr>
+            <a:picLocks noChangeAspect="1"/>
+          </p:cNvPicPr>
+          <p:nvPr/>
+        </p:nvPicPr>
+        <p:blipFill rotWithShape="1">
+          <a:blip r:embed="rId8">
+            <a:extLst>
+              <a:ext uri="{28A0092B-C50C-407E-A947-70E740481C1C}">
+                <a14:useLocalDpi xmlns:a14="http://schemas.microsoft.com/office/drawing/2010/main" val="0"/>
+              </a:ext>
+            </a:extLst>
+          </a:blip>
+          <a:srcRect r="25273" b="14777"/>
+          <a:stretch/>
+        </p:blipFill>
+        <p:spPr>
+          <a:xfrm>
+            <a:off x="14515396" y="8115790"/>
+            <a:ext cx="6007952" cy="3060000"/>
+          </a:xfrm>
+          <a:prstGeom prst="rect">
+            <a:avLst/>
+          </a:prstGeom>
+        </p:spPr>
+      </p:pic>
+      <p:pic>
+        <p:nvPicPr>
+          <p:cNvPr id="17" name="slide9" descr="Ceredigion">
+            <a:extLst>
+              <a:ext uri="{FF2B5EF4-FFF2-40B4-BE49-F238E27FC236}">
+                <a16:creationId xmlns:a16="http://schemas.microsoft.com/office/drawing/2014/main" id="{F656BC71-D6CD-EC43-AF63-D20C607FAB18}"/>
+              </a:ext>
+            </a:extLst>
+          </p:cNvPr>
+          <p:cNvPicPr>
+            <a:picLocks noChangeAspect="1"/>
+          </p:cNvPicPr>
+          <p:nvPr/>
+        </p:nvPicPr>
+        <p:blipFill rotWithShape="1">
+          <a:blip r:embed="rId9">
+            <a:extLst>
+              <a:ext uri="{28A0092B-C50C-407E-A947-70E740481C1C}">
+                <a14:useLocalDpi xmlns:a14="http://schemas.microsoft.com/office/drawing/2010/main" val="0"/>
+              </a:ext>
+            </a:extLst>
+          </a:blip>
+          <a:srcRect r="29729" b="14022"/>
+          <a:stretch/>
+        </p:blipFill>
+        <p:spPr>
+          <a:xfrm>
+            <a:off x="21781858" y="8112751"/>
+            <a:ext cx="5884183" cy="3060000"/>
+          </a:xfrm>
+          <a:prstGeom prst="rect">
+            <a:avLst/>
+          </a:prstGeom>
+        </p:spPr>
+      </p:pic>
+      <p:pic>
+        <p:nvPicPr>
+          <p:cNvPr id="18" name="slide10" descr="Conwy">
+            <a:extLst>
+              <a:ext uri="{FF2B5EF4-FFF2-40B4-BE49-F238E27FC236}">
+                <a16:creationId xmlns:a16="http://schemas.microsoft.com/office/drawing/2014/main" id="{2026BBE7-4919-9C4E-AB62-3C6004A5539E}"/>
+              </a:ext>
+            </a:extLst>
+          </p:cNvPr>
+          <p:cNvPicPr>
+            <a:picLocks noChangeAspect="1"/>
+          </p:cNvPicPr>
+          <p:nvPr/>
+        </p:nvPicPr>
+        <p:blipFill rotWithShape="1">
+          <a:blip r:embed="rId10">
+            <a:extLst>
+              <a:ext uri="{28A0092B-C50C-407E-A947-70E740481C1C}">
+                <a14:useLocalDpi xmlns:a14="http://schemas.microsoft.com/office/drawing/2010/main" val="0"/>
+              </a:ext>
+            </a:extLst>
+          </a:blip>
+          <a:srcRect r="28422" b="15245"/>
+          <a:stretch/>
+        </p:blipFill>
+        <p:spPr>
+          <a:xfrm>
+            <a:off x="805132" y="11689901"/>
+            <a:ext cx="5636743" cy="3060000"/>
+          </a:xfrm>
+          <a:prstGeom prst="rect">
+            <a:avLst/>
+          </a:prstGeom>
+        </p:spPr>
+      </p:pic>
+      <p:pic>
+        <p:nvPicPr>
+          <p:cNvPr id="19" name="slide11" descr="Denbighshire">
+            <a:extLst>
+              <a:ext uri="{FF2B5EF4-FFF2-40B4-BE49-F238E27FC236}">
+                <a16:creationId xmlns:a16="http://schemas.microsoft.com/office/drawing/2014/main" id="{6D7C69FE-BD87-7E4F-8E4D-7E48EDC05CF0}"/>
+              </a:ext>
+            </a:extLst>
+          </p:cNvPr>
+          <p:cNvPicPr>
+            <a:picLocks noChangeAspect="1"/>
+          </p:cNvPicPr>
+          <p:nvPr/>
+        </p:nvPicPr>
+        <p:blipFill rotWithShape="1">
+          <a:blip r:embed="rId11">
+            <a:extLst>
+              <a:ext uri="{28A0092B-C50C-407E-A947-70E740481C1C}">
+                <a14:useLocalDpi xmlns:a14="http://schemas.microsoft.com/office/drawing/2010/main" val="0"/>
+              </a:ext>
+            </a:extLst>
+          </a:blip>
+          <a:srcRect r="28422" b="14777"/>
+          <a:stretch/>
+        </p:blipFill>
+        <p:spPr>
+          <a:xfrm>
+            <a:off x="8350917" y="11689901"/>
+            <a:ext cx="5487760" cy="3060000"/>
+          </a:xfrm>
+          <a:prstGeom prst="rect">
+            <a:avLst/>
+          </a:prstGeom>
+        </p:spPr>
+      </p:pic>
+      <p:pic>
+        <p:nvPicPr>
+          <p:cNvPr id="20" name="slide12" descr="Flintshire">
+            <a:extLst>
+              <a:ext uri="{FF2B5EF4-FFF2-40B4-BE49-F238E27FC236}">
+                <a16:creationId xmlns:a16="http://schemas.microsoft.com/office/drawing/2014/main" id="{BD6B0DDA-F72A-2446-8E2D-CD8D44EEB332}"/>
+              </a:ext>
+            </a:extLst>
+          </p:cNvPr>
+          <p:cNvPicPr>
+            <a:picLocks noChangeAspect="1"/>
+          </p:cNvPicPr>
+          <p:nvPr/>
+        </p:nvPicPr>
+        <p:blipFill rotWithShape="1">
+          <a:blip r:embed="rId12">
+            <a:extLst>
+              <a:ext uri="{28A0092B-C50C-407E-A947-70E740481C1C}">
+                <a14:useLocalDpi xmlns:a14="http://schemas.microsoft.com/office/drawing/2010/main" val="0"/>
+              </a:ext>
+            </a:extLst>
+          </a:blip>
+          <a:srcRect r="25273" b="10638"/>
+          <a:stretch/>
+        </p:blipFill>
+        <p:spPr>
+          <a:xfrm>
+            <a:off x="14515397" y="11667510"/>
+            <a:ext cx="6007951" cy="3060000"/>
+          </a:xfrm>
+          <a:prstGeom prst="rect">
+            <a:avLst/>
+          </a:prstGeom>
+        </p:spPr>
+      </p:pic>
+      <p:pic>
+        <p:nvPicPr>
+          <p:cNvPr id="21" name="slide13" descr="Gwynedd">
+            <a:extLst>
+              <a:ext uri="{FF2B5EF4-FFF2-40B4-BE49-F238E27FC236}">
+                <a16:creationId xmlns:a16="http://schemas.microsoft.com/office/drawing/2014/main" id="{3950D1D2-50ED-AD45-B801-D7C23C1EB8A6}"/>
+              </a:ext>
+            </a:extLst>
+          </p:cNvPr>
+          <p:cNvPicPr>
+            <a:picLocks noChangeAspect="1"/>
+          </p:cNvPicPr>
+          <p:nvPr/>
+        </p:nvPicPr>
+        <p:blipFill rotWithShape="1">
+          <a:blip r:embed="rId13">
+            <a:extLst>
+              <a:ext uri="{28A0092B-C50C-407E-A947-70E740481C1C}">
+                <a14:useLocalDpi xmlns:a14="http://schemas.microsoft.com/office/drawing/2010/main" val="0"/>
+              </a:ext>
+            </a:extLst>
+          </a:blip>
+          <a:srcRect r="30684" b="14777"/>
+          <a:stretch/>
+        </p:blipFill>
+        <p:spPr>
+          <a:xfrm>
+            <a:off x="21781858" y="11689901"/>
+            <a:ext cx="5884183" cy="3060000"/>
+          </a:xfrm>
+          <a:prstGeom prst="rect">
+            <a:avLst/>
+          </a:prstGeom>
+        </p:spPr>
+      </p:pic>
+      <p:pic>
+        <p:nvPicPr>
+          <p:cNvPr id="22" name="slide14" descr="Isle of Anglesey">
+            <a:extLst>
+              <a:ext uri="{FF2B5EF4-FFF2-40B4-BE49-F238E27FC236}">
+                <a16:creationId xmlns:a16="http://schemas.microsoft.com/office/drawing/2014/main" id="{642F09C3-A47B-B040-96A0-5D9FC683BC53}"/>
+              </a:ext>
+            </a:extLst>
+          </p:cNvPr>
+          <p:cNvPicPr>
+            <a:picLocks noChangeAspect="1"/>
+          </p:cNvPicPr>
+          <p:nvPr/>
+        </p:nvPicPr>
+        <p:blipFill rotWithShape="1">
+          <a:blip r:embed="rId14">
+            <a:extLst>
+              <a:ext uri="{28A0092B-C50C-407E-A947-70E740481C1C}">
+                <a14:useLocalDpi xmlns:a14="http://schemas.microsoft.com/office/drawing/2010/main" val="0"/>
+              </a:ext>
+            </a:extLst>
+          </a:blip>
+          <a:srcRect r="25796" b="14608"/>
+          <a:stretch/>
+        </p:blipFill>
+        <p:spPr>
+          <a:xfrm>
+            <a:off x="805131" y="15241620"/>
+            <a:ext cx="5636742" cy="3060000"/>
+          </a:xfrm>
+          <a:prstGeom prst="rect">
+            <a:avLst/>
+          </a:prstGeom>
+        </p:spPr>
+      </p:pic>
+      <p:pic>
+        <p:nvPicPr>
+          <p:cNvPr id="23" name="slide15" descr="Merthyr Tydfil">
+            <a:extLst>
+              <a:ext uri="{FF2B5EF4-FFF2-40B4-BE49-F238E27FC236}">
+                <a16:creationId xmlns:a16="http://schemas.microsoft.com/office/drawing/2014/main" id="{D32995F7-5E92-4643-9CEC-295EAF76F2E5}"/>
+              </a:ext>
+            </a:extLst>
+          </p:cNvPr>
+          <p:cNvPicPr>
+            <a:picLocks noChangeAspect="1"/>
+          </p:cNvPicPr>
+          <p:nvPr/>
+        </p:nvPicPr>
+        <p:blipFill rotWithShape="1">
+          <a:blip r:embed="rId15">
+            <a:extLst>
+              <a:ext uri="{28A0092B-C50C-407E-A947-70E740481C1C}">
+                <a14:useLocalDpi xmlns:a14="http://schemas.microsoft.com/office/drawing/2010/main" val="0"/>
+              </a:ext>
+            </a:extLst>
+          </a:blip>
+          <a:srcRect r="29357" b="14776"/>
+          <a:stretch/>
+        </p:blipFill>
+        <p:spPr>
+          <a:xfrm>
+            <a:off x="8350916" y="15241620"/>
+            <a:ext cx="5487761" cy="3060000"/>
+          </a:xfrm>
+          <a:prstGeom prst="rect">
+            <a:avLst/>
+          </a:prstGeom>
+        </p:spPr>
+      </p:pic>
+      <p:pic>
+        <p:nvPicPr>
+          <p:cNvPr id="24" name="slide16" descr="Monmouthshire">
+            <a:extLst>
+              <a:ext uri="{FF2B5EF4-FFF2-40B4-BE49-F238E27FC236}">
+                <a16:creationId xmlns:a16="http://schemas.microsoft.com/office/drawing/2014/main" id="{EC32B1C6-D21D-7240-88F7-C536787FC9EF}"/>
+              </a:ext>
+            </a:extLst>
+          </p:cNvPr>
+          <p:cNvPicPr>
+            <a:picLocks noChangeAspect="1"/>
+          </p:cNvPicPr>
+          <p:nvPr/>
+        </p:nvPicPr>
+        <p:blipFill rotWithShape="1">
+          <a:blip r:embed="rId16">
+            <a:extLst>
+              <a:ext uri="{28A0092B-C50C-407E-A947-70E740481C1C}">
+                <a14:useLocalDpi xmlns:a14="http://schemas.microsoft.com/office/drawing/2010/main" val="0"/>
+              </a:ext>
+            </a:extLst>
+          </a:blip>
+          <a:srcRect r="25273" b="14777"/>
+          <a:stretch/>
+        </p:blipFill>
+        <p:spPr>
+          <a:xfrm>
+            <a:off x="14515396" y="15219229"/>
+            <a:ext cx="6007951" cy="3060000"/>
+          </a:xfrm>
+          <a:prstGeom prst="rect">
+            <a:avLst/>
+          </a:prstGeom>
+        </p:spPr>
+      </p:pic>
+      <p:pic>
+        <p:nvPicPr>
+          <p:cNvPr id="25" name="slide17" descr="Neath &amp;amp; Port Talbot">
+            <a:extLst>
+              <a:ext uri="{FF2B5EF4-FFF2-40B4-BE49-F238E27FC236}">
+                <a16:creationId xmlns:a16="http://schemas.microsoft.com/office/drawing/2014/main" id="{B00A75CE-3B75-634F-80F0-F0452D8CE1D9}"/>
+              </a:ext>
+            </a:extLst>
+          </p:cNvPr>
+          <p:cNvPicPr>
+            <a:picLocks noChangeAspect="1"/>
+          </p:cNvPicPr>
+          <p:nvPr/>
+        </p:nvPicPr>
+        <p:blipFill rotWithShape="1">
+          <a:blip r:embed="rId17">
+            <a:extLst>
+              <a:ext uri="{28A0092B-C50C-407E-A947-70E740481C1C}">
+                <a14:useLocalDpi xmlns:a14="http://schemas.microsoft.com/office/drawing/2010/main" val="0"/>
+              </a:ext>
+            </a:extLst>
+          </a:blip>
+          <a:srcRect r="29729" b="14777"/>
+          <a:stretch/>
+        </p:blipFill>
+        <p:spPr>
+          <a:xfrm>
+            <a:off x="21781858" y="15241620"/>
+            <a:ext cx="5884183" cy="3060000"/>
+          </a:xfrm>
+          <a:prstGeom prst="rect">
+            <a:avLst/>
+          </a:prstGeom>
+        </p:spPr>
+      </p:pic>
+      <p:pic>
+        <p:nvPicPr>
+          <p:cNvPr id="26" name="slide18" descr="Newport">
+            <a:extLst>
+              <a:ext uri="{FF2B5EF4-FFF2-40B4-BE49-F238E27FC236}">
+                <a16:creationId xmlns:a16="http://schemas.microsoft.com/office/drawing/2014/main" id="{3F281E80-F51C-E641-B8F5-11BC30CA7BAE}"/>
+              </a:ext>
+            </a:extLst>
+          </p:cNvPr>
+          <p:cNvPicPr>
+            <a:picLocks noChangeAspect="1"/>
+          </p:cNvPicPr>
+          <p:nvPr/>
+        </p:nvPicPr>
+        <p:blipFill rotWithShape="1">
+          <a:blip r:embed="rId18">
+            <a:extLst>
+              <a:ext uri="{28A0092B-C50C-407E-A947-70E740481C1C}">
+                <a14:useLocalDpi xmlns:a14="http://schemas.microsoft.com/office/drawing/2010/main" val="0"/>
+              </a:ext>
+            </a:extLst>
+          </a:blip>
+          <a:srcRect r="25273" b="10638"/>
+          <a:stretch/>
+        </p:blipFill>
+        <p:spPr>
+          <a:xfrm>
+            <a:off x="805132" y="18793339"/>
+            <a:ext cx="5636741" cy="3060000"/>
+          </a:xfrm>
+          <a:prstGeom prst="rect">
+            <a:avLst/>
+          </a:prstGeom>
+        </p:spPr>
+      </p:pic>
+      <p:pic>
+        <p:nvPicPr>
+          <p:cNvPr id="27" name="slide19" descr="Pembrokeshire">
+            <a:extLst>
+              <a:ext uri="{FF2B5EF4-FFF2-40B4-BE49-F238E27FC236}">
+                <a16:creationId xmlns:a16="http://schemas.microsoft.com/office/drawing/2014/main" id="{1C96E80D-D04E-4242-A1E2-E76E080C9F80}"/>
+              </a:ext>
+            </a:extLst>
+          </p:cNvPr>
+          <p:cNvPicPr>
+            <a:picLocks noChangeAspect="1"/>
+          </p:cNvPicPr>
+          <p:nvPr/>
+        </p:nvPicPr>
+        <p:blipFill rotWithShape="1">
+          <a:blip r:embed="rId19">
+            <a:extLst>
+              <a:ext uri="{28A0092B-C50C-407E-A947-70E740481C1C}">
+                <a14:useLocalDpi xmlns:a14="http://schemas.microsoft.com/office/drawing/2010/main" val="0"/>
+              </a:ext>
+            </a:extLst>
+          </a:blip>
+          <a:srcRect r="25273" b="13744"/>
+          <a:stretch/>
+        </p:blipFill>
+        <p:spPr>
+          <a:xfrm>
+            <a:off x="8350917" y="18838121"/>
+            <a:ext cx="5487762" cy="3015218"/>
+          </a:xfrm>
+          <a:prstGeom prst="rect">
+            <a:avLst/>
+          </a:prstGeom>
+        </p:spPr>
+      </p:pic>
+      <p:pic>
+        <p:nvPicPr>
+          <p:cNvPr id="28" name="slide20" descr="Powys">
+            <a:extLst>
+              <a:ext uri="{FF2B5EF4-FFF2-40B4-BE49-F238E27FC236}">
+                <a16:creationId xmlns:a16="http://schemas.microsoft.com/office/drawing/2014/main" id="{2092EF91-2043-1745-A95E-0BB005DD6924}"/>
+              </a:ext>
+            </a:extLst>
+          </p:cNvPr>
+          <p:cNvPicPr>
+            <a:picLocks noChangeAspect="1"/>
+          </p:cNvPicPr>
+          <p:nvPr/>
+        </p:nvPicPr>
+        <p:blipFill rotWithShape="1">
+          <a:blip r:embed="rId20">
+            <a:extLst>
+              <a:ext uri="{28A0092B-C50C-407E-A947-70E740481C1C}">
+                <a14:useLocalDpi xmlns:a14="http://schemas.microsoft.com/office/drawing/2010/main" val="0"/>
+              </a:ext>
+            </a:extLst>
+          </a:blip>
+          <a:srcRect r="30097" b="14776"/>
+          <a:stretch/>
+        </p:blipFill>
+        <p:spPr>
+          <a:xfrm>
+            <a:off x="14515395" y="18793339"/>
+            <a:ext cx="6007951" cy="3060000"/>
+          </a:xfrm>
+          <a:prstGeom prst="rect">
+            <a:avLst/>
+          </a:prstGeom>
+        </p:spPr>
+      </p:pic>
+      <p:pic>
+        <p:nvPicPr>
+          <p:cNvPr id="29" name="slide21" descr="Rhondda Cynon Taff">
+            <a:extLst>
+              <a:ext uri="{FF2B5EF4-FFF2-40B4-BE49-F238E27FC236}">
+                <a16:creationId xmlns:a16="http://schemas.microsoft.com/office/drawing/2014/main" id="{6275AF14-5261-4545-A9B6-79D565E92C88}"/>
+              </a:ext>
+            </a:extLst>
+          </p:cNvPr>
+          <p:cNvPicPr>
+            <a:picLocks noChangeAspect="1"/>
+          </p:cNvPicPr>
+          <p:nvPr/>
+        </p:nvPicPr>
+        <p:blipFill rotWithShape="1">
+          <a:blip r:embed="rId21">
+            <a:extLst>
+              <a:ext uri="{28A0092B-C50C-407E-A947-70E740481C1C}">
+                <a14:useLocalDpi xmlns:a14="http://schemas.microsoft.com/office/drawing/2010/main" val="0"/>
+              </a:ext>
+            </a:extLst>
+          </a:blip>
+          <a:srcRect r="25273" b="18361"/>
+          <a:stretch/>
+        </p:blipFill>
+        <p:spPr>
+          <a:xfrm>
+            <a:off x="21781858" y="18815730"/>
+            <a:ext cx="5884184" cy="3060000"/>
+          </a:xfrm>
+          <a:prstGeom prst="rect">
+            <a:avLst/>
+          </a:prstGeom>
+        </p:spPr>
+      </p:pic>
+      <p:pic>
+        <p:nvPicPr>
+          <p:cNvPr id="30" name="slide23" descr="Torfaen">
+            <a:extLst>
+              <a:ext uri="{FF2B5EF4-FFF2-40B4-BE49-F238E27FC236}">
+                <a16:creationId xmlns:a16="http://schemas.microsoft.com/office/drawing/2014/main" id="{7B213DA8-16C6-0545-9F06-343D7CE99805}"/>
+              </a:ext>
+            </a:extLst>
+          </p:cNvPr>
+          <p:cNvPicPr>
+            <a:picLocks noChangeAspect="1"/>
+          </p:cNvPicPr>
+          <p:nvPr/>
+        </p:nvPicPr>
+        <p:blipFill rotWithShape="1">
+          <a:blip r:embed="rId22">
+            <a:extLst>
+              <a:ext uri="{28A0092B-C50C-407E-A947-70E740481C1C}">
+                <a14:useLocalDpi xmlns:a14="http://schemas.microsoft.com/office/drawing/2010/main" val="0"/>
+              </a:ext>
+            </a:extLst>
+          </a:blip>
+          <a:srcRect r="24589" b="15245"/>
+          <a:stretch/>
+        </p:blipFill>
+        <p:spPr>
+          <a:xfrm>
+            <a:off x="8350917" y="22345057"/>
+            <a:ext cx="5667876" cy="3060000"/>
+          </a:xfrm>
+          <a:prstGeom prst="rect">
+            <a:avLst/>
+          </a:prstGeom>
+        </p:spPr>
+      </p:pic>
+      <p:pic>
+        <p:nvPicPr>
+          <p:cNvPr id="31" name="slide22" descr="Swansea">
+            <a:extLst>
+              <a:ext uri="{FF2B5EF4-FFF2-40B4-BE49-F238E27FC236}">
+                <a16:creationId xmlns:a16="http://schemas.microsoft.com/office/drawing/2014/main" id="{DC062F9F-91C9-E040-BF0D-97311A0F907B}"/>
+              </a:ext>
+            </a:extLst>
+          </p:cNvPr>
+          <p:cNvPicPr>
+            <a:picLocks noChangeAspect="1"/>
+          </p:cNvPicPr>
+          <p:nvPr/>
+        </p:nvPicPr>
+        <p:blipFill rotWithShape="1">
+          <a:blip r:embed="rId23">
+            <a:extLst>
+              <a:ext uri="{28A0092B-C50C-407E-A947-70E740481C1C}">
+                <a14:useLocalDpi xmlns:a14="http://schemas.microsoft.com/office/drawing/2010/main" val="0"/>
+              </a:ext>
+            </a:extLst>
+          </a:blip>
+          <a:srcRect r="25273" b="9311"/>
+          <a:stretch/>
+        </p:blipFill>
+        <p:spPr>
+          <a:xfrm>
+            <a:off x="790530" y="22345057"/>
+            <a:ext cx="5636741" cy="3060000"/>
+          </a:xfrm>
+          <a:prstGeom prst="rect">
+            <a:avLst/>
+          </a:prstGeom>
+        </p:spPr>
+      </p:pic>
+      <p:pic>
+        <p:nvPicPr>
+          <p:cNvPr id="32" name="slide24" descr="Vale of Glamorgan">
+            <a:extLst>
+              <a:ext uri="{FF2B5EF4-FFF2-40B4-BE49-F238E27FC236}">
+                <a16:creationId xmlns:a16="http://schemas.microsoft.com/office/drawing/2014/main" id="{EDF3DEB2-B23C-7643-8698-B0743030CD64}"/>
+              </a:ext>
+            </a:extLst>
+          </p:cNvPr>
+          <p:cNvPicPr>
+            <a:picLocks noChangeAspect="1"/>
+          </p:cNvPicPr>
+          <p:nvPr/>
+        </p:nvPicPr>
+        <p:blipFill rotWithShape="1">
+          <a:blip r:embed="rId24">
+            <a:extLst>
+              <a:ext uri="{28A0092B-C50C-407E-A947-70E740481C1C}">
+                <a14:useLocalDpi xmlns:a14="http://schemas.microsoft.com/office/drawing/2010/main" val="0"/>
+              </a:ext>
+            </a:extLst>
+          </a:blip>
+          <a:srcRect r="25273" b="13744"/>
+          <a:stretch/>
+        </p:blipFill>
+        <p:spPr>
+          <a:xfrm>
+            <a:off x="14515396" y="22322666"/>
+            <a:ext cx="6007950" cy="3060000"/>
+          </a:xfrm>
+          <a:prstGeom prst="rect">
+            <a:avLst/>
+          </a:prstGeom>
+        </p:spPr>
+      </p:pic>
+      <p:pic>
+        <p:nvPicPr>
+          <p:cNvPr id="33" name="slide22" descr="Swansea">
+            <a:extLst>
+              <a:ext uri="{FF2B5EF4-FFF2-40B4-BE49-F238E27FC236}">
+                <a16:creationId xmlns:a16="http://schemas.microsoft.com/office/drawing/2014/main" id="{10ED9F54-A959-574A-A76D-4B9AA9D4B1DE}"/>
+              </a:ext>
+            </a:extLst>
+          </p:cNvPr>
+          <p:cNvPicPr>
+            <a:picLocks noChangeAspect="1"/>
+          </p:cNvPicPr>
+          <p:nvPr/>
+        </p:nvPicPr>
+        <p:blipFill rotWithShape="1">
+          <a:blip r:embed="rId23">
+            <a:extLst>
+              <a:ext uri="{28A0092B-C50C-407E-A947-70E740481C1C}">
+                <a14:useLocalDpi xmlns:a14="http://schemas.microsoft.com/office/drawing/2010/main" val="0"/>
+              </a:ext>
+            </a:extLst>
+          </a:blip>
+          <a:srcRect l="74145" b="47147"/>
+          <a:stretch/>
+        </p:blipFill>
+        <p:spPr>
+          <a:xfrm>
+            <a:off x="790530" y="26121087"/>
+            <a:ext cx="4137070" cy="3839154"/>
+          </a:xfrm>
+          <a:prstGeom prst="rect">
+            <a:avLst/>
+          </a:prstGeom>
+        </p:spPr>
+      </p:pic>
+      <p:pic>
+        <p:nvPicPr>
+          <p:cNvPr id="34" name="slide3" descr="All 2">
+            <a:extLst>
+              <a:ext uri="{FF2B5EF4-FFF2-40B4-BE49-F238E27FC236}">
+                <a16:creationId xmlns:a16="http://schemas.microsoft.com/office/drawing/2014/main" id="{002B22AE-507D-784D-B8CF-35392884D576}"/>
+              </a:ext>
+            </a:extLst>
+          </p:cNvPr>
+          <p:cNvPicPr>
+            <a:picLocks noChangeAspect="1"/>
+          </p:cNvPicPr>
+          <p:nvPr/>
+        </p:nvPicPr>
+        <p:blipFill rotWithShape="1">
+          <a:blip r:embed="rId25">
+            <a:extLst>
+              <a:ext uri="{28A0092B-C50C-407E-A947-70E740481C1C}">
+                <a14:useLocalDpi xmlns:a14="http://schemas.microsoft.com/office/drawing/2010/main" val="0"/>
+              </a:ext>
+            </a:extLst>
+          </a:blip>
+          <a:srcRect r="25254" b="10971"/>
+          <a:stretch/>
+        </p:blipFill>
+        <p:spPr>
+          <a:xfrm>
+            <a:off x="8350917" y="4833327"/>
+            <a:ext cx="5487760" cy="2880258"/>
+          </a:xfrm>
+          <a:prstGeom prst="rect">
+            <a:avLst/>
+          </a:prstGeom>
+        </p:spPr>
+      </p:pic>
+      <p:pic>
+        <p:nvPicPr>
+          <p:cNvPr id="35" name="slide2" descr="All 1">
+            <a:extLst>
+              <a:ext uri="{FF2B5EF4-FFF2-40B4-BE49-F238E27FC236}">
+                <a16:creationId xmlns:a16="http://schemas.microsoft.com/office/drawing/2014/main" id="{BFDE2A9C-DB8A-104E-B619-E94FFA665849}"/>
+              </a:ext>
+            </a:extLst>
+          </p:cNvPr>
+          <p:cNvPicPr>
+            <a:picLocks noChangeAspect="1"/>
+          </p:cNvPicPr>
+          <p:nvPr/>
+        </p:nvPicPr>
+        <p:blipFill rotWithShape="1">
+          <a:blip r:embed="rId26">
+            <a:extLst>
+              <a:ext uri="{28A0092B-C50C-407E-A947-70E740481C1C}">
+                <a14:useLocalDpi xmlns:a14="http://schemas.microsoft.com/office/drawing/2010/main" val="0"/>
+              </a:ext>
+            </a:extLst>
+          </a:blip>
+          <a:srcRect l="-1" r="12519" b="1842"/>
+          <a:stretch/>
+        </p:blipFill>
+        <p:spPr>
+          <a:xfrm>
+            <a:off x="30496027" y="1758746"/>
+            <a:ext cx="10226389" cy="9414005"/>
+          </a:xfrm>
+          <a:prstGeom prst="rect">
+            <a:avLst/>
+          </a:prstGeom>
+        </p:spPr>
+      </p:pic>
+      <p:grpSp>
+        <p:nvGrpSpPr>
+          <p:cNvPr id="7" name="Group 6">
+            <a:extLst>
+              <a:ext uri="{FF2B5EF4-FFF2-40B4-BE49-F238E27FC236}">
+                <a16:creationId xmlns:a16="http://schemas.microsoft.com/office/drawing/2014/main" id="{F962BA1E-9791-5B48-858F-E40036CD8EF6}"/>
+              </a:ext>
+            </a:extLst>
+          </p:cNvPr>
+          <p:cNvGrpSpPr/>
+          <p:nvPr/>
+        </p:nvGrpSpPr>
+        <p:grpSpPr>
+          <a:xfrm>
+            <a:off x="39331430" y="19200860"/>
+            <a:ext cx="3340108" cy="4651806"/>
+            <a:chOff x="28029184" y="4572001"/>
+            <a:chExt cx="5502475" cy="7603958"/>
+          </a:xfrm>
+        </p:grpSpPr>
+        <p:pic>
+          <p:nvPicPr>
+            <p:cNvPr id="3" name="Picture 2" descr="Icon&#10;&#10;Description automatically generated with medium confidence">
+              <a:extLst>
+                <a:ext uri="{FF2B5EF4-FFF2-40B4-BE49-F238E27FC236}">
+                  <a16:creationId xmlns:a16="http://schemas.microsoft.com/office/drawing/2014/main" id="{6DDB6B8B-1255-C74A-8D22-D7C662768239}"/>
+                </a:ext>
+              </a:extLst>
+            </p:cNvPr>
+            <p:cNvPicPr>
+              <a:picLocks noChangeAspect="1"/>
+            </p:cNvPicPr>
+            <p:nvPr/>
+          </p:nvPicPr>
+          <p:blipFill rotWithShape="1">
+            <a:blip r:embed="rId27"/>
+            <a:srcRect l="21409" r="31818"/>
+            <a:stretch/>
+          </p:blipFill>
+          <p:spPr>
+            <a:xfrm>
+              <a:off x="28029184" y="4572001"/>
+              <a:ext cx="5502475" cy="7603958"/>
+            </a:xfrm>
+            <a:prstGeom prst="rect">
+              <a:avLst/>
+            </a:prstGeom>
+          </p:spPr>
+        </p:pic>
+        <p:sp>
+          <p:nvSpPr>
+            <p:cNvPr id="4" name="Oval 3">
+              <a:extLst>
+                <a:ext uri="{FF2B5EF4-FFF2-40B4-BE49-F238E27FC236}">
+                  <a16:creationId xmlns:a16="http://schemas.microsoft.com/office/drawing/2014/main" id="{C203F0B9-632E-C544-AD89-9BCAE184CFCF}"/>
+                </a:ext>
+              </a:extLst>
+            </p:cNvPr>
+            <p:cNvSpPr/>
+            <p:nvPr/>
+          </p:nvSpPr>
+          <p:spPr>
+            <a:xfrm>
+              <a:off x="30319579" y="8855242"/>
+              <a:ext cx="1251284" cy="1732547"/>
+            </a:xfrm>
+            <a:prstGeom prst="ellipse">
+              <a:avLst/>
+            </a:prstGeom>
+            <a:noFill/>
+            <a:ln w="38100"/>
+          </p:spPr>
+          <p:style>
+            <a:lnRef idx="2">
+              <a:schemeClr val="accent1">
+                <a:shade val="50000"/>
+              </a:schemeClr>
+            </a:lnRef>
+            <a:fillRef idx="1">
+              <a:schemeClr val="accent1"/>
+            </a:fillRef>
+            <a:effectRef idx="0">
+              <a:schemeClr val="accent1"/>
+            </a:effectRef>
+            <a:fontRef idx="minor">
+              <a:schemeClr val="lt1"/>
+            </a:fontRef>
+          </p:style>
+          <p:txBody>
+            <a:bodyPr rtlCol="0" anchor="ctr"/>
+            <a:lstStyle/>
+            <a:p>
+              <a:pPr algn="ctr"/>
+              <a:endParaRPr lang="en-GB"/>
+            </a:p>
+          </p:txBody>
+        </p:sp>
+      </p:grpSp>
+    </p:spTree>
+    <p:extLst>
+      <p:ext uri="{BB962C8B-B14F-4D97-AF65-F5344CB8AC3E}">
+        <p14:creationId xmlns:p14="http://schemas.microsoft.com/office/powerpoint/2010/main" val="2807217778"/>
+      </p:ext>
+    </p:extLst>
+  </p:cSld>
+  <p:clrMapOvr>
+    <a:masterClrMapping/>
+  </p:clrMapOvr>
+</p:sld>
+</file>
+
+<file path=ppt/slides/slide4.xml><?xml version="1.0" encoding="utf-8"?>
+<p:sld xmlns:a="http://schemas.openxmlformats.org/drawingml/2006/main" xmlns:r="http://schemas.openxmlformats.org/officeDocument/2006/relationships" xmlns:p="http://schemas.openxmlformats.org/presentationml/2006/main">
+  <p:cSld>
+    <p:bg>
+      <p:bgPr>
+        <a:solidFill>
+          <a:schemeClr val="bg1"/>
+        </a:solidFill>
+        <a:effectLst/>
+      </p:bgPr>
+    </p:bg>
+    <p:spTree>
+      <p:nvGrpSpPr>
+        <p:cNvPr id="1" name=""/>
+        <p:cNvGrpSpPr/>
+        <p:nvPr/>
+      </p:nvGrpSpPr>
+      <p:grpSpPr>
+        <a:xfrm>
+          <a:off x="0" y="0"/>
+          <a:ext cx="0" cy="0"/>
+          <a:chOff x="0" y="0"/>
+          <a:chExt cx="0" cy="0"/>
+        </a:xfrm>
+      </p:grpSpPr>
+      <p:sp>
+        <p:nvSpPr>
+          <p:cNvPr id="8" name="TextBox 7">
+            <a:extLst>
+              <a:ext uri="{FF2B5EF4-FFF2-40B4-BE49-F238E27FC236}">
+                <a16:creationId xmlns:a16="http://schemas.microsoft.com/office/drawing/2014/main" id="{AB538B17-6B2A-5A47-BDAA-1089B5B8AF14}"/>
+              </a:ext>
+            </a:extLst>
+          </p:cNvPr>
+          <p:cNvSpPr txBox="1"/>
+          <p:nvPr/>
+        </p:nvSpPr>
+        <p:spPr>
+          <a:xfrm>
+            <a:off x="805131" y="482170"/>
+            <a:ext cx="13883506" cy="1323439"/>
+          </a:xfrm>
+          <a:prstGeom prst="rect">
+            <a:avLst/>
+          </a:prstGeom>
+          <a:noFill/>
+        </p:spPr>
+        <p:txBody>
+          <a:bodyPr wrap="square" rtlCol="0">
+            <a:spAutoFit/>
+          </a:bodyPr>
+          <a:lstStyle/>
+          <a:p>
+            <a:r>
+              <a:rPr lang="en-GB" sz="8000" dirty="0"/>
+              <a:t>Total Crashes to Light Conditions.</a:t>
+            </a:r>
+          </a:p>
+        </p:txBody>
+      </p:sp>
+      <p:pic>
+        <p:nvPicPr>
+          <p:cNvPr id="10" name="Picture 9" descr="Map&#10;&#10;Description automatically generated">
+            <a:extLst>
+              <a:ext uri="{FF2B5EF4-FFF2-40B4-BE49-F238E27FC236}">
+                <a16:creationId xmlns:a16="http://schemas.microsoft.com/office/drawing/2014/main" id="{405DA148-DA01-9E46-AF4F-804671AFF149}"/>
+              </a:ext>
+            </a:extLst>
+          </p:cNvPr>
+          <p:cNvPicPr>
+            <a:picLocks noChangeAspect="1"/>
+          </p:cNvPicPr>
+          <p:nvPr/>
+        </p:nvPicPr>
+        <p:blipFill rotWithShape="1">
+          <a:blip r:embed="rId2"/>
+          <a:srcRect l="19496" r="15752"/>
+          <a:stretch/>
+        </p:blipFill>
+        <p:spPr>
+          <a:xfrm>
+            <a:off x="27075792" y="13879513"/>
+            <a:ext cx="13387443" cy="16395700"/>
+          </a:xfrm>
+          <a:prstGeom prst="rect">
+            <a:avLst/>
+          </a:prstGeom>
+        </p:spPr>
+      </p:pic>
+      <p:sp>
+        <p:nvSpPr>
+          <p:cNvPr id="2" name="TextBox 1">
+            <a:extLst>
+              <a:ext uri="{FF2B5EF4-FFF2-40B4-BE49-F238E27FC236}">
+                <a16:creationId xmlns:a16="http://schemas.microsoft.com/office/drawing/2014/main" id="{13E79CAA-2257-424A-85D0-43EF377ECEAC}"/>
+              </a:ext>
+            </a:extLst>
+          </p:cNvPr>
+          <p:cNvSpPr txBox="1"/>
+          <p:nvPr/>
+        </p:nvSpPr>
+        <p:spPr>
+          <a:xfrm>
+            <a:off x="805131" y="2856608"/>
+            <a:ext cx="7748337" cy="369332"/>
+          </a:xfrm>
+          <a:prstGeom prst="rect">
+            <a:avLst/>
+          </a:prstGeom>
+          <a:noFill/>
+        </p:spPr>
+        <p:txBody>
+          <a:bodyPr wrap="square" rtlCol="0">
+            <a:spAutoFit/>
+          </a:bodyPr>
+          <a:lstStyle/>
+          <a:p>
+            <a:r>
+              <a:rPr lang="en-GB" dirty="0"/>
+              <a:t>Give a brief </a:t>
+            </a:r>
+            <a:r>
+              <a:rPr lang="en-GB" dirty="0" err="1"/>
+              <a:t>ocverview</a:t>
+            </a:r>
+            <a:endParaRPr lang="en-GB" dirty="0"/>
+          </a:p>
+        </p:txBody>
+      </p:sp>
+      <p:pic>
+        <p:nvPicPr>
+          <p:cNvPr id="11" name="slide25" descr="Wrexham">
+            <a:extLst>
+              <a:ext uri="{FF2B5EF4-FFF2-40B4-BE49-F238E27FC236}">
+                <a16:creationId xmlns:a16="http://schemas.microsoft.com/office/drawing/2014/main" id="{7ECAA9BB-13D2-5741-9691-7E6E0036B9F3}"/>
+              </a:ext>
+            </a:extLst>
+          </p:cNvPr>
+          <p:cNvPicPr>
+            <a:picLocks noChangeAspect="1"/>
+          </p:cNvPicPr>
+          <p:nvPr/>
+        </p:nvPicPr>
+        <p:blipFill rotWithShape="1">
+          <a:blip r:embed="rId3">
+            <a:extLst>
+              <a:ext uri="{28A0092B-C50C-407E-A947-70E740481C1C}">
+                <a14:useLocalDpi xmlns:a14="http://schemas.microsoft.com/office/drawing/2010/main" val="0"/>
+              </a:ext>
+            </a:extLst>
+          </a:blip>
+          <a:srcRect r="25273" b="10638"/>
+          <a:stretch/>
+        </p:blipFill>
+        <p:spPr>
+          <a:xfrm>
+            <a:off x="21781857" y="22385495"/>
+            <a:ext cx="5884184" cy="3060000"/>
+          </a:xfrm>
+          <a:prstGeom prst="rect">
+            <a:avLst/>
+          </a:prstGeom>
+        </p:spPr>
+      </p:pic>
+      <p:pic>
+        <p:nvPicPr>
+          <p:cNvPr id="12" name="slide4" descr="Blaenau Gwent">
+            <a:extLst>
+              <a:ext uri="{FF2B5EF4-FFF2-40B4-BE49-F238E27FC236}">
+                <a16:creationId xmlns:a16="http://schemas.microsoft.com/office/drawing/2014/main" id="{86136565-5D92-D94D-B343-324A5EC9FC92}"/>
+              </a:ext>
+            </a:extLst>
+          </p:cNvPr>
+          <p:cNvPicPr>
+            <a:picLocks noChangeAspect="1"/>
+          </p:cNvPicPr>
+          <p:nvPr/>
+        </p:nvPicPr>
+        <p:blipFill rotWithShape="1">
+          <a:blip r:embed="rId4">
+            <a:extLst>
+              <a:ext uri="{28A0092B-C50C-407E-A947-70E740481C1C}">
+                <a14:useLocalDpi xmlns:a14="http://schemas.microsoft.com/office/drawing/2010/main" val="0"/>
+              </a:ext>
+            </a:extLst>
+          </a:blip>
+          <a:srcRect r="25563" b="17474"/>
+          <a:stretch/>
+        </p:blipFill>
+        <p:spPr>
+          <a:xfrm>
+            <a:off x="14295103" y="4631193"/>
+            <a:ext cx="6228245" cy="3060000"/>
+          </a:xfrm>
+          <a:prstGeom prst="rect">
+            <a:avLst/>
+          </a:prstGeom>
+        </p:spPr>
+      </p:pic>
+      <p:pic>
+        <p:nvPicPr>
+          <p:cNvPr id="13" name="slide5" descr="Bridgend">
+            <a:extLst>
+              <a:ext uri="{FF2B5EF4-FFF2-40B4-BE49-F238E27FC236}">
+                <a16:creationId xmlns:a16="http://schemas.microsoft.com/office/drawing/2014/main" id="{E7D374DC-16F9-914E-88A4-91C87F2A7DC3}"/>
+              </a:ext>
+            </a:extLst>
+          </p:cNvPr>
+          <p:cNvPicPr>
+            <a:picLocks noChangeAspect="1"/>
+          </p:cNvPicPr>
+          <p:nvPr/>
+        </p:nvPicPr>
+        <p:blipFill rotWithShape="1">
+          <a:blip r:embed="rId5">
+            <a:extLst>
+              <a:ext uri="{28A0092B-C50C-407E-A947-70E740481C1C}">
+                <a14:useLocalDpi xmlns:a14="http://schemas.microsoft.com/office/drawing/2010/main" val="0"/>
+              </a:ext>
+            </a:extLst>
+          </a:blip>
+          <a:srcRect r="24786" b="12743"/>
+          <a:stretch/>
+        </p:blipFill>
+        <p:spPr>
+          <a:xfrm>
+            <a:off x="21781858" y="4653584"/>
+            <a:ext cx="5884183" cy="3060000"/>
+          </a:xfrm>
+          <a:prstGeom prst="rect">
+            <a:avLst/>
+          </a:prstGeom>
+        </p:spPr>
+      </p:pic>
+      <p:pic>
+        <p:nvPicPr>
+          <p:cNvPr id="14" name="slide6" descr="Caerphilly">
+            <a:extLst>
+              <a:ext uri="{FF2B5EF4-FFF2-40B4-BE49-F238E27FC236}">
+                <a16:creationId xmlns:a16="http://schemas.microsoft.com/office/drawing/2014/main" id="{AB6C43ED-8F7B-BD4D-BEEC-B8381A4592AD}"/>
+              </a:ext>
+            </a:extLst>
+          </p:cNvPr>
+          <p:cNvPicPr>
+            <a:picLocks noChangeAspect="1"/>
+          </p:cNvPicPr>
+          <p:nvPr/>
+        </p:nvPicPr>
+        <p:blipFill rotWithShape="1">
+          <a:blip r:embed="rId6">
+            <a:extLst>
+              <a:ext uri="{28A0092B-C50C-407E-A947-70E740481C1C}">
+                <a14:useLocalDpi xmlns:a14="http://schemas.microsoft.com/office/drawing/2010/main" val="0"/>
+              </a:ext>
+            </a:extLst>
+          </a:blip>
+          <a:srcRect r="25273" b="10638"/>
+          <a:stretch/>
+        </p:blipFill>
+        <p:spPr>
+          <a:xfrm>
+            <a:off x="805132" y="8138181"/>
+            <a:ext cx="5636743" cy="3060000"/>
+          </a:xfrm>
+          <a:prstGeom prst="rect">
+            <a:avLst/>
+          </a:prstGeom>
+        </p:spPr>
+      </p:pic>
+      <p:pic>
+        <p:nvPicPr>
+          <p:cNvPr id="15" name="slide7" descr="Cardiff">
+            <a:extLst>
+              <a:ext uri="{FF2B5EF4-FFF2-40B4-BE49-F238E27FC236}">
+                <a16:creationId xmlns:a16="http://schemas.microsoft.com/office/drawing/2014/main" id="{A2EE8F0A-B4B1-3A47-8861-5D2CA7BC2294}"/>
+              </a:ext>
+            </a:extLst>
+          </p:cNvPr>
+          <p:cNvPicPr>
+            <a:picLocks noChangeAspect="1"/>
+          </p:cNvPicPr>
+          <p:nvPr/>
+        </p:nvPicPr>
+        <p:blipFill rotWithShape="1">
+          <a:blip r:embed="rId7">
+            <a:extLst>
+              <a:ext uri="{28A0092B-C50C-407E-A947-70E740481C1C}">
+                <a14:useLocalDpi xmlns:a14="http://schemas.microsoft.com/office/drawing/2010/main" val="0"/>
+              </a:ext>
+            </a:extLst>
+          </a:blip>
+          <a:srcRect r="30039" b="14777"/>
+          <a:stretch/>
+        </p:blipFill>
+        <p:spPr>
+          <a:xfrm>
+            <a:off x="8350917" y="8112751"/>
+            <a:ext cx="5487760" cy="3060000"/>
+          </a:xfrm>
+          <a:prstGeom prst="rect">
+            <a:avLst/>
+          </a:prstGeom>
+        </p:spPr>
+      </p:pic>
+      <p:pic>
+        <p:nvPicPr>
+          <p:cNvPr id="16" name="slide8" descr="Carmarthenshire">
+            <a:extLst>
+              <a:ext uri="{FF2B5EF4-FFF2-40B4-BE49-F238E27FC236}">
+                <a16:creationId xmlns:a16="http://schemas.microsoft.com/office/drawing/2014/main" id="{50CF8BC6-67DC-D244-8E74-FC0DFA7A87D1}"/>
+              </a:ext>
+            </a:extLst>
+          </p:cNvPr>
+          <p:cNvPicPr>
+            <a:picLocks noChangeAspect="1"/>
+          </p:cNvPicPr>
+          <p:nvPr/>
+        </p:nvPicPr>
+        <p:blipFill rotWithShape="1">
+          <a:blip r:embed="rId8">
+            <a:extLst>
+              <a:ext uri="{28A0092B-C50C-407E-A947-70E740481C1C}">
+                <a14:useLocalDpi xmlns:a14="http://schemas.microsoft.com/office/drawing/2010/main" val="0"/>
+              </a:ext>
+            </a:extLst>
+          </a:blip>
+          <a:srcRect r="25273" b="14777"/>
+          <a:stretch/>
+        </p:blipFill>
+        <p:spPr>
+          <a:xfrm>
+            <a:off x="14515396" y="8115790"/>
+            <a:ext cx="6007952" cy="3060000"/>
+          </a:xfrm>
+          <a:prstGeom prst="rect">
+            <a:avLst/>
+          </a:prstGeom>
+        </p:spPr>
+      </p:pic>
+      <p:pic>
+        <p:nvPicPr>
+          <p:cNvPr id="17" name="slide9" descr="Ceredigion">
+            <a:extLst>
+              <a:ext uri="{FF2B5EF4-FFF2-40B4-BE49-F238E27FC236}">
+                <a16:creationId xmlns:a16="http://schemas.microsoft.com/office/drawing/2014/main" id="{F656BC71-D6CD-EC43-AF63-D20C607FAB18}"/>
+              </a:ext>
+            </a:extLst>
+          </p:cNvPr>
+          <p:cNvPicPr>
+            <a:picLocks noChangeAspect="1"/>
+          </p:cNvPicPr>
+          <p:nvPr/>
+        </p:nvPicPr>
+        <p:blipFill rotWithShape="1">
+          <a:blip r:embed="rId9">
+            <a:extLst>
+              <a:ext uri="{28A0092B-C50C-407E-A947-70E740481C1C}">
+                <a14:useLocalDpi xmlns:a14="http://schemas.microsoft.com/office/drawing/2010/main" val="0"/>
+              </a:ext>
+            </a:extLst>
+          </a:blip>
+          <a:srcRect r="29729" b="14022"/>
+          <a:stretch/>
+        </p:blipFill>
+        <p:spPr>
+          <a:xfrm>
+            <a:off x="21781858" y="8112751"/>
+            <a:ext cx="5884183" cy="3060000"/>
+          </a:xfrm>
+          <a:prstGeom prst="rect">
+            <a:avLst/>
+          </a:prstGeom>
+        </p:spPr>
+      </p:pic>
+      <p:pic>
+        <p:nvPicPr>
+          <p:cNvPr id="18" name="slide10" descr="Conwy">
+            <a:extLst>
+              <a:ext uri="{FF2B5EF4-FFF2-40B4-BE49-F238E27FC236}">
+                <a16:creationId xmlns:a16="http://schemas.microsoft.com/office/drawing/2014/main" id="{2026BBE7-4919-9C4E-AB62-3C6004A5539E}"/>
+              </a:ext>
+            </a:extLst>
+          </p:cNvPr>
+          <p:cNvPicPr>
+            <a:picLocks noChangeAspect="1"/>
+          </p:cNvPicPr>
+          <p:nvPr/>
+        </p:nvPicPr>
+        <p:blipFill rotWithShape="1">
+          <a:blip r:embed="rId10">
+            <a:extLst>
+              <a:ext uri="{28A0092B-C50C-407E-A947-70E740481C1C}">
+                <a14:useLocalDpi xmlns:a14="http://schemas.microsoft.com/office/drawing/2010/main" val="0"/>
+              </a:ext>
+            </a:extLst>
+          </a:blip>
+          <a:srcRect r="28422" b="15245"/>
+          <a:stretch/>
+        </p:blipFill>
+        <p:spPr>
+          <a:xfrm>
+            <a:off x="805132" y="11689901"/>
+            <a:ext cx="5636743" cy="3060000"/>
+          </a:xfrm>
+          <a:prstGeom prst="rect">
+            <a:avLst/>
+          </a:prstGeom>
+        </p:spPr>
+      </p:pic>
+      <p:pic>
+        <p:nvPicPr>
+          <p:cNvPr id="19" name="slide11" descr="Denbighshire">
+            <a:extLst>
+              <a:ext uri="{FF2B5EF4-FFF2-40B4-BE49-F238E27FC236}">
+                <a16:creationId xmlns:a16="http://schemas.microsoft.com/office/drawing/2014/main" id="{6D7C69FE-BD87-7E4F-8E4D-7E48EDC05CF0}"/>
+              </a:ext>
+            </a:extLst>
+          </p:cNvPr>
+          <p:cNvPicPr>
+            <a:picLocks noChangeAspect="1"/>
+          </p:cNvPicPr>
+          <p:nvPr/>
+        </p:nvPicPr>
+        <p:blipFill rotWithShape="1">
+          <a:blip r:embed="rId11">
+            <a:extLst>
+              <a:ext uri="{28A0092B-C50C-407E-A947-70E740481C1C}">
+                <a14:useLocalDpi xmlns:a14="http://schemas.microsoft.com/office/drawing/2010/main" val="0"/>
+              </a:ext>
+            </a:extLst>
+          </a:blip>
+          <a:srcRect r="28422" b="14777"/>
+          <a:stretch/>
+        </p:blipFill>
+        <p:spPr>
+          <a:xfrm>
+            <a:off x="8350917" y="11689901"/>
+            <a:ext cx="5487760" cy="3060000"/>
+          </a:xfrm>
+          <a:prstGeom prst="rect">
+            <a:avLst/>
+          </a:prstGeom>
+        </p:spPr>
+      </p:pic>
+      <p:pic>
+        <p:nvPicPr>
+          <p:cNvPr id="20" name="slide12" descr="Flintshire">
+            <a:extLst>
+              <a:ext uri="{FF2B5EF4-FFF2-40B4-BE49-F238E27FC236}">
+                <a16:creationId xmlns:a16="http://schemas.microsoft.com/office/drawing/2014/main" id="{BD6B0DDA-F72A-2446-8E2D-CD8D44EEB332}"/>
+              </a:ext>
+            </a:extLst>
+          </p:cNvPr>
+          <p:cNvPicPr>
+            <a:picLocks noChangeAspect="1"/>
+          </p:cNvPicPr>
+          <p:nvPr/>
+        </p:nvPicPr>
+        <p:blipFill rotWithShape="1">
+          <a:blip r:embed="rId12">
+            <a:extLst>
+              <a:ext uri="{28A0092B-C50C-407E-A947-70E740481C1C}">
+                <a14:useLocalDpi xmlns:a14="http://schemas.microsoft.com/office/drawing/2010/main" val="0"/>
+              </a:ext>
+            </a:extLst>
+          </a:blip>
+          <a:srcRect r="25273" b="10638"/>
+          <a:stretch/>
+        </p:blipFill>
+        <p:spPr>
+          <a:xfrm>
+            <a:off x="14515397" y="11667510"/>
+            <a:ext cx="6007951" cy="3060000"/>
+          </a:xfrm>
+          <a:prstGeom prst="rect">
+            <a:avLst/>
+          </a:prstGeom>
+        </p:spPr>
+      </p:pic>
+      <p:pic>
+        <p:nvPicPr>
+          <p:cNvPr id="21" name="slide13" descr="Gwynedd">
+            <a:extLst>
+              <a:ext uri="{FF2B5EF4-FFF2-40B4-BE49-F238E27FC236}">
+                <a16:creationId xmlns:a16="http://schemas.microsoft.com/office/drawing/2014/main" id="{3950D1D2-50ED-AD45-B801-D7C23C1EB8A6}"/>
+              </a:ext>
+            </a:extLst>
+          </p:cNvPr>
+          <p:cNvPicPr>
+            <a:picLocks noChangeAspect="1"/>
+          </p:cNvPicPr>
+          <p:nvPr/>
+        </p:nvPicPr>
+        <p:blipFill rotWithShape="1">
+          <a:blip r:embed="rId13">
+            <a:extLst>
+              <a:ext uri="{28A0092B-C50C-407E-A947-70E740481C1C}">
+                <a14:useLocalDpi xmlns:a14="http://schemas.microsoft.com/office/drawing/2010/main" val="0"/>
+              </a:ext>
+            </a:extLst>
+          </a:blip>
+          <a:srcRect r="30684" b="14777"/>
+          <a:stretch/>
+        </p:blipFill>
+        <p:spPr>
+          <a:xfrm>
+            <a:off x="21781858" y="11689901"/>
+            <a:ext cx="5884183" cy="3060000"/>
+          </a:xfrm>
+          <a:prstGeom prst="rect">
+            <a:avLst/>
+          </a:prstGeom>
+        </p:spPr>
+      </p:pic>
+      <p:pic>
+        <p:nvPicPr>
+          <p:cNvPr id="22" name="slide14" descr="Isle of Anglesey">
+            <a:extLst>
+              <a:ext uri="{FF2B5EF4-FFF2-40B4-BE49-F238E27FC236}">
+                <a16:creationId xmlns:a16="http://schemas.microsoft.com/office/drawing/2014/main" id="{642F09C3-A47B-B040-96A0-5D9FC683BC53}"/>
+              </a:ext>
+            </a:extLst>
+          </p:cNvPr>
+          <p:cNvPicPr>
+            <a:picLocks noChangeAspect="1"/>
+          </p:cNvPicPr>
+          <p:nvPr/>
+        </p:nvPicPr>
+        <p:blipFill rotWithShape="1">
+          <a:blip r:embed="rId14">
+            <a:extLst>
+              <a:ext uri="{28A0092B-C50C-407E-A947-70E740481C1C}">
+                <a14:useLocalDpi xmlns:a14="http://schemas.microsoft.com/office/drawing/2010/main" val="0"/>
+              </a:ext>
+            </a:extLst>
+          </a:blip>
+          <a:srcRect r="25796" b="14608"/>
+          <a:stretch/>
+        </p:blipFill>
+        <p:spPr>
+          <a:xfrm>
+            <a:off x="805131" y="15241620"/>
+            <a:ext cx="5636742" cy="3060000"/>
+          </a:xfrm>
+          <a:prstGeom prst="rect">
+            <a:avLst/>
+          </a:prstGeom>
+        </p:spPr>
+      </p:pic>
+      <p:pic>
+        <p:nvPicPr>
+          <p:cNvPr id="23" name="slide15" descr="Merthyr Tydfil">
+            <a:extLst>
+              <a:ext uri="{FF2B5EF4-FFF2-40B4-BE49-F238E27FC236}">
+                <a16:creationId xmlns:a16="http://schemas.microsoft.com/office/drawing/2014/main" id="{D32995F7-5E92-4643-9CEC-295EAF76F2E5}"/>
+              </a:ext>
+            </a:extLst>
+          </p:cNvPr>
+          <p:cNvPicPr>
+            <a:picLocks noChangeAspect="1"/>
+          </p:cNvPicPr>
+          <p:nvPr/>
+        </p:nvPicPr>
+        <p:blipFill rotWithShape="1">
+          <a:blip r:embed="rId15">
+            <a:extLst>
+              <a:ext uri="{28A0092B-C50C-407E-A947-70E740481C1C}">
+                <a14:useLocalDpi xmlns:a14="http://schemas.microsoft.com/office/drawing/2010/main" val="0"/>
+              </a:ext>
+            </a:extLst>
+          </a:blip>
+          <a:srcRect r="29357" b="14776"/>
+          <a:stretch/>
+        </p:blipFill>
+        <p:spPr>
+          <a:xfrm>
+            <a:off x="8350916" y="15241620"/>
+            <a:ext cx="5487761" cy="3060000"/>
+          </a:xfrm>
+          <a:prstGeom prst="rect">
+            <a:avLst/>
+          </a:prstGeom>
+        </p:spPr>
+      </p:pic>
+      <p:pic>
+        <p:nvPicPr>
+          <p:cNvPr id="24" name="slide16" descr="Monmouthshire">
+            <a:extLst>
+              <a:ext uri="{FF2B5EF4-FFF2-40B4-BE49-F238E27FC236}">
+                <a16:creationId xmlns:a16="http://schemas.microsoft.com/office/drawing/2014/main" id="{EC32B1C6-D21D-7240-88F7-C536787FC9EF}"/>
+              </a:ext>
+            </a:extLst>
+          </p:cNvPr>
+          <p:cNvPicPr>
+            <a:picLocks noChangeAspect="1"/>
+          </p:cNvPicPr>
+          <p:nvPr/>
+        </p:nvPicPr>
+        <p:blipFill rotWithShape="1">
+          <a:blip r:embed="rId16">
+            <a:extLst>
+              <a:ext uri="{28A0092B-C50C-407E-A947-70E740481C1C}">
+                <a14:useLocalDpi xmlns:a14="http://schemas.microsoft.com/office/drawing/2010/main" val="0"/>
+              </a:ext>
+            </a:extLst>
+          </a:blip>
+          <a:srcRect r="25273" b="14777"/>
+          <a:stretch/>
+        </p:blipFill>
+        <p:spPr>
+          <a:xfrm>
+            <a:off x="14515396" y="15219229"/>
+            <a:ext cx="6007951" cy="3060000"/>
+          </a:xfrm>
+          <a:prstGeom prst="rect">
+            <a:avLst/>
+          </a:prstGeom>
+        </p:spPr>
+      </p:pic>
+      <p:pic>
+        <p:nvPicPr>
+          <p:cNvPr id="25" name="slide17" descr="Neath &amp;amp; Port Talbot">
+            <a:extLst>
+              <a:ext uri="{FF2B5EF4-FFF2-40B4-BE49-F238E27FC236}">
+                <a16:creationId xmlns:a16="http://schemas.microsoft.com/office/drawing/2014/main" id="{B00A75CE-3B75-634F-80F0-F0452D8CE1D9}"/>
+              </a:ext>
+            </a:extLst>
+          </p:cNvPr>
+          <p:cNvPicPr>
+            <a:picLocks noChangeAspect="1"/>
+          </p:cNvPicPr>
+          <p:nvPr/>
+        </p:nvPicPr>
+        <p:blipFill rotWithShape="1">
+          <a:blip r:embed="rId17">
+            <a:extLst>
+              <a:ext uri="{28A0092B-C50C-407E-A947-70E740481C1C}">
+                <a14:useLocalDpi xmlns:a14="http://schemas.microsoft.com/office/drawing/2010/main" val="0"/>
+              </a:ext>
+            </a:extLst>
+          </a:blip>
+          <a:srcRect r="29729" b="14777"/>
+          <a:stretch/>
+        </p:blipFill>
+        <p:spPr>
+          <a:xfrm>
+            <a:off x="21781858" y="15241620"/>
+            <a:ext cx="5884183" cy="3060000"/>
+          </a:xfrm>
+          <a:prstGeom prst="rect">
+            <a:avLst/>
+          </a:prstGeom>
+        </p:spPr>
+      </p:pic>
+      <p:pic>
+        <p:nvPicPr>
+          <p:cNvPr id="26" name="slide18" descr="Newport">
+            <a:extLst>
+              <a:ext uri="{FF2B5EF4-FFF2-40B4-BE49-F238E27FC236}">
+                <a16:creationId xmlns:a16="http://schemas.microsoft.com/office/drawing/2014/main" id="{3F281E80-F51C-E641-B8F5-11BC30CA7BAE}"/>
+              </a:ext>
+            </a:extLst>
+          </p:cNvPr>
+          <p:cNvPicPr>
+            <a:picLocks noChangeAspect="1"/>
+          </p:cNvPicPr>
+          <p:nvPr/>
+        </p:nvPicPr>
+        <p:blipFill rotWithShape="1">
+          <a:blip r:embed="rId18">
+            <a:extLst>
+              <a:ext uri="{28A0092B-C50C-407E-A947-70E740481C1C}">
+                <a14:useLocalDpi xmlns:a14="http://schemas.microsoft.com/office/drawing/2010/main" val="0"/>
+              </a:ext>
+            </a:extLst>
+          </a:blip>
+          <a:srcRect r="25273" b="10638"/>
+          <a:stretch/>
+        </p:blipFill>
+        <p:spPr>
+          <a:xfrm>
+            <a:off x="805132" y="18793339"/>
+            <a:ext cx="5636741" cy="3060000"/>
+          </a:xfrm>
+          <a:prstGeom prst="rect">
+            <a:avLst/>
+          </a:prstGeom>
+        </p:spPr>
+      </p:pic>
+      <p:pic>
+        <p:nvPicPr>
+          <p:cNvPr id="27" name="slide19" descr="Pembrokeshire">
+            <a:extLst>
+              <a:ext uri="{FF2B5EF4-FFF2-40B4-BE49-F238E27FC236}">
+                <a16:creationId xmlns:a16="http://schemas.microsoft.com/office/drawing/2014/main" id="{1C96E80D-D04E-4242-A1E2-E76E080C9F80}"/>
+              </a:ext>
+            </a:extLst>
+          </p:cNvPr>
+          <p:cNvPicPr>
+            <a:picLocks noChangeAspect="1"/>
+          </p:cNvPicPr>
+          <p:nvPr/>
+        </p:nvPicPr>
+        <p:blipFill rotWithShape="1">
+          <a:blip r:embed="rId19">
+            <a:extLst>
+              <a:ext uri="{28A0092B-C50C-407E-A947-70E740481C1C}">
+                <a14:useLocalDpi xmlns:a14="http://schemas.microsoft.com/office/drawing/2010/main" val="0"/>
+              </a:ext>
+            </a:extLst>
+          </a:blip>
+          <a:srcRect r="25273" b="13744"/>
+          <a:stretch/>
+        </p:blipFill>
+        <p:spPr>
+          <a:xfrm>
+            <a:off x="8350917" y="18838121"/>
+            <a:ext cx="5487762" cy="3015218"/>
+          </a:xfrm>
+          <a:prstGeom prst="rect">
+            <a:avLst/>
+          </a:prstGeom>
+        </p:spPr>
+      </p:pic>
+      <p:pic>
+        <p:nvPicPr>
+          <p:cNvPr id="28" name="slide20" descr="Powys">
+            <a:extLst>
+              <a:ext uri="{FF2B5EF4-FFF2-40B4-BE49-F238E27FC236}">
+                <a16:creationId xmlns:a16="http://schemas.microsoft.com/office/drawing/2014/main" id="{2092EF91-2043-1745-A95E-0BB005DD6924}"/>
+              </a:ext>
+            </a:extLst>
+          </p:cNvPr>
+          <p:cNvPicPr>
+            <a:picLocks noChangeAspect="1"/>
+          </p:cNvPicPr>
+          <p:nvPr/>
+        </p:nvPicPr>
+        <p:blipFill rotWithShape="1">
+          <a:blip r:embed="rId20">
+            <a:extLst>
+              <a:ext uri="{28A0092B-C50C-407E-A947-70E740481C1C}">
+                <a14:useLocalDpi xmlns:a14="http://schemas.microsoft.com/office/drawing/2010/main" val="0"/>
+              </a:ext>
+            </a:extLst>
+          </a:blip>
+          <a:srcRect r="30097" b="14776"/>
+          <a:stretch/>
+        </p:blipFill>
+        <p:spPr>
+          <a:xfrm>
+            <a:off x="14515395" y="18793339"/>
+            <a:ext cx="6007951" cy="3060000"/>
+          </a:xfrm>
+          <a:prstGeom prst="rect">
+            <a:avLst/>
+          </a:prstGeom>
+        </p:spPr>
+      </p:pic>
+      <p:pic>
+        <p:nvPicPr>
+          <p:cNvPr id="29" name="slide21" descr="Rhondda Cynon Taff">
+            <a:extLst>
+              <a:ext uri="{FF2B5EF4-FFF2-40B4-BE49-F238E27FC236}">
+                <a16:creationId xmlns:a16="http://schemas.microsoft.com/office/drawing/2014/main" id="{6275AF14-5261-4545-A9B6-79D565E92C88}"/>
+              </a:ext>
+            </a:extLst>
+          </p:cNvPr>
+          <p:cNvPicPr>
+            <a:picLocks noChangeAspect="1"/>
+          </p:cNvPicPr>
+          <p:nvPr/>
+        </p:nvPicPr>
+        <p:blipFill rotWithShape="1">
+          <a:blip r:embed="rId21">
+            <a:extLst>
+              <a:ext uri="{28A0092B-C50C-407E-A947-70E740481C1C}">
+                <a14:useLocalDpi xmlns:a14="http://schemas.microsoft.com/office/drawing/2010/main" val="0"/>
+              </a:ext>
+            </a:extLst>
+          </a:blip>
+          <a:srcRect r="25273" b="18361"/>
+          <a:stretch/>
+        </p:blipFill>
+        <p:spPr>
+          <a:xfrm>
+            <a:off x="21781858" y="18815730"/>
+            <a:ext cx="5884184" cy="3060000"/>
+          </a:xfrm>
+          <a:prstGeom prst="rect">
+            <a:avLst/>
+          </a:prstGeom>
+        </p:spPr>
+      </p:pic>
+      <p:pic>
+        <p:nvPicPr>
+          <p:cNvPr id="30" name="slide23" descr="Torfaen">
+            <a:extLst>
+              <a:ext uri="{FF2B5EF4-FFF2-40B4-BE49-F238E27FC236}">
+                <a16:creationId xmlns:a16="http://schemas.microsoft.com/office/drawing/2014/main" id="{7B213DA8-16C6-0545-9F06-343D7CE99805}"/>
+              </a:ext>
+            </a:extLst>
+          </p:cNvPr>
+          <p:cNvPicPr>
+            <a:picLocks noChangeAspect="1"/>
+          </p:cNvPicPr>
+          <p:nvPr/>
+        </p:nvPicPr>
+        <p:blipFill rotWithShape="1">
+          <a:blip r:embed="rId22">
+            <a:extLst>
+              <a:ext uri="{28A0092B-C50C-407E-A947-70E740481C1C}">
+                <a14:useLocalDpi xmlns:a14="http://schemas.microsoft.com/office/drawing/2010/main" val="0"/>
+              </a:ext>
+            </a:extLst>
+          </a:blip>
+          <a:srcRect r="24589" b="15245"/>
+          <a:stretch/>
+        </p:blipFill>
+        <p:spPr>
+          <a:xfrm>
+            <a:off x="8350917" y="22345057"/>
+            <a:ext cx="5667876" cy="3060000"/>
+          </a:xfrm>
+          <a:prstGeom prst="rect">
+            <a:avLst/>
+          </a:prstGeom>
+        </p:spPr>
+      </p:pic>
+      <p:pic>
+        <p:nvPicPr>
+          <p:cNvPr id="31" name="slide22" descr="Swansea">
+            <a:extLst>
+              <a:ext uri="{FF2B5EF4-FFF2-40B4-BE49-F238E27FC236}">
+                <a16:creationId xmlns:a16="http://schemas.microsoft.com/office/drawing/2014/main" id="{DC062F9F-91C9-E040-BF0D-97311A0F907B}"/>
+              </a:ext>
+            </a:extLst>
+          </p:cNvPr>
+          <p:cNvPicPr>
+            <a:picLocks noChangeAspect="1"/>
+          </p:cNvPicPr>
+          <p:nvPr/>
+        </p:nvPicPr>
+        <p:blipFill rotWithShape="1">
+          <a:blip r:embed="rId23">
+            <a:extLst>
+              <a:ext uri="{28A0092B-C50C-407E-A947-70E740481C1C}">
+                <a14:useLocalDpi xmlns:a14="http://schemas.microsoft.com/office/drawing/2010/main" val="0"/>
+              </a:ext>
+            </a:extLst>
+          </a:blip>
+          <a:srcRect r="25273" b="9311"/>
+          <a:stretch/>
+        </p:blipFill>
+        <p:spPr>
+          <a:xfrm>
+            <a:off x="790530" y="22345057"/>
+            <a:ext cx="5636741" cy="3060000"/>
+          </a:xfrm>
+          <a:prstGeom prst="rect">
+            <a:avLst/>
+          </a:prstGeom>
+        </p:spPr>
+      </p:pic>
+      <p:pic>
+        <p:nvPicPr>
+          <p:cNvPr id="32" name="slide24" descr="Vale of Glamorgan">
+            <a:extLst>
+              <a:ext uri="{FF2B5EF4-FFF2-40B4-BE49-F238E27FC236}">
+                <a16:creationId xmlns:a16="http://schemas.microsoft.com/office/drawing/2014/main" id="{EDF3DEB2-B23C-7643-8698-B0743030CD64}"/>
+              </a:ext>
+            </a:extLst>
+          </p:cNvPr>
+          <p:cNvPicPr>
+            <a:picLocks noChangeAspect="1"/>
+          </p:cNvPicPr>
+          <p:nvPr/>
+        </p:nvPicPr>
+        <p:blipFill rotWithShape="1">
+          <a:blip r:embed="rId24">
+            <a:extLst>
+              <a:ext uri="{28A0092B-C50C-407E-A947-70E740481C1C}">
+                <a14:useLocalDpi xmlns:a14="http://schemas.microsoft.com/office/drawing/2010/main" val="0"/>
+              </a:ext>
+            </a:extLst>
+          </a:blip>
+          <a:srcRect r="25273" b="13744"/>
+          <a:stretch/>
+        </p:blipFill>
+        <p:spPr>
+          <a:xfrm>
+            <a:off x="14515396" y="22322666"/>
+            <a:ext cx="6007950" cy="3060000"/>
+          </a:xfrm>
+          <a:prstGeom prst="rect">
+            <a:avLst/>
+          </a:prstGeom>
+        </p:spPr>
+      </p:pic>
+      <p:pic>
+        <p:nvPicPr>
+          <p:cNvPr id="33" name="slide22" descr="Swansea">
+            <a:extLst>
+              <a:ext uri="{FF2B5EF4-FFF2-40B4-BE49-F238E27FC236}">
+                <a16:creationId xmlns:a16="http://schemas.microsoft.com/office/drawing/2014/main" id="{10ED9F54-A959-574A-A76D-4B9AA9D4B1DE}"/>
+              </a:ext>
+            </a:extLst>
+          </p:cNvPr>
+          <p:cNvPicPr>
+            <a:picLocks noChangeAspect="1"/>
+          </p:cNvPicPr>
+          <p:nvPr/>
+        </p:nvPicPr>
+        <p:blipFill rotWithShape="1">
+          <a:blip r:embed="rId23">
+            <a:extLst>
+              <a:ext uri="{28A0092B-C50C-407E-A947-70E740481C1C}">
+                <a14:useLocalDpi xmlns:a14="http://schemas.microsoft.com/office/drawing/2010/main" val="0"/>
+              </a:ext>
+            </a:extLst>
+          </a:blip>
+          <a:srcRect l="74145" b="47147"/>
+          <a:stretch/>
+        </p:blipFill>
+        <p:spPr>
+          <a:xfrm>
+            <a:off x="790530" y="26121087"/>
+            <a:ext cx="4137070" cy="3839154"/>
+          </a:xfrm>
+          <a:prstGeom prst="rect">
+            <a:avLst/>
+          </a:prstGeom>
+        </p:spPr>
+      </p:pic>
+      <p:pic>
+        <p:nvPicPr>
+          <p:cNvPr id="34" name="slide3" descr="All 2">
+            <a:extLst>
+              <a:ext uri="{FF2B5EF4-FFF2-40B4-BE49-F238E27FC236}">
+                <a16:creationId xmlns:a16="http://schemas.microsoft.com/office/drawing/2014/main" id="{002B22AE-507D-784D-B8CF-35392884D576}"/>
+              </a:ext>
+            </a:extLst>
+          </p:cNvPr>
+          <p:cNvPicPr>
+            <a:picLocks noChangeAspect="1"/>
+          </p:cNvPicPr>
+          <p:nvPr/>
+        </p:nvPicPr>
+        <p:blipFill rotWithShape="1">
+          <a:blip r:embed="rId25">
+            <a:extLst>
+              <a:ext uri="{28A0092B-C50C-407E-A947-70E740481C1C}">
+                <a14:useLocalDpi xmlns:a14="http://schemas.microsoft.com/office/drawing/2010/main" val="0"/>
+              </a:ext>
+            </a:extLst>
+          </a:blip>
+          <a:srcRect r="25254" b="10971"/>
+          <a:stretch/>
+        </p:blipFill>
+        <p:spPr>
+          <a:xfrm>
+            <a:off x="8350917" y="4653585"/>
+            <a:ext cx="5487760" cy="3060000"/>
+          </a:xfrm>
+          <a:prstGeom prst="rect">
+            <a:avLst/>
+          </a:prstGeom>
+        </p:spPr>
+      </p:pic>
+      <p:pic>
+        <p:nvPicPr>
+          <p:cNvPr id="35" name="slide2" descr="All 1">
+            <a:extLst>
+              <a:ext uri="{FF2B5EF4-FFF2-40B4-BE49-F238E27FC236}">
+                <a16:creationId xmlns:a16="http://schemas.microsoft.com/office/drawing/2014/main" id="{BFDE2A9C-DB8A-104E-B619-E94FFA665849}"/>
+              </a:ext>
+            </a:extLst>
+          </p:cNvPr>
+          <p:cNvPicPr>
+            <a:picLocks noChangeAspect="1"/>
+          </p:cNvPicPr>
+          <p:nvPr/>
+        </p:nvPicPr>
+        <p:blipFill rotWithShape="1">
+          <a:blip r:embed="rId26">
+            <a:extLst>
+              <a:ext uri="{28A0092B-C50C-407E-A947-70E740481C1C}">
+                <a14:useLocalDpi xmlns:a14="http://schemas.microsoft.com/office/drawing/2010/main" val="0"/>
+              </a:ext>
+            </a:extLst>
+          </a:blip>
+          <a:srcRect l="-1" r="12519" b="1842"/>
+          <a:stretch/>
+        </p:blipFill>
+        <p:spPr>
+          <a:xfrm>
+            <a:off x="30496027" y="1758746"/>
+            <a:ext cx="10226389" cy="9414005"/>
+          </a:xfrm>
+          <a:prstGeom prst="rect">
+            <a:avLst/>
+          </a:prstGeom>
+        </p:spPr>
+      </p:pic>
+      <p:grpSp>
+        <p:nvGrpSpPr>
+          <p:cNvPr id="7" name="Group 6">
+            <a:extLst>
+              <a:ext uri="{FF2B5EF4-FFF2-40B4-BE49-F238E27FC236}">
+                <a16:creationId xmlns:a16="http://schemas.microsoft.com/office/drawing/2014/main" id="{F962BA1E-9791-5B48-858F-E40036CD8EF6}"/>
+              </a:ext>
+            </a:extLst>
+          </p:cNvPr>
+          <p:cNvGrpSpPr/>
+          <p:nvPr/>
+        </p:nvGrpSpPr>
+        <p:grpSpPr>
+          <a:xfrm>
+            <a:off x="39331430" y="19200860"/>
+            <a:ext cx="3340108" cy="4651806"/>
+            <a:chOff x="28029184" y="4572001"/>
+            <a:chExt cx="5502475" cy="7603958"/>
+          </a:xfrm>
+        </p:grpSpPr>
+        <p:pic>
+          <p:nvPicPr>
+            <p:cNvPr id="3" name="Picture 2" descr="Icon&#10;&#10;Description automatically generated with medium confidence">
+              <a:extLst>
+                <a:ext uri="{FF2B5EF4-FFF2-40B4-BE49-F238E27FC236}">
+                  <a16:creationId xmlns:a16="http://schemas.microsoft.com/office/drawing/2014/main" id="{6DDB6B8B-1255-C74A-8D22-D7C662768239}"/>
+                </a:ext>
+              </a:extLst>
+            </p:cNvPr>
+            <p:cNvPicPr>
+              <a:picLocks noChangeAspect="1"/>
+            </p:cNvPicPr>
+            <p:nvPr/>
+          </p:nvPicPr>
+          <p:blipFill rotWithShape="1">
+            <a:blip r:embed="rId27"/>
+            <a:srcRect l="21409" r="31818"/>
+            <a:stretch/>
+          </p:blipFill>
+          <p:spPr>
+            <a:xfrm>
+              <a:off x="28029184" y="4572001"/>
+              <a:ext cx="5502475" cy="7603958"/>
+            </a:xfrm>
+            <a:prstGeom prst="rect">
+              <a:avLst/>
+            </a:prstGeom>
+          </p:spPr>
+        </p:pic>
+        <p:sp>
+          <p:nvSpPr>
+            <p:cNvPr id="4" name="Oval 3">
+              <a:extLst>
+                <a:ext uri="{FF2B5EF4-FFF2-40B4-BE49-F238E27FC236}">
+                  <a16:creationId xmlns:a16="http://schemas.microsoft.com/office/drawing/2014/main" id="{C203F0B9-632E-C544-AD89-9BCAE184CFCF}"/>
+                </a:ext>
+              </a:extLst>
+            </p:cNvPr>
+            <p:cNvSpPr/>
+            <p:nvPr/>
+          </p:nvSpPr>
+          <p:spPr>
+            <a:xfrm>
+              <a:off x="30319579" y="8855242"/>
+              <a:ext cx="1251284" cy="1732547"/>
+            </a:xfrm>
+            <a:prstGeom prst="ellipse">
+              <a:avLst/>
+            </a:prstGeom>
+            <a:noFill/>
+            <a:ln w="38100"/>
+          </p:spPr>
+          <p:style>
+            <a:lnRef idx="2">
+              <a:schemeClr val="accent1">
+                <a:shade val="50000"/>
+              </a:schemeClr>
+            </a:lnRef>
+            <a:fillRef idx="1">
+              <a:schemeClr val="accent1"/>
+            </a:fillRef>
+            <a:effectRef idx="0">
+              <a:schemeClr val="accent1"/>
+            </a:effectRef>
+            <a:fontRef idx="minor">
+              <a:schemeClr val="lt1"/>
+            </a:fontRef>
+          </p:style>
+          <p:txBody>
+            <a:bodyPr rtlCol="0" anchor="ctr"/>
+            <a:lstStyle/>
+            <a:p>
+              <a:pPr algn="ctr"/>
+              <a:endParaRPr lang="en-GB"/>
+            </a:p>
+          </p:txBody>
+        </p:sp>
+      </p:grpSp>
+      <p:sp>
+        <p:nvSpPr>
+          <p:cNvPr id="5" name="Rectangle 4">
+            <a:extLst>
+              <a:ext uri="{FF2B5EF4-FFF2-40B4-BE49-F238E27FC236}">
+                <a16:creationId xmlns:a16="http://schemas.microsoft.com/office/drawing/2014/main" id="{7BBE4DC6-B34E-5A44-9F77-CFD82C986982}"/>
+              </a:ext>
+            </a:extLst>
+          </p:cNvPr>
+          <p:cNvSpPr/>
+          <p:nvPr/>
+        </p:nvSpPr>
+        <p:spPr>
+          <a:xfrm>
+            <a:off x="4523378" y="8458200"/>
+            <a:ext cx="15009222" cy="341604"/>
+          </a:xfrm>
+          <a:prstGeom prst="rect">
+            <a:avLst/>
+          </a:prstGeom>
+          <a:solidFill>
+            <a:schemeClr val="bg1"/>
+          </a:solidFill>
+          <a:ln>
+            <a:noFill/>
+          </a:ln>
+        </p:spPr>
+        <p:style>
+          <a:lnRef idx="2">
+            <a:schemeClr val="accent1">
+              <a:shade val="50000"/>
+            </a:schemeClr>
+          </a:lnRef>
+          <a:fillRef idx="1">
+            <a:schemeClr val="accent1"/>
+          </a:fillRef>
+          <a:effectRef idx="0">
+            <a:schemeClr val="accent1"/>
+          </a:effectRef>
+          <a:fontRef idx="minor">
+            <a:schemeClr val="lt1"/>
+          </a:fontRef>
+        </p:style>
+        <p:txBody>
+          <a:bodyPr rtlCol="0" anchor="ctr"/>
+          <a:lstStyle/>
+          <a:p>
+            <a:pPr algn="ctr"/>
+            <a:endParaRPr lang="en-GB"/>
+          </a:p>
+        </p:txBody>
+      </p:sp>
+      <p:sp>
+        <p:nvSpPr>
+          <p:cNvPr id="6" name="Rectangle 5">
+            <a:extLst>
+              <a:ext uri="{FF2B5EF4-FFF2-40B4-BE49-F238E27FC236}">
+                <a16:creationId xmlns:a16="http://schemas.microsoft.com/office/drawing/2014/main" id="{2152C111-B1F6-794A-9F13-C64FE6357117}"/>
+              </a:ext>
+            </a:extLst>
+          </p:cNvPr>
+          <p:cNvSpPr/>
+          <p:nvPr/>
+        </p:nvSpPr>
+        <p:spPr>
+          <a:xfrm>
+            <a:off x="8553468" y="7353300"/>
+            <a:ext cx="18929332" cy="558800"/>
+          </a:xfrm>
+          <a:prstGeom prst="rect">
+            <a:avLst/>
+          </a:prstGeom>
+          <a:solidFill>
+            <a:schemeClr val="bg1"/>
+          </a:solidFill>
+          <a:ln>
+            <a:noFill/>
+          </a:ln>
+        </p:spPr>
+        <p:style>
+          <a:lnRef idx="2">
+            <a:schemeClr val="accent1">
+              <a:shade val="50000"/>
+            </a:schemeClr>
+          </a:lnRef>
+          <a:fillRef idx="1">
+            <a:schemeClr val="accent1"/>
+          </a:fillRef>
+          <a:effectRef idx="0">
+            <a:schemeClr val="accent1"/>
+          </a:effectRef>
+          <a:fontRef idx="minor">
+            <a:schemeClr val="lt1"/>
+          </a:fontRef>
+        </p:style>
+        <p:txBody>
+          <a:bodyPr rtlCol="0" anchor="ctr"/>
+          <a:lstStyle/>
+          <a:p>
+            <a:pPr algn="ctr"/>
+            <a:endParaRPr lang="en-GB"/>
+          </a:p>
+        </p:txBody>
+      </p:sp>
+      <p:sp>
+        <p:nvSpPr>
+          <p:cNvPr id="9" name="Rectangle 8">
+            <a:extLst>
+              <a:ext uri="{FF2B5EF4-FFF2-40B4-BE49-F238E27FC236}">
+                <a16:creationId xmlns:a16="http://schemas.microsoft.com/office/drawing/2014/main" id="{0AE37BB5-910A-8948-943C-0C7241BC3322}"/>
+              </a:ext>
+            </a:extLst>
+          </p:cNvPr>
+          <p:cNvSpPr/>
+          <p:nvPr/>
+        </p:nvSpPr>
+        <p:spPr>
+          <a:xfrm>
+            <a:off x="9119248" y="7277489"/>
+            <a:ext cx="4546600" cy="337893"/>
+          </a:xfrm>
+          <a:prstGeom prst="rect">
+            <a:avLst/>
+          </a:prstGeom>
+          <a:solidFill>
+            <a:schemeClr val="bg1"/>
+          </a:solidFill>
+          <a:ln>
+            <a:noFill/>
+          </a:ln>
+        </p:spPr>
+        <p:style>
+          <a:lnRef idx="2">
+            <a:schemeClr val="accent1">
+              <a:shade val="50000"/>
+            </a:schemeClr>
+          </a:lnRef>
+          <a:fillRef idx="1">
+            <a:schemeClr val="accent1"/>
+          </a:fillRef>
+          <a:effectRef idx="0">
+            <a:schemeClr val="accent1"/>
+          </a:effectRef>
+          <a:fontRef idx="minor">
+            <a:schemeClr val="lt1"/>
+          </a:fontRef>
+        </p:style>
+        <p:txBody>
+          <a:bodyPr rtlCol="0" anchor="ctr"/>
+          <a:lstStyle/>
+          <a:p>
+            <a:pPr algn="ctr"/>
+            <a:endParaRPr lang="en-GB"/>
+          </a:p>
+        </p:txBody>
+      </p:sp>
+      <p:sp>
+        <p:nvSpPr>
+          <p:cNvPr id="36" name="Rectangle 35">
+            <a:extLst>
+              <a:ext uri="{FF2B5EF4-FFF2-40B4-BE49-F238E27FC236}">
+                <a16:creationId xmlns:a16="http://schemas.microsoft.com/office/drawing/2014/main" id="{5F680551-F434-5044-9B75-515644FF2762}"/>
+              </a:ext>
+            </a:extLst>
+          </p:cNvPr>
+          <p:cNvSpPr/>
+          <p:nvPr/>
+        </p:nvSpPr>
+        <p:spPr>
+          <a:xfrm>
+            <a:off x="1117600" y="10833100"/>
+            <a:ext cx="5194300" cy="365081"/>
+          </a:xfrm>
+          <a:prstGeom prst="rect">
+            <a:avLst/>
+          </a:prstGeom>
+          <a:solidFill>
+            <a:schemeClr val="bg1"/>
+          </a:solidFill>
+          <a:ln>
+            <a:noFill/>
+          </a:ln>
+        </p:spPr>
+        <p:style>
+          <a:lnRef idx="2">
+            <a:schemeClr val="accent1">
+              <a:shade val="50000"/>
+            </a:schemeClr>
+          </a:lnRef>
+          <a:fillRef idx="1">
+            <a:schemeClr val="accent1"/>
+          </a:fillRef>
+          <a:effectRef idx="0">
+            <a:schemeClr val="accent1"/>
+          </a:effectRef>
+          <a:fontRef idx="minor">
+            <a:schemeClr val="lt1"/>
+          </a:fontRef>
+        </p:style>
+        <p:txBody>
+          <a:bodyPr rtlCol="0" anchor="ctr"/>
+          <a:lstStyle/>
+          <a:p>
+            <a:pPr algn="ctr"/>
+            <a:endParaRPr lang="en-GB"/>
+          </a:p>
+        </p:txBody>
+      </p:sp>
+      <p:sp>
+        <p:nvSpPr>
+          <p:cNvPr id="37" name="Rectangle 36">
+            <a:extLst>
+              <a:ext uri="{FF2B5EF4-FFF2-40B4-BE49-F238E27FC236}">
+                <a16:creationId xmlns:a16="http://schemas.microsoft.com/office/drawing/2014/main" id="{6766F428-B9ED-CB46-B8F6-312A2337D7AF}"/>
+              </a:ext>
+            </a:extLst>
+          </p:cNvPr>
+          <p:cNvSpPr/>
+          <p:nvPr/>
+        </p:nvSpPr>
+        <p:spPr>
+          <a:xfrm>
+            <a:off x="8553468" y="10770354"/>
+            <a:ext cx="5194300" cy="365081"/>
+          </a:xfrm>
+          <a:prstGeom prst="rect">
+            <a:avLst/>
+          </a:prstGeom>
+          <a:solidFill>
+            <a:schemeClr val="bg1"/>
+          </a:solidFill>
+          <a:ln>
+            <a:noFill/>
+          </a:ln>
+        </p:spPr>
+        <p:style>
+          <a:lnRef idx="2">
+            <a:schemeClr val="accent1">
+              <a:shade val="50000"/>
+            </a:schemeClr>
+          </a:lnRef>
+          <a:fillRef idx="1">
+            <a:schemeClr val="accent1"/>
+          </a:fillRef>
+          <a:effectRef idx="0">
+            <a:schemeClr val="accent1"/>
+          </a:effectRef>
+          <a:fontRef idx="minor">
+            <a:schemeClr val="lt1"/>
+          </a:fontRef>
+        </p:style>
+        <p:txBody>
+          <a:bodyPr rtlCol="0" anchor="ctr"/>
+          <a:lstStyle/>
+          <a:p>
+            <a:pPr algn="ctr"/>
+            <a:endParaRPr lang="en-GB"/>
+          </a:p>
+        </p:txBody>
+      </p:sp>
+      <p:sp>
+        <p:nvSpPr>
+          <p:cNvPr id="38" name="Rectangle 37">
+            <a:extLst>
+              <a:ext uri="{FF2B5EF4-FFF2-40B4-BE49-F238E27FC236}">
+                <a16:creationId xmlns:a16="http://schemas.microsoft.com/office/drawing/2014/main" id="{6CB47680-DC61-2145-AAE5-C41D87589CD0}"/>
+              </a:ext>
+            </a:extLst>
+          </p:cNvPr>
+          <p:cNvSpPr/>
+          <p:nvPr/>
+        </p:nvSpPr>
+        <p:spPr>
+          <a:xfrm>
+            <a:off x="15097187" y="10747962"/>
+            <a:ext cx="5310230" cy="365081"/>
+          </a:xfrm>
+          <a:prstGeom prst="rect">
+            <a:avLst/>
+          </a:prstGeom>
+          <a:solidFill>
+            <a:schemeClr val="bg1"/>
+          </a:solidFill>
+          <a:ln>
+            <a:noFill/>
+          </a:ln>
+        </p:spPr>
+        <p:style>
+          <a:lnRef idx="2">
+            <a:schemeClr val="accent1">
+              <a:shade val="50000"/>
+            </a:schemeClr>
+          </a:lnRef>
+          <a:fillRef idx="1">
+            <a:schemeClr val="accent1"/>
+          </a:fillRef>
+          <a:effectRef idx="0">
+            <a:schemeClr val="accent1"/>
+          </a:effectRef>
+          <a:fontRef idx="minor">
+            <a:schemeClr val="lt1"/>
+          </a:fontRef>
+        </p:style>
+        <p:txBody>
+          <a:bodyPr rtlCol="0" anchor="ctr"/>
+          <a:lstStyle/>
+          <a:p>
+            <a:pPr algn="ctr"/>
+            <a:endParaRPr lang="en-GB"/>
+          </a:p>
+        </p:txBody>
+      </p:sp>
+      <p:sp>
+        <p:nvSpPr>
+          <p:cNvPr id="39" name="Rectangle 38">
+            <a:extLst>
+              <a:ext uri="{FF2B5EF4-FFF2-40B4-BE49-F238E27FC236}">
+                <a16:creationId xmlns:a16="http://schemas.microsoft.com/office/drawing/2014/main" id="{FE514B7F-09EB-5443-B13D-9749E0EC032C}"/>
+              </a:ext>
+            </a:extLst>
+          </p:cNvPr>
+          <p:cNvSpPr/>
+          <p:nvPr/>
+        </p:nvSpPr>
+        <p:spPr>
+          <a:xfrm>
+            <a:off x="22355811" y="10833100"/>
+            <a:ext cx="5310230" cy="365081"/>
+          </a:xfrm>
+          <a:prstGeom prst="rect">
+            <a:avLst/>
+          </a:prstGeom>
+          <a:solidFill>
+            <a:schemeClr val="bg1"/>
+          </a:solidFill>
+          <a:ln>
+            <a:noFill/>
+          </a:ln>
+        </p:spPr>
+        <p:style>
+          <a:lnRef idx="2">
+            <a:schemeClr val="accent1">
+              <a:shade val="50000"/>
+            </a:schemeClr>
+          </a:lnRef>
+          <a:fillRef idx="1">
+            <a:schemeClr val="accent1"/>
+          </a:fillRef>
+          <a:effectRef idx="0">
+            <a:schemeClr val="accent1"/>
+          </a:effectRef>
+          <a:fontRef idx="minor">
+            <a:schemeClr val="lt1"/>
+          </a:fontRef>
+        </p:style>
+        <p:txBody>
+          <a:bodyPr rtlCol="0" anchor="ctr"/>
+          <a:lstStyle/>
+          <a:p>
+            <a:pPr algn="ctr"/>
+            <a:endParaRPr lang="en-GB"/>
+          </a:p>
+        </p:txBody>
+      </p:sp>
+      <p:sp>
+        <p:nvSpPr>
+          <p:cNvPr id="40" name="Rectangle 39">
+            <a:extLst>
+              <a:ext uri="{FF2B5EF4-FFF2-40B4-BE49-F238E27FC236}">
+                <a16:creationId xmlns:a16="http://schemas.microsoft.com/office/drawing/2014/main" id="{7CC16CFC-76C3-4543-8989-AB66F2A86B70}"/>
+              </a:ext>
+            </a:extLst>
+          </p:cNvPr>
+          <p:cNvSpPr/>
+          <p:nvPr/>
+        </p:nvSpPr>
+        <p:spPr>
+          <a:xfrm>
+            <a:off x="22355811" y="14362429"/>
+            <a:ext cx="5310230" cy="365081"/>
+          </a:xfrm>
+          <a:prstGeom prst="rect">
+            <a:avLst/>
+          </a:prstGeom>
+          <a:solidFill>
+            <a:schemeClr val="bg1"/>
+          </a:solidFill>
+          <a:ln>
+            <a:noFill/>
+          </a:ln>
+        </p:spPr>
+        <p:style>
+          <a:lnRef idx="2">
+            <a:schemeClr val="accent1">
+              <a:shade val="50000"/>
+            </a:schemeClr>
+          </a:lnRef>
+          <a:fillRef idx="1">
+            <a:schemeClr val="accent1"/>
+          </a:fillRef>
+          <a:effectRef idx="0">
+            <a:schemeClr val="accent1"/>
+          </a:effectRef>
+          <a:fontRef idx="minor">
+            <a:schemeClr val="lt1"/>
+          </a:fontRef>
+        </p:style>
+        <p:txBody>
+          <a:bodyPr rtlCol="0" anchor="ctr"/>
+          <a:lstStyle/>
+          <a:p>
+            <a:pPr algn="ctr"/>
+            <a:endParaRPr lang="en-GB"/>
+          </a:p>
+        </p:txBody>
+      </p:sp>
+      <p:sp>
+        <p:nvSpPr>
+          <p:cNvPr id="41" name="Rectangle 40">
+            <a:extLst>
+              <a:ext uri="{FF2B5EF4-FFF2-40B4-BE49-F238E27FC236}">
+                <a16:creationId xmlns:a16="http://schemas.microsoft.com/office/drawing/2014/main" id="{AF8B7799-D5CC-B64B-B9C8-3601C9D22746}"/>
+              </a:ext>
+            </a:extLst>
+          </p:cNvPr>
+          <p:cNvSpPr/>
+          <p:nvPr/>
+        </p:nvSpPr>
+        <p:spPr>
+          <a:xfrm>
+            <a:off x="14927044" y="14348854"/>
+            <a:ext cx="5310230" cy="365081"/>
+          </a:xfrm>
+          <a:prstGeom prst="rect">
+            <a:avLst/>
+          </a:prstGeom>
+          <a:solidFill>
+            <a:schemeClr val="bg1"/>
+          </a:solidFill>
+          <a:ln>
+            <a:noFill/>
+          </a:ln>
+        </p:spPr>
+        <p:style>
+          <a:lnRef idx="2">
+            <a:schemeClr val="accent1">
+              <a:shade val="50000"/>
+            </a:schemeClr>
+          </a:lnRef>
+          <a:fillRef idx="1">
+            <a:schemeClr val="accent1"/>
+          </a:fillRef>
+          <a:effectRef idx="0">
+            <a:schemeClr val="accent1"/>
+          </a:effectRef>
+          <a:fontRef idx="minor">
+            <a:schemeClr val="lt1"/>
+          </a:fontRef>
+        </p:style>
+        <p:txBody>
+          <a:bodyPr rtlCol="0" anchor="ctr"/>
+          <a:lstStyle/>
+          <a:p>
+            <a:pPr algn="ctr"/>
+            <a:endParaRPr lang="en-GB"/>
+          </a:p>
+        </p:txBody>
+      </p:sp>
+      <p:sp>
+        <p:nvSpPr>
+          <p:cNvPr id="42" name="Rectangle 41">
+            <a:extLst>
+              <a:ext uri="{FF2B5EF4-FFF2-40B4-BE49-F238E27FC236}">
+                <a16:creationId xmlns:a16="http://schemas.microsoft.com/office/drawing/2014/main" id="{3E36E4BA-9690-8641-A8B4-17524356E32F}"/>
+              </a:ext>
+            </a:extLst>
+          </p:cNvPr>
+          <p:cNvSpPr/>
+          <p:nvPr/>
+        </p:nvSpPr>
+        <p:spPr>
+          <a:xfrm>
+            <a:off x="8944360" y="14362428"/>
+            <a:ext cx="5310230" cy="365081"/>
+          </a:xfrm>
+          <a:prstGeom prst="rect">
+            <a:avLst/>
+          </a:prstGeom>
+          <a:solidFill>
+            <a:schemeClr val="bg1"/>
+          </a:solidFill>
+          <a:ln>
+            <a:noFill/>
+          </a:ln>
+        </p:spPr>
+        <p:style>
+          <a:lnRef idx="2">
+            <a:schemeClr val="accent1">
+              <a:shade val="50000"/>
+            </a:schemeClr>
+          </a:lnRef>
+          <a:fillRef idx="1">
+            <a:schemeClr val="accent1"/>
+          </a:fillRef>
+          <a:effectRef idx="0">
+            <a:schemeClr val="accent1"/>
+          </a:effectRef>
+          <a:fontRef idx="minor">
+            <a:schemeClr val="lt1"/>
+          </a:fontRef>
+        </p:style>
+        <p:txBody>
+          <a:bodyPr rtlCol="0" anchor="ctr"/>
+          <a:lstStyle/>
+          <a:p>
+            <a:pPr algn="ctr"/>
+            <a:endParaRPr lang="en-GB"/>
+          </a:p>
+        </p:txBody>
+      </p:sp>
+      <p:sp>
+        <p:nvSpPr>
+          <p:cNvPr id="43" name="Rectangle 42">
+            <a:extLst>
+              <a:ext uri="{FF2B5EF4-FFF2-40B4-BE49-F238E27FC236}">
+                <a16:creationId xmlns:a16="http://schemas.microsoft.com/office/drawing/2014/main" id="{89C1CC81-5B3B-8148-9CEC-FFFC9E7DA914}"/>
+              </a:ext>
+            </a:extLst>
+          </p:cNvPr>
+          <p:cNvSpPr/>
+          <p:nvPr/>
+        </p:nvSpPr>
+        <p:spPr>
+          <a:xfrm>
+            <a:off x="1001670" y="14377143"/>
+            <a:ext cx="5310230" cy="365081"/>
+          </a:xfrm>
+          <a:prstGeom prst="rect">
+            <a:avLst/>
+          </a:prstGeom>
+          <a:solidFill>
+            <a:schemeClr val="bg1"/>
+          </a:solidFill>
+          <a:ln>
+            <a:noFill/>
+          </a:ln>
+        </p:spPr>
+        <p:style>
+          <a:lnRef idx="2">
+            <a:schemeClr val="accent1">
+              <a:shade val="50000"/>
+            </a:schemeClr>
+          </a:lnRef>
+          <a:fillRef idx="1">
+            <a:schemeClr val="accent1"/>
+          </a:fillRef>
+          <a:effectRef idx="0">
+            <a:schemeClr val="accent1"/>
+          </a:effectRef>
+          <a:fontRef idx="minor">
+            <a:schemeClr val="lt1"/>
+          </a:fontRef>
+        </p:style>
+        <p:txBody>
+          <a:bodyPr rtlCol="0" anchor="ctr"/>
+          <a:lstStyle/>
+          <a:p>
+            <a:pPr algn="ctr"/>
+            <a:endParaRPr lang="en-GB"/>
+          </a:p>
+        </p:txBody>
+      </p:sp>
+      <p:sp>
+        <p:nvSpPr>
+          <p:cNvPr id="44" name="Rectangle 43">
+            <a:extLst>
+              <a:ext uri="{FF2B5EF4-FFF2-40B4-BE49-F238E27FC236}">
+                <a16:creationId xmlns:a16="http://schemas.microsoft.com/office/drawing/2014/main" id="{BED2E404-3E94-2B40-8105-B19DED7F8FC3}"/>
+              </a:ext>
+            </a:extLst>
+          </p:cNvPr>
+          <p:cNvSpPr/>
+          <p:nvPr/>
+        </p:nvSpPr>
+        <p:spPr>
+          <a:xfrm>
+            <a:off x="968387" y="17914148"/>
+            <a:ext cx="5310230" cy="365081"/>
+          </a:xfrm>
+          <a:prstGeom prst="rect">
+            <a:avLst/>
+          </a:prstGeom>
+          <a:solidFill>
+            <a:schemeClr val="bg1"/>
+          </a:solidFill>
+          <a:ln>
+            <a:noFill/>
+          </a:ln>
+        </p:spPr>
+        <p:style>
+          <a:lnRef idx="2">
+            <a:schemeClr val="accent1">
+              <a:shade val="50000"/>
+            </a:schemeClr>
+          </a:lnRef>
+          <a:fillRef idx="1">
+            <a:schemeClr val="accent1"/>
+          </a:fillRef>
+          <a:effectRef idx="0">
+            <a:schemeClr val="accent1"/>
+          </a:effectRef>
+          <a:fontRef idx="minor">
+            <a:schemeClr val="lt1"/>
+          </a:fontRef>
+        </p:style>
+        <p:txBody>
+          <a:bodyPr rtlCol="0" anchor="ctr"/>
+          <a:lstStyle/>
+          <a:p>
+            <a:pPr algn="ctr"/>
+            <a:endParaRPr lang="en-GB"/>
+          </a:p>
+        </p:txBody>
+      </p:sp>
+      <p:sp>
+        <p:nvSpPr>
+          <p:cNvPr id="45" name="Rectangle 44">
+            <a:extLst>
+              <a:ext uri="{FF2B5EF4-FFF2-40B4-BE49-F238E27FC236}">
+                <a16:creationId xmlns:a16="http://schemas.microsoft.com/office/drawing/2014/main" id="{FFDC88A9-5EA4-4C4F-9D1B-21ED55C7FF9F}"/>
+              </a:ext>
+            </a:extLst>
+          </p:cNvPr>
+          <p:cNvSpPr/>
+          <p:nvPr/>
+        </p:nvSpPr>
+        <p:spPr>
+          <a:xfrm>
+            <a:off x="8355618" y="17936539"/>
+            <a:ext cx="5310230" cy="365081"/>
+          </a:xfrm>
+          <a:prstGeom prst="rect">
+            <a:avLst/>
+          </a:prstGeom>
+          <a:solidFill>
+            <a:schemeClr val="bg1"/>
+          </a:solidFill>
+          <a:ln>
+            <a:noFill/>
+          </a:ln>
+        </p:spPr>
+        <p:style>
+          <a:lnRef idx="2">
+            <a:schemeClr val="accent1">
+              <a:shade val="50000"/>
+            </a:schemeClr>
+          </a:lnRef>
+          <a:fillRef idx="1">
+            <a:schemeClr val="accent1"/>
+          </a:fillRef>
+          <a:effectRef idx="0">
+            <a:schemeClr val="accent1"/>
+          </a:effectRef>
+          <a:fontRef idx="minor">
+            <a:schemeClr val="lt1"/>
+          </a:fontRef>
+        </p:style>
+        <p:txBody>
+          <a:bodyPr rtlCol="0" anchor="ctr"/>
+          <a:lstStyle/>
+          <a:p>
+            <a:pPr algn="ctr"/>
+            <a:endParaRPr lang="en-GB"/>
+          </a:p>
+        </p:txBody>
+      </p:sp>
+      <p:sp>
+        <p:nvSpPr>
+          <p:cNvPr id="46" name="Rectangle 45">
+            <a:extLst>
+              <a:ext uri="{FF2B5EF4-FFF2-40B4-BE49-F238E27FC236}">
+                <a16:creationId xmlns:a16="http://schemas.microsoft.com/office/drawing/2014/main" id="{F0AEB6A4-757A-7245-B8B6-768DFE2F7553}"/>
+              </a:ext>
+            </a:extLst>
+          </p:cNvPr>
+          <p:cNvSpPr/>
+          <p:nvPr/>
+        </p:nvSpPr>
+        <p:spPr>
+          <a:xfrm>
+            <a:off x="15147005" y="17914147"/>
+            <a:ext cx="5310230" cy="365081"/>
+          </a:xfrm>
+          <a:prstGeom prst="rect">
+            <a:avLst/>
+          </a:prstGeom>
+          <a:solidFill>
+            <a:schemeClr val="bg1"/>
+          </a:solidFill>
+          <a:ln>
+            <a:noFill/>
+          </a:ln>
+        </p:spPr>
+        <p:style>
+          <a:lnRef idx="2">
+            <a:schemeClr val="accent1">
+              <a:shade val="50000"/>
+            </a:schemeClr>
+          </a:lnRef>
+          <a:fillRef idx="1">
+            <a:schemeClr val="accent1"/>
+          </a:fillRef>
+          <a:effectRef idx="0">
+            <a:schemeClr val="accent1"/>
+          </a:effectRef>
+          <a:fontRef idx="minor">
+            <a:schemeClr val="lt1"/>
+          </a:fontRef>
+        </p:style>
+        <p:txBody>
+          <a:bodyPr rtlCol="0" anchor="ctr"/>
+          <a:lstStyle/>
+          <a:p>
+            <a:pPr algn="ctr"/>
+            <a:endParaRPr lang="en-GB"/>
+          </a:p>
+        </p:txBody>
+      </p:sp>
+      <p:sp>
+        <p:nvSpPr>
+          <p:cNvPr id="47" name="Rectangle 46">
+            <a:extLst>
+              <a:ext uri="{FF2B5EF4-FFF2-40B4-BE49-F238E27FC236}">
+                <a16:creationId xmlns:a16="http://schemas.microsoft.com/office/drawing/2014/main" id="{C8EAB460-25CF-7F46-AE59-31CE4D485B5A}"/>
+              </a:ext>
+            </a:extLst>
+          </p:cNvPr>
+          <p:cNvSpPr/>
+          <p:nvPr/>
+        </p:nvSpPr>
+        <p:spPr>
+          <a:xfrm>
+            <a:off x="22355811" y="17914146"/>
+            <a:ext cx="5542632" cy="365081"/>
+          </a:xfrm>
+          <a:prstGeom prst="rect">
+            <a:avLst/>
+          </a:prstGeom>
+          <a:solidFill>
+            <a:schemeClr val="bg1"/>
+          </a:solidFill>
+          <a:ln>
+            <a:noFill/>
+          </a:ln>
+        </p:spPr>
+        <p:style>
+          <a:lnRef idx="2">
+            <a:schemeClr val="accent1">
+              <a:shade val="50000"/>
+            </a:schemeClr>
+          </a:lnRef>
+          <a:fillRef idx="1">
+            <a:schemeClr val="accent1"/>
+          </a:fillRef>
+          <a:effectRef idx="0">
+            <a:schemeClr val="accent1"/>
+          </a:effectRef>
+          <a:fontRef idx="minor">
+            <a:schemeClr val="lt1"/>
+          </a:fontRef>
+        </p:style>
+        <p:txBody>
+          <a:bodyPr rtlCol="0" anchor="ctr"/>
+          <a:lstStyle/>
+          <a:p>
+            <a:pPr algn="ctr"/>
+            <a:endParaRPr lang="en-GB"/>
+          </a:p>
+        </p:txBody>
+      </p:sp>
+      <p:sp>
+        <p:nvSpPr>
+          <p:cNvPr id="48" name="Rectangle 47">
+            <a:extLst>
+              <a:ext uri="{FF2B5EF4-FFF2-40B4-BE49-F238E27FC236}">
+                <a16:creationId xmlns:a16="http://schemas.microsoft.com/office/drawing/2014/main" id="{BF147F7B-B13A-D04C-A212-466827974637}"/>
+              </a:ext>
+            </a:extLst>
+          </p:cNvPr>
+          <p:cNvSpPr/>
+          <p:nvPr/>
+        </p:nvSpPr>
+        <p:spPr>
+          <a:xfrm>
+            <a:off x="21952633" y="21625018"/>
+            <a:ext cx="5542632" cy="365081"/>
+          </a:xfrm>
+          <a:prstGeom prst="rect">
+            <a:avLst/>
+          </a:prstGeom>
+          <a:solidFill>
+            <a:schemeClr val="bg1"/>
+          </a:solidFill>
+          <a:ln>
+            <a:noFill/>
+          </a:ln>
+        </p:spPr>
+        <p:style>
+          <a:lnRef idx="2">
+            <a:schemeClr val="accent1">
+              <a:shade val="50000"/>
+            </a:schemeClr>
+          </a:lnRef>
+          <a:fillRef idx="1">
+            <a:schemeClr val="accent1"/>
+          </a:fillRef>
+          <a:effectRef idx="0">
+            <a:schemeClr val="accent1"/>
+          </a:effectRef>
+          <a:fontRef idx="minor">
+            <a:schemeClr val="lt1"/>
+          </a:fontRef>
+        </p:style>
+        <p:txBody>
+          <a:bodyPr rtlCol="0" anchor="ctr"/>
+          <a:lstStyle/>
+          <a:p>
+            <a:pPr algn="ctr"/>
+            <a:endParaRPr lang="en-GB"/>
+          </a:p>
+        </p:txBody>
+      </p:sp>
+      <p:sp>
+        <p:nvSpPr>
+          <p:cNvPr id="49" name="Rectangle 48">
+            <a:extLst>
+              <a:ext uri="{FF2B5EF4-FFF2-40B4-BE49-F238E27FC236}">
+                <a16:creationId xmlns:a16="http://schemas.microsoft.com/office/drawing/2014/main" id="{DF3C9C17-B09B-CC43-B0E2-DB57201982AF}"/>
+              </a:ext>
+            </a:extLst>
+          </p:cNvPr>
+          <p:cNvSpPr/>
+          <p:nvPr/>
+        </p:nvSpPr>
+        <p:spPr>
+          <a:xfrm>
+            <a:off x="15046879" y="21488258"/>
+            <a:ext cx="5542632" cy="365081"/>
+          </a:xfrm>
+          <a:prstGeom prst="rect">
+            <a:avLst/>
+          </a:prstGeom>
+          <a:solidFill>
+            <a:schemeClr val="bg1"/>
+          </a:solidFill>
+          <a:ln>
+            <a:noFill/>
+          </a:ln>
+        </p:spPr>
+        <p:style>
+          <a:lnRef idx="2">
+            <a:schemeClr val="accent1">
+              <a:shade val="50000"/>
+            </a:schemeClr>
+          </a:lnRef>
+          <a:fillRef idx="1">
+            <a:schemeClr val="accent1"/>
+          </a:fillRef>
+          <a:effectRef idx="0">
+            <a:schemeClr val="accent1"/>
+          </a:effectRef>
+          <a:fontRef idx="minor">
+            <a:schemeClr val="lt1"/>
+          </a:fontRef>
+        </p:style>
+        <p:txBody>
+          <a:bodyPr rtlCol="0" anchor="ctr"/>
+          <a:lstStyle/>
+          <a:p>
+            <a:pPr algn="ctr"/>
+            <a:endParaRPr lang="en-GB"/>
+          </a:p>
+        </p:txBody>
+      </p:sp>
+      <p:sp>
+        <p:nvSpPr>
+          <p:cNvPr id="50" name="Rectangle 49">
+            <a:extLst>
+              <a:ext uri="{FF2B5EF4-FFF2-40B4-BE49-F238E27FC236}">
+                <a16:creationId xmlns:a16="http://schemas.microsoft.com/office/drawing/2014/main" id="{D8C16719-34D7-5A41-9F30-66E7F683936F}"/>
+              </a:ext>
+            </a:extLst>
+          </p:cNvPr>
+          <p:cNvSpPr/>
+          <p:nvPr/>
+        </p:nvSpPr>
+        <p:spPr>
+          <a:xfrm>
+            <a:off x="8180140" y="21456099"/>
+            <a:ext cx="5542632" cy="365081"/>
+          </a:xfrm>
+          <a:prstGeom prst="rect">
+            <a:avLst/>
+          </a:prstGeom>
+          <a:solidFill>
+            <a:schemeClr val="bg1"/>
+          </a:solidFill>
+          <a:ln>
+            <a:noFill/>
+          </a:ln>
+        </p:spPr>
+        <p:style>
+          <a:lnRef idx="2">
+            <a:schemeClr val="accent1">
+              <a:shade val="50000"/>
+            </a:schemeClr>
+          </a:lnRef>
+          <a:fillRef idx="1">
+            <a:schemeClr val="accent1"/>
+          </a:fillRef>
+          <a:effectRef idx="0">
+            <a:schemeClr val="accent1"/>
+          </a:effectRef>
+          <a:fontRef idx="minor">
+            <a:schemeClr val="lt1"/>
+          </a:fontRef>
+        </p:style>
+        <p:txBody>
+          <a:bodyPr rtlCol="0" anchor="ctr"/>
+          <a:lstStyle/>
+          <a:p>
+            <a:pPr algn="ctr"/>
+            <a:endParaRPr lang="en-GB"/>
+          </a:p>
+        </p:txBody>
+      </p:sp>
+      <p:sp>
+        <p:nvSpPr>
+          <p:cNvPr id="51" name="Rectangle 50">
+            <a:extLst>
+              <a:ext uri="{FF2B5EF4-FFF2-40B4-BE49-F238E27FC236}">
+                <a16:creationId xmlns:a16="http://schemas.microsoft.com/office/drawing/2014/main" id="{A3D16DF2-7679-BC48-8F0B-23A06E685654}"/>
+              </a:ext>
+            </a:extLst>
+          </p:cNvPr>
+          <p:cNvSpPr/>
+          <p:nvPr/>
+        </p:nvSpPr>
+        <p:spPr>
+          <a:xfrm>
+            <a:off x="1117600" y="21458679"/>
+            <a:ext cx="5542632" cy="365081"/>
+          </a:xfrm>
+          <a:prstGeom prst="rect">
+            <a:avLst/>
+          </a:prstGeom>
+          <a:solidFill>
+            <a:schemeClr val="bg1"/>
+          </a:solidFill>
+          <a:ln>
+            <a:noFill/>
+          </a:ln>
+        </p:spPr>
+        <p:style>
+          <a:lnRef idx="2">
+            <a:schemeClr val="accent1">
+              <a:shade val="50000"/>
+            </a:schemeClr>
+          </a:lnRef>
+          <a:fillRef idx="1">
+            <a:schemeClr val="accent1"/>
+          </a:fillRef>
+          <a:effectRef idx="0">
+            <a:schemeClr val="accent1"/>
+          </a:effectRef>
+          <a:fontRef idx="minor">
+            <a:schemeClr val="lt1"/>
+          </a:fontRef>
+        </p:style>
+        <p:txBody>
+          <a:bodyPr rtlCol="0" anchor="ctr"/>
+          <a:lstStyle/>
+          <a:p>
+            <a:pPr algn="ctr"/>
+            <a:endParaRPr lang="en-GB"/>
+          </a:p>
+        </p:txBody>
+      </p:sp>
+      <p:sp>
+        <p:nvSpPr>
+          <p:cNvPr id="52" name="Rectangle 51">
+            <a:extLst>
+              <a:ext uri="{FF2B5EF4-FFF2-40B4-BE49-F238E27FC236}">
+                <a16:creationId xmlns:a16="http://schemas.microsoft.com/office/drawing/2014/main" id="{02C75BEB-432D-E14D-BF99-0B45B32C6300}"/>
+              </a:ext>
+            </a:extLst>
+          </p:cNvPr>
+          <p:cNvSpPr/>
+          <p:nvPr/>
+        </p:nvSpPr>
+        <p:spPr>
+          <a:xfrm>
+            <a:off x="3353652" y="19172309"/>
+            <a:ext cx="1070528" cy="264651"/>
+          </a:xfrm>
+          <a:prstGeom prst="rect">
+            <a:avLst/>
+          </a:prstGeom>
+          <a:solidFill>
+            <a:schemeClr val="bg1"/>
+          </a:solidFill>
+          <a:ln>
+            <a:noFill/>
+          </a:ln>
+        </p:spPr>
+        <p:style>
+          <a:lnRef idx="2">
+            <a:schemeClr val="accent1">
+              <a:shade val="50000"/>
+            </a:schemeClr>
+          </a:lnRef>
+          <a:fillRef idx="1">
+            <a:schemeClr val="accent1"/>
+          </a:fillRef>
+          <a:effectRef idx="0">
+            <a:schemeClr val="accent1"/>
+          </a:effectRef>
+          <a:fontRef idx="minor">
+            <a:schemeClr val="lt1"/>
+          </a:fontRef>
+        </p:style>
+        <p:txBody>
+          <a:bodyPr rtlCol="0" anchor="ctr"/>
+          <a:lstStyle/>
+          <a:p>
+            <a:pPr algn="ctr"/>
+            <a:endParaRPr lang="en-GB"/>
+          </a:p>
+        </p:txBody>
+      </p:sp>
+      <p:sp>
+        <p:nvSpPr>
+          <p:cNvPr id="53" name="Rectangle 52">
+            <a:extLst>
+              <a:ext uri="{FF2B5EF4-FFF2-40B4-BE49-F238E27FC236}">
+                <a16:creationId xmlns:a16="http://schemas.microsoft.com/office/drawing/2014/main" id="{572A446C-E1F7-3142-BFF2-8AEC976B60A8}"/>
+              </a:ext>
+            </a:extLst>
+          </p:cNvPr>
+          <p:cNvSpPr/>
+          <p:nvPr/>
+        </p:nvSpPr>
+        <p:spPr>
+          <a:xfrm>
+            <a:off x="10797900" y="19172309"/>
+            <a:ext cx="1070528" cy="264651"/>
+          </a:xfrm>
+          <a:prstGeom prst="rect">
+            <a:avLst/>
+          </a:prstGeom>
+          <a:solidFill>
+            <a:schemeClr val="bg1"/>
+          </a:solidFill>
+          <a:ln>
+            <a:noFill/>
+          </a:ln>
+        </p:spPr>
+        <p:style>
+          <a:lnRef idx="2">
+            <a:schemeClr val="accent1">
+              <a:shade val="50000"/>
+            </a:schemeClr>
+          </a:lnRef>
+          <a:fillRef idx="1">
+            <a:schemeClr val="accent1"/>
+          </a:fillRef>
+          <a:effectRef idx="0">
+            <a:schemeClr val="accent1"/>
+          </a:effectRef>
+          <a:fontRef idx="minor">
+            <a:schemeClr val="lt1"/>
+          </a:fontRef>
+        </p:style>
+        <p:txBody>
+          <a:bodyPr rtlCol="0" anchor="ctr"/>
+          <a:lstStyle/>
+          <a:p>
+            <a:pPr algn="ctr"/>
+            <a:endParaRPr lang="en-GB"/>
+          </a:p>
+        </p:txBody>
+      </p:sp>
+      <p:sp>
+        <p:nvSpPr>
+          <p:cNvPr id="54" name="Rectangle 53">
+            <a:extLst>
+              <a:ext uri="{FF2B5EF4-FFF2-40B4-BE49-F238E27FC236}">
+                <a16:creationId xmlns:a16="http://schemas.microsoft.com/office/drawing/2014/main" id="{FD3ED10D-D5E3-4E41-86A9-3E9F1E29E8E8}"/>
+              </a:ext>
+            </a:extLst>
+          </p:cNvPr>
+          <p:cNvSpPr/>
+          <p:nvPr/>
+        </p:nvSpPr>
+        <p:spPr>
+          <a:xfrm>
+            <a:off x="17373600" y="19206821"/>
+            <a:ext cx="1268925" cy="230140"/>
+          </a:xfrm>
+          <a:prstGeom prst="rect">
+            <a:avLst/>
+          </a:prstGeom>
+          <a:solidFill>
+            <a:schemeClr val="bg1"/>
+          </a:solidFill>
+          <a:ln>
+            <a:noFill/>
+          </a:ln>
+        </p:spPr>
+        <p:style>
+          <a:lnRef idx="2">
+            <a:schemeClr val="accent1">
+              <a:shade val="50000"/>
+            </a:schemeClr>
+          </a:lnRef>
+          <a:fillRef idx="1">
+            <a:schemeClr val="accent1"/>
+          </a:fillRef>
+          <a:effectRef idx="0">
+            <a:schemeClr val="accent1"/>
+          </a:effectRef>
+          <a:fontRef idx="minor">
+            <a:schemeClr val="lt1"/>
+          </a:fontRef>
+        </p:style>
+        <p:txBody>
+          <a:bodyPr rtlCol="0" anchor="ctr"/>
+          <a:lstStyle/>
+          <a:p>
+            <a:pPr algn="ctr"/>
+            <a:endParaRPr lang="en-GB"/>
+          </a:p>
+        </p:txBody>
+      </p:sp>
+      <p:sp>
+        <p:nvSpPr>
+          <p:cNvPr id="55" name="Rectangle 54">
+            <a:extLst>
+              <a:ext uri="{FF2B5EF4-FFF2-40B4-BE49-F238E27FC236}">
+                <a16:creationId xmlns:a16="http://schemas.microsoft.com/office/drawing/2014/main" id="{997EF1B3-ABE6-3D44-9A76-633B03307B29}"/>
+              </a:ext>
+            </a:extLst>
+          </p:cNvPr>
+          <p:cNvSpPr/>
+          <p:nvPr/>
+        </p:nvSpPr>
+        <p:spPr>
+          <a:xfrm>
+            <a:off x="24452652" y="19194120"/>
+            <a:ext cx="1268925" cy="230140"/>
+          </a:xfrm>
+          <a:prstGeom prst="rect">
+            <a:avLst/>
+          </a:prstGeom>
+          <a:solidFill>
+            <a:schemeClr val="bg1"/>
+          </a:solidFill>
+          <a:ln>
+            <a:noFill/>
+          </a:ln>
+        </p:spPr>
+        <p:style>
+          <a:lnRef idx="2">
+            <a:schemeClr val="accent1">
+              <a:shade val="50000"/>
+            </a:schemeClr>
+          </a:lnRef>
+          <a:fillRef idx="1">
+            <a:schemeClr val="accent1"/>
+          </a:fillRef>
+          <a:effectRef idx="0">
+            <a:schemeClr val="accent1"/>
+          </a:effectRef>
+          <a:fontRef idx="minor">
+            <a:schemeClr val="lt1"/>
+          </a:fontRef>
+        </p:style>
+        <p:txBody>
+          <a:bodyPr rtlCol="0" anchor="ctr"/>
+          <a:lstStyle/>
+          <a:p>
+            <a:pPr algn="ctr"/>
+            <a:endParaRPr lang="en-GB"/>
+          </a:p>
+        </p:txBody>
+      </p:sp>
+      <p:sp>
+        <p:nvSpPr>
+          <p:cNvPr id="56" name="Rectangle 55">
+            <a:extLst>
+              <a:ext uri="{FF2B5EF4-FFF2-40B4-BE49-F238E27FC236}">
+                <a16:creationId xmlns:a16="http://schemas.microsoft.com/office/drawing/2014/main" id="{57CE4F64-73B3-6144-A9CF-65A0DA4182A5}"/>
+              </a:ext>
+            </a:extLst>
+          </p:cNvPr>
+          <p:cNvSpPr/>
+          <p:nvPr/>
+        </p:nvSpPr>
+        <p:spPr>
+          <a:xfrm>
+            <a:off x="24376463" y="22806843"/>
+            <a:ext cx="1268925" cy="230140"/>
+          </a:xfrm>
+          <a:prstGeom prst="rect">
+            <a:avLst/>
+          </a:prstGeom>
+          <a:solidFill>
+            <a:schemeClr val="bg1"/>
+          </a:solidFill>
+          <a:ln>
+            <a:noFill/>
+          </a:ln>
+        </p:spPr>
+        <p:style>
+          <a:lnRef idx="2">
+            <a:schemeClr val="accent1">
+              <a:shade val="50000"/>
+            </a:schemeClr>
+          </a:lnRef>
+          <a:fillRef idx="1">
+            <a:schemeClr val="accent1"/>
+          </a:fillRef>
+          <a:effectRef idx="0">
+            <a:schemeClr val="accent1"/>
+          </a:effectRef>
+          <a:fontRef idx="minor">
+            <a:schemeClr val="lt1"/>
+          </a:fontRef>
+        </p:style>
+        <p:txBody>
+          <a:bodyPr rtlCol="0" anchor="ctr"/>
+          <a:lstStyle/>
+          <a:p>
+            <a:pPr algn="ctr"/>
+            <a:endParaRPr lang="en-GB"/>
+          </a:p>
+        </p:txBody>
+      </p:sp>
+      <p:sp>
+        <p:nvSpPr>
+          <p:cNvPr id="57" name="Rectangle 56">
+            <a:extLst>
+              <a:ext uri="{FF2B5EF4-FFF2-40B4-BE49-F238E27FC236}">
+                <a16:creationId xmlns:a16="http://schemas.microsoft.com/office/drawing/2014/main" id="{282499FA-AF71-D344-B935-FD6A5811F982}"/>
+              </a:ext>
+            </a:extLst>
+          </p:cNvPr>
+          <p:cNvSpPr/>
+          <p:nvPr/>
+        </p:nvSpPr>
+        <p:spPr>
+          <a:xfrm>
+            <a:off x="17274843" y="22750400"/>
+            <a:ext cx="1268925" cy="230140"/>
+          </a:xfrm>
+          <a:prstGeom prst="rect">
+            <a:avLst/>
+          </a:prstGeom>
+          <a:solidFill>
+            <a:schemeClr val="bg1"/>
+          </a:solidFill>
+          <a:ln>
+            <a:noFill/>
+          </a:ln>
+        </p:spPr>
+        <p:style>
+          <a:lnRef idx="2">
+            <a:schemeClr val="accent1">
+              <a:shade val="50000"/>
+            </a:schemeClr>
+          </a:lnRef>
+          <a:fillRef idx="1">
+            <a:schemeClr val="accent1"/>
+          </a:fillRef>
+          <a:effectRef idx="0">
+            <a:schemeClr val="accent1"/>
+          </a:effectRef>
+          <a:fontRef idx="minor">
+            <a:schemeClr val="lt1"/>
+          </a:fontRef>
+        </p:style>
+        <p:txBody>
+          <a:bodyPr rtlCol="0" anchor="ctr"/>
+          <a:lstStyle/>
+          <a:p>
+            <a:pPr algn="ctr"/>
+            <a:endParaRPr lang="en-GB"/>
+          </a:p>
+        </p:txBody>
+      </p:sp>
+      <p:sp>
+        <p:nvSpPr>
+          <p:cNvPr id="58" name="Rectangle 57">
+            <a:extLst>
+              <a:ext uri="{FF2B5EF4-FFF2-40B4-BE49-F238E27FC236}">
+                <a16:creationId xmlns:a16="http://schemas.microsoft.com/office/drawing/2014/main" id="{62841F31-0BC4-B048-BB18-B9CD60D81E92}"/>
+              </a:ext>
+            </a:extLst>
+          </p:cNvPr>
+          <p:cNvSpPr/>
+          <p:nvPr/>
+        </p:nvSpPr>
+        <p:spPr>
+          <a:xfrm>
+            <a:off x="10554747" y="22774983"/>
+            <a:ext cx="1268925" cy="230140"/>
+          </a:xfrm>
+          <a:prstGeom prst="rect">
+            <a:avLst/>
+          </a:prstGeom>
+          <a:solidFill>
+            <a:schemeClr val="bg1"/>
+          </a:solidFill>
+          <a:ln>
+            <a:noFill/>
+          </a:ln>
+        </p:spPr>
+        <p:style>
+          <a:lnRef idx="2">
+            <a:schemeClr val="accent1">
+              <a:shade val="50000"/>
+            </a:schemeClr>
+          </a:lnRef>
+          <a:fillRef idx="1">
+            <a:schemeClr val="accent1"/>
+          </a:fillRef>
+          <a:effectRef idx="0">
+            <a:schemeClr val="accent1"/>
+          </a:effectRef>
+          <a:fontRef idx="minor">
+            <a:schemeClr val="lt1"/>
+          </a:fontRef>
+        </p:style>
+        <p:txBody>
+          <a:bodyPr rtlCol="0" anchor="ctr"/>
+          <a:lstStyle/>
+          <a:p>
+            <a:pPr algn="ctr"/>
+            <a:endParaRPr lang="en-GB"/>
+          </a:p>
+        </p:txBody>
+      </p:sp>
+      <p:sp>
+        <p:nvSpPr>
+          <p:cNvPr id="59" name="Rectangle 58">
+            <a:extLst>
+              <a:ext uri="{FF2B5EF4-FFF2-40B4-BE49-F238E27FC236}">
+                <a16:creationId xmlns:a16="http://schemas.microsoft.com/office/drawing/2014/main" id="{9CD9D70E-11C1-FC4B-A3E1-8F2C759A8ADC}"/>
+              </a:ext>
+            </a:extLst>
+          </p:cNvPr>
+          <p:cNvSpPr/>
+          <p:nvPr/>
+        </p:nvSpPr>
+        <p:spPr>
+          <a:xfrm>
+            <a:off x="3301727" y="22749128"/>
+            <a:ext cx="1268925" cy="230140"/>
+          </a:xfrm>
+          <a:prstGeom prst="rect">
+            <a:avLst/>
+          </a:prstGeom>
+          <a:solidFill>
+            <a:schemeClr val="bg1"/>
+          </a:solidFill>
+          <a:ln>
+            <a:noFill/>
+          </a:ln>
+        </p:spPr>
+        <p:style>
+          <a:lnRef idx="2">
+            <a:schemeClr val="accent1">
+              <a:shade val="50000"/>
+            </a:schemeClr>
+          </a:lnRef>
+          <a:fillRef idx="1">
+            <a:schemeClr val="accent1"/>
+          </a:fillRef>
+          <a:effectRef idx="0">
+            <a:schemeClr val="accent1"/>
+          </a:effectRef>
+          <a:fontRef idx="minor">
+            <a:schemeClr val="lt1"/>
+          </a:fontRef>
+        </p:style>
+        <p:txBody>
+          <a:bodyPr rtlCol="0" anchor="ctr"/>
+          <a:lstStyle/>
+          <a:p>
+            <a:pPr algn="ctr"/>
+            <a:endParaRPr lang="en-GB"/>
+          </a:p>
+        </p:txBody>
+      </p:sp>
+      <p:sp>
+        <p:nvSpPr>
+          <p:cNvPr id="60" name="Rectangle 59">
+            <a:extLst>
+              <a:ext uri="{FF2B5EF4-FFF2-40B4-BE49-F238E27FC236}">
+                <a16:creationId xmlns:a16="http://schemas.microsoft.com/office/drawing/2014/main" id="{9C56D336-7AE6-074C-BC3F-90D89F74ABF6}"/>
+              </a:ext>
+            </a:extLst>
+          </p:cNvPr>
+          <p:cNvSpPr/>
+          <p:nvPr/>
+        </p:nvSpPr>
+        <p:spPr>
+          <a:xfrm>
+            <a:off x="3321743" y="15662289"/>
+            <a:ext cx="1268925" cy="230140"/>
+          </a:xfrm>
+          <a:prstGeom prst="rect">
+            <a:avLst/>
+          </a:prstGeom>
+          <a:solidFill>
+            <a:schemeClr val="bg1"/>
+          </a:solidFill>
+          <a:ln>
+            <a:noFill/>
+          </a:ln>
+        </p:spPr>
+        <p:style>
+          <a:lnRef idx="2">
+            <a:schemeClr val="accent1">
+              <a:shade val="50000"/>
+            </a:schemeClr>
+          </a:lnRef>
+          <a:fillRef idx="1">
+            <a:schemeClr val="accent1"/>
+          </a:fillRef>
+          <a:effectRef idx="0">
+            <a:schemeClr val="accent1"/>
+          </a:effectRef>
+          <a:fontRef idx="minor">
+            <a:schemeClr val="lt1"/>
+          </a:fontRef>
+        </p:style>
+        <p:txBody>
+          <a:bodyPr rtlCol="0" anchor="ctr"/>
+          <a:lstStyle/>
+          <a:p>
+            <a:pPr algn="ctr"/>
+            <a:endParaRPr lang="en-GB"/>
+          </a:p>
+        </p:txBody>
+      </p:sp>
+      <p:sp>
+        <p:nvSpPr>
+          <p:cNvPr id="61" name="Rectangle 60">
+            <a:extLst>
+              <a:ext uri="{FF2B5EF4-FFF2-40B4-BE49-F238E27FC236}">
+                <a16:creationId xmlns:a16="http://schemas.microsoft.com/office/drawing/2014/main" id="{EC62110E-EB9E-994C-A83E-350FDE459705}"/>
+              </a:ext>
+            </a:extLst>
+          </p:cNvPr>
+          <p:cNvSpPr/>
+          <p:nvPr/>
+        </p:nvSpPr>
+        <p:spPr>
+          <a:xfrm>
+            <a:off x="10684891" y="15640219"/>
+            <a:ext cx="1268925" cy="230140"/>
+          </a:xfrm>
+          <a:prstGeom prst="rect">
+            <a:avLst/>
+          </a:prstGeom>
+          <a:solidFill>
+            <a:schemeClr val="bg1"/>
+          </a:solidFill>
+          <a:ln>
+            <a:noFill/>
+          </a:ln>
+        </p:spPr>
+        <p:style>
+          <a:lnRef idx="2">
+            <a:schemeClr val="accent1">
+              <a:shade val="50000"/>
+            </a:schemeClr>
+          </a:lnRef>
+          <a:fillRef idx="1">
+            <a:schemeClr val="accent1"/>
+          </a:fillRef>
+          <a:effectRef idx="0">
+            <a:schemeClr val="accent1"/>
+          </a:effectRef>
+          <a:fontRef idx="minor">
+            <a:schemeClr val="lt1"/>
+          </a:fontRef>
+        </p:style>
+        <p:txBody>
+          <a:bodyPr rtlCol="0" anchor="ctr"/>
+          <a:lstStyle/>
+          <a:p>
+            <a:pPr algn="ctr"/>
+            <a:endParaRPr lang="en-GB"/>
+          </a:p>
+        </p:txBody>
+      </p:sp>
+      <p:sp>
+        <p:nvSpPr>
+          <p:cNvPr id="62" name="Rectangle 61">
+            <a:extLst>
+              <a:ext uri="{FF2B5EF4-FFF2-40B4-BE49-F238E27FC236}">
+                <a16:creationId xmlns:a16="http://schemas.microsoft.com/office/drawing/2014/main" id="{017316D1-7106-D142-BBDA-9B1BC9E5D1FD}"/>
+              </a:ext>
+            </a:extLst>
+          </p:cNvPr>
+          <p:cNvSpPr/>
+          <p:nvPr/>
+        </p:nvSpPr>
+        <p:spPr>
+          <a:xfrm>
+            <a:off x="17175805" y="15578722"/>
+            <a:ext cx="1268925" cy="230140"/>
+          </a:xfrm>
+          <a:prstGeom prst="rect">
+            <a:avLst/>
+          </a:prstGeom>
+          <a:solidFill>
+            <a:schemeClr val="bg1"/>
+          </a:solidFill>
+          <a:ln>
+            <a:noFill/>
+          </a:ln>
+        </p:spPr>
+        <p:style>
+          <a:lnRef idx="2">
+            <a:schemeClr val="accent1">
+              <a:shade val="50000"/>
+            </a:schemeClr>
+          </a:lnRef>
+          <a:fillRef idx="1">
+            <a:schemeClr val="accent1"/>
+          </a:fillRef>
+          <a:effectRef idx="0">
+            <a:schemeClr val="accent1"/>
+          </a:effectRef>
+          <a:fontRef idx="minor">
+            <a:schemeClr val="lt1"/>
+          </a:fontRef>
+        </p:style>
+        <p:txBody>
+          <a:bodyPr rtlCol="0" anchor="ctr"/>
+          <a:lstStyle/>
+          <a:p>
+            <a:pPr algn="ctr"/>
+            <a:endParaRPr lang="en-GB"/>
+          </a:p>
+        </p:txBody>
+      </p:sp>
+      <p:sp>
+        <p:nvSpPr>
+          <p:cNvPr id="63" name="Rectangle 62">
+            <a:extLst>
+              <a:ext uri="{FF2B5EF4-FFF2-40B4-BE49-F238E27FC236}">
+                <a16:creationId xmlns:a16="http://schemas.microsoft.com/office/drawing/2014/main" id="{8A749E87-CD60-D145-9B2C-3B27B2495D67}"/>
+              </a:ext>
+            </a:extLst>
+          </p:cNvPr>
+          <p:cNvSpPr/>
+          <p:nvPr/>
+        </p:nvSpPr>
+        <p:spPr>
+          <a:xfrm>
+            <a:off x="24543149" y="15620140"/>
+            <a:ext cx="1268925" cy="230140"/>
+          </a:xfrm>
+          <a:prstGeom prst="rect">
+            <a:avLst/>
+          </a:prstGeom>
+          <a:solidFill>
+            <a:schemeClr val="bg1"/>
+          </a:solidFill>
+          <a:ln>
+            <a:noFill/>
+          </a:ln>
+        </p:spPr>
+        <p:style>
+          <a:lnRef idx="2">
+            <a:schemeClr val="accent1">
+              <a:shade val="50000"/>
+            </a:schemeClr>
+          </a:lnRef>
+          <a:fillRef idx="1">
+            <a:schemeClr val="accent1"/>
+          </a:fillRef>
+          <a:effectRef idx="0">
+            <a:schemeClr val="accent1"/>
+          </a:effectRef>
+          <a:fontRef idx="minor">
+            <a:schemeClr val="lt1"/>
+          </a:fontRef>
+        </p:style>
+        <p:txBody>
+          <a:bodyPr rtlCol="0" anchor="ctr"/>
+          <a:lstStyle/>
+          <a:p>
+            <a:pPr algn="ctr"/>
+            <a:endParaRPr lang="en-GB"/>
+          </a:p>
+        </p:txBody>
+      </p:sp>
+      <p:sp>
+        <p:nvSpPr>
+          <p:cNvPr id="64" name="Rectangle 63">
+            <a:extLst>
+              <a:ext uri="{FF2B5EF4-FFF2-40B4-BE49-F238E27FC236}">
+                <a16:creationId xmlns:a16="http://schemas.microsoft.com/office/drawing/2014/main" id="{8C0E2F0D-0125-FF49-9E05-4C9600CC4A56}"/>
+              </a:ext>
+            </a:extLst>
+          </p:cNvPr>
+          <p:cNvSpPr/>
+          <p:nvPr/>
+        </p:nvSpPr>
+        <p:spPr>
+          <a:xfrm>
+            <a:off x="24549360" y="12123103"/>
+            <a:ext cx="1268925" cy="230140"/>
+          </a:xfrm>
+          <a:prstGeom prst="rect">
+            <a:avLst/>
+          </a:prstGeom>
+          <a:solidFill>
+            <a:schemeClr val="bg1"/>
+          </a:solidFill>
+          <a:ln>
+            <a:noFill/>
+          </a:ln>
+        </p:spPr>
+        <p:style>
+          <a:lnRef idx="2">
+            <a:schemeClr val="accent1">
+              <a:shade val="50000"/>
+            </a:schemeClr>
+          </a:lnRef>
+          <a:fillRef idx="1">
+            <a:schemeClr val="accent1"/>
+          </a:fillRef>
+          <a:effectRef idx="0">
+            <a:schemeClr val="accent1"/>
+          </a:effectRef>
+          <a:fontRef idx="minor">
+            <a:schemeClr val="lt1"/>
+          </a:fontRef>
+        </p:style>
+        <p:txBody>
+          <a:bodyPr rtlCol="0" anchor="ctr"/>
+          <a:lstStyle/>
+          <a:p>
+            <a:pPr algn="ctr"/>
+            <a:endParaRPr lang="en-GB"/>
+          </a:p>
+        </p:txBody>
+      </p:sp>
+      <p:sp>
+        <p:nvSpPr>
+          <p:cNvPr id="65" name="Rectangle 64">
+            <a:extLst>
+              <a:ext uri="{FF2B5EF4-FFF2-40B4-BE49-F238E27FC236}">
+                <a16:creationId xmlns:a16="http://schemas.microsoft.com/office/drawing/2014/main" id="{C9CE25F9-0433-E744-A485-6DE48462B31F}"/>
+              </a:ext>
+            </a:extLst>
+          </p:cNvPr>
+          <p:cNvSpPr/>
+          <p:nvPr/>
+        </p:nvSpPr>
+        <p:spPr>
+          <a:xfrm>
+            <a:off x="17373599" y="12113362"/>
+            <a:ext cx="1268925" cy="230140"/>
+          </a:xfrm>
+          <a:prstGeom prst="rect">
+            <a:avLst/>
+          </a:prstGeom>
+          <a:solidFill>
+            <a:schemeClr val="bg1"/>
+          </a:solidFill>
+          <a:ln>
+            <a:noFill/>
+          </a:ln>
+        </p:spPr>
+        <p:style>
+          <a:lnRef idx="2">
+            <a:schemeClr val="accent1">
+              <a:shade val="50000"/>
+            </a:schemeClr>
+          </a:lnRef>
+          <a:fillRef idx="1">
+            <a:schemeClr val="accent1"/>
+          </a:fillRef>
+          <a:effectRef idx="0">
+            <a:schemeClr val="accent1"/>
+          </a:effectRef>
+          <a:fontRef idx="minor">
+            <a:schemeClr val="lt1"/>
+          </a:fontRef>
+        </p:style>
+        <p:txBody>
+          <a:bodyPr rtlCol="0" anchor="ctr"/>
+          <a:lstStyle/>
+          <a:p>
+            <a:pPr algn="ctr"/>
+            <a:endParaRPr lang="en-GB"/>
+          </a:p>
+        </p:txBody>
+      </p:sp>
+      <p:sp>
+        <p:nvSpPr>
+          <p:cNvPr id="66" name="Rectangle 65">
+            <a:extLst>
+              <a:ext uri="{FF2B5EF4-FFF2-40B4-BE49-F238E27FC236}">
+                <a16:creationId xmlns:a16="http://schemas.microsoft.com/office/drawing/2014/main" id="{EDBD81A0-8E69-E640-8497-A9A9C041F918}"/>
+              </a:ext>
+            </a:extLst>
+          </p:cNvPr>
+          <p:cNvSpPr/>
+          <p:nvPr/>
+        </p:nvSpPr>
+        <p:spPr>
+          <a:xfrm>
+            <a:off x="10758085" y="12088178"/>
+            <a:ext cx="1268925" cy="230140"/>
+          </a:xfrm>
+          <a:prstGeom prst="rect">
+            <a:avLst/>
+          </a:prstGeom>
+          <a:solidFill>
+            <a:schemeClr val="bg1"/>
+          </a:solidFill>
+          <a:ln>
+            <a:noFill/>
+          </a:ln>
+        </p:spPr>
+        <p:style>
+          <a:lnRef idx="2">
+            <a:schemeClr val="accent1">
+              <a:shade val="50000"/>
+            </a:schemeClr>
+          </a:lnRef>
+          <a:fillRef idx="1">
+            <a:schemeClr val="accent1"/>
+          </a:fillRef>
+          <a:effectRef idx="0">
+            <a:schemeClr val="accent1"/>
+          </a:effectRef>
+          <a:fontRef idx="minor">
+            <a:schemeClr val="lt1"/>
+          </a:fontRef>
+        </p:style>
+        <p:txBody>
+          <a:bodyPr rtlCol="0" anchor="ctr"/>
+          <a:lstStyle/>
+          <a:p>
+            <a:pPr algn="ctr"/>
+            <a:endParaRPr lang="en-GB"/>
+          </a:p>
+        </p:txBody>
+      </p:sp>
+      <p:sp>
+        <p:nvSpPr>
+          <p:cNvPr id="67" name="Rectangle 66">
+            <a:extLst>
+              <a:ext uri="{FF2B5EF4-FFF2-40B4-BE49-F238E27FC236}">
+                <a16:creationId xmlns:a16="http://schemas.microsoft.com/office/drawing/2014/main" id="{742C3C61-6EFE-A245-A639-877326B94AD2}"/>
+              </a:ext>
+            </a:extLst>
+          </p:cNvPr>
+          <p:cNvSpPr/>
+          <p:nvPr/>
+        </p:nvSpPr>
+        <p:spPr>
+          <a:xfrm>
+            <a:off x="3254453" y="12046445"/>
+            <a:ext cx="1268925" cy="230140"/>
+          </a:xfrm>
+          <a:prstGeom prst="rect">
+            <a:avLst/>
+          </a:prstGeom>
+          <a:solidFill>
+            <a:schemeClr val="bg1"/>
+          </a:solidFill>
+          <a:ln>
+            <a:noFill/>
+          </a:ln>
+        </p:spPr>
+        <p:style>
+          <a:lnRef idx="2">
+            <a:schemeClr val="accent1">
+              <a:shade val="50000"/>
+            </a:schemeClr>
+          </a:lnRef>
+          <a:fillRef idx="1">
+            <a:schemeClr val="accent1"/>
+          </a:fillRef>
+          <a:effectRef idx="0">
+            <a:schemeClr val="accent1"/>
+          </a:effectRef>
+          <a:fontRef idx="minor">
+            <a:schemeClr val="lt1"/>
+          </a:fontRef>
+        </p:style>
+        <p:txBody>
+          <a:bodyPr rtlCol="0" anchor="ctr"/>
+          <a:lstStyle/>
+          <a:p>
+            <a:pPr algn="ctr"/>
+            <a:endParaRPr lang="en-GB"/>
+          </a:p>
+        </p:txBody>
+      </p:sp>
+      <p:sp>
+        <p:nvSpPr>
+          <p:cNvPr id="68" name="Rectangle 67">
+            <a:extLst>
+              <a:ext uri="{FF2B5EF4-FFF2-40B4-BE49-F238E27FC236}">
+                <a16:creationId xmlns:a16="http://schemas.microsoft.com/office/drawing/2014/main" id="{2D72C927-93AD-D44A-9FC3-5EEFE1AE2082}"/>
+              </a:ext>
+            </a:extLst>
+          </p:cNvPr>
+          <p:cNvSpPr/>
+          <p:nvPr/>
+        </p:nvSpPr>
+        <p:spPr>
+          <a:xfrm>
+            <a:off x="3406853" y="12198845"/>
+            <a:ext cx="1268925" cy="230140"/>
+          </a:xfrm>
+          <a:prstGeom prst="rect">
+            <a:avLst/>
+          </a:prstGeom>
+          <a:solidFill>
+            <a:schemeClr val="bg1"/>
+          </a:solidFill>
+          <a:ln>
+            <a:noFill/>
+          </a:ln>
+        </p:spPr>
+        <p:style>
+          <a:lnRef idx="2">
+            <a:schemeClr val="accent1">
+              <a:shade val="50000"/>
+            </a:schemeClr>
+          </a:lnRef>
+          <a:fillRef idx="1">
+            <a:schemeClr val="accent1"/>
+          </a:fillRef>
+          <a:effectRef idx="0">
+            <a:schemeClr val="accent1"/>
+          </a:effectRef>
+          <a:fontRef idx="minor">
+            <a:schemeClr val="lt1"/>
+          </a:fontRef>
+        </p:style>
+        <p:txBody>
+          <a:bodyPr rtlCol="0" anchor="ctr"/>
+          <a:lstStyle/>
+          <a:p>
+            <a:pPr algn="ctr"/>
+            <a:endParaRPr lang="en-GB"/>
+          </a:p>
+        </p:txBody>
+      </p:sp>
+      <p:sp>
+        <p:nvSpPr>
+          <p:cNvPr id="69" name="Rectangle 68">
+            <a:extLst>
+              <a:ext uri="{FF2B5EF4-FFF2-40B4-BE49-F238E27FC236}">
+                <a16:creationId xmlns:a16="http://schemas.microsoft.com/office/drawing/2014/main" id="{B03E16A8-A2D6-2F43-BEC5-254295216926}"/>
+              </a:ext>
+            </a:extLst>
+          </p:cNvPr>
+          <p:cNvSpPr/>
+          <p:nvPr/>
+        </p:nvSpPr>
+        <p:spPr>
+          <a:xfrm rot="16200000">
+            <a:off x="7847782" y="23800424"/>
+            <a:ext cx="1268925" cy="230140"/>
+          </a:xfrm>
+          <a:prstGeom prst="rect">
+            <a:avLst/>
+          </a:prstGeom>
+          <a:solidFill>
+            <a:schemeClr val="bg1"/>
+          </a:solidFill>
+          <a:ln>
+            <a:noFill/>
+          </a:ln>
+        </p:spPr>
+        <p:style>
+          <a:lnRef idx="2">
+            <a:schemeClr val="accent1">
+              <a:shade val="50000"/>
+            </a:schemeClr>
+          </a:lnRef>
+          <a:fillRef idx="1">
+            <a:schemeClr val="accent1"/>
+          </a:fillRef>
+          <a:effectRef idx="0">
+            <a:schemeClr val="accent1"/>
+          </a:effectRef>
+          <a:fontRef idx="minor">
+            <a:schemeClr val="lt1"/>
+          </a:fontRef>
+        </p:style>
+        <p:txBody>
+          <a:bodyPr rtlCol="0" anchor="ctr"/>
+          <a:lstStyle/>
+          <a:p>
+            <a:pPr algn="ctr"/>
+            <a:endParaRPr lang="en-GB"/>
+          </a:p>
+        </p:txBody>
+      </p:sp>
+      <p:sp>
+        <p:nvSpPr>
+          <p:cNvPr id="70" name="Rectangle 69">
+            <a:extLst>
+              <a:ext uri="{FF2B5EF4-FFF2-40B4-BE49-F238E27FC236}">
+                <a16:creationId xmlns:a16="http://schemas.microsoft.com/office/drawing/2014/main" id="{B067EDBB-B971-1E42-8CF6-9CA50DB4BC38}"/>
+              </a:ext>
+            </a:extLst>
+          </p:cNvPr>
+          <p:cNvSpPr/>
+          <p:nvPr/>
+        </p:nvSpPr>
+        <p:spPr>
+          <a:xfrm rot="16200000">
+            <a:off x="14013586" y="23800426"/>
+            <a:ext cx="1268925" cy="230140"/>
+          </a:xfrm>
+          <a:prstGeom prst="rect">
+            <a:avLst/>
+          </a:prstGeom>
+          <a:solidFill>
+            <a:schemeClr val="bg1"/>
+          </a:solidFill>
+          <a:ln>
+            <a:noFill/>
+          </a:ln>
+        </p:spPr>
+        <p:style>
+          <a:lnRef idx="2">
+            <a:schemeClr val="accent1">
+              <a:shade val="50000"/>
+            </a:schemeClr>
+          </a:lnRef>
+          <a:fillRef idx="1">
+            <a:schemeClr val="accent1"/>
+          </a:fillRef>
+          <a:effectRef idx="0">
+            <a:schemeClr val="accent1"/>
+          </a:effectRef>
+          <a:fontRef idx="minor">
+            <a:schemeClr val="lt1"/>
+          </a:fontRef>
+        </p:style>
+        <p:txBody>
+          <a:bodyPr rtlCol="0" anchor="ctr"/>
+          <a:lstStyle/>
+          <a:p>
+            <a:pPr algn="ctr"/>
+            <a:endParaRPr lang="en-GB"/>
+          </a:p>
+        </p:txBody>
+      </p:sp>
+      <p:sp>
+        <p:nvSpPr>
+          <p:cNvPr id="71" name="Rectangle 70">
+            <a:extLst>
+              <a:ext uri="{FF2B5EF4-FFF2-40B4-BE49-F238E27FC236}">
+                <a16:creationId xmlns:a16="http://schemas.microsoft.com/office/drawing/2014/main" id="{76C0BDA4-F56E-CF4A-848B-399AF86849EC}"/>
+              </a:ext>
+            </a:extLst>
+          </p:cNvPr>
+          <p:cNvSpPr/>
+          <p:nvPr/>
+        </p:nvSpPr>
+        <p:spPr>
+          <a:xfrm rot="16200000">
+            <a:off x="21351889" y="23961417"/>
+            <a:ext cx="1268925" cy="230140"/>
+          </a:xfrm>
+          <a:prstGeom prst="rect">
+            <a:avLst/>
+          </a:prstGeom>
+          <a:solidFill>
+            <a:schemeClr val="bg1"/>
+          </a:solidFill>
+          <a:ln>
+            <a:noFill/>
+          </a:ln>
+        </p:spPr>
+        <p:style>
+          <a:lnRef idx="2">
+            <a:schemeClr val="accent1">
+              <a:shade val="50000"/>
+            </a:schemeClr>
+          </a:lnRef>
+          <a:fillRef idx="1">
+            <a:schemeClr val="accent1"/>
+          </a:fillRef>
+          <a:effectRef idx="0">
+            <a:schemeClr val="accent1"/>
+          </a:effectRef>
+          <a:fontRef idx="minor">
+            <a:schemeClr val="lt1"/>
+          </a:fontRef>
+        </p:style>
+        <p:txBody>
+          <a:bodyPr rtlCol="0" anchor="ctr"/>
+          <a:lstStyle/>
+          <a:p>
+            <a:pPr algn="ctr"/>
+            <a:endParaRPr lang="en-GB"/>
+          </a:p>
+        </p:txBody>
+      </p:sp>
+      <p:sp>
+        <p:nvSpPr>
+          <p:cNvPr id="72" name="Rectangle 71">
+            <a:extLst>
+              <a:ext uri="{FF2B5EF4-FFF2-40B4-BE49-F238E27FC236}">
+                <a16:creationId xmlns:a16="http://schemas.microsoft.com/office/drawing/2014/main" id="{7C461BCC-AD6C-7047-8848-5CFE6B7EEF05}"/>
+              </a:ext>
+            </a:extLst>
+          </p:cNvPr>
+          <p:cNvSpPr/>
+          <p:nvPr/>
+        </p:nvSpPr>
+        <p:spPr>
+          <a:xfrm rot="16200000">
+            <a:off x="21318171" y="20473235"/>
+            <a:ext cx="1268925" cy="230140"/>
+          </a:xfrm>
+          <a:prstGeom prst="rect">
+            <a:avLst/>
+          </a:prstGeom>
+          <a:solidFill>
+            <a:schemeClr val="bg1"/>
+          </a:solidFill>
+          <a:ln>
+            <a:noFill/>
+          </a:ln>
+        </p:spPr>
+        <p:style>
+          <a:lnRef idx="2">
+            <a:schemeClr val="accent1">
+              <a:shade val="50000"/>
+            </a:schemeClr>
+          </a:lnRef>
+          <a:fillRef idx="1">
+            <a:schemeClr val="accent1"/>
+          </a:fillRef>
+          <a:effectRef idx="0">
+            <a:schemeClr val="accent1"/>
+          </a:effectRef>
+          <a:fontRef idx="minor">
+            <a:schemeClr val="lt1"/>
+          </a:fontRef>
+        </p:style>
+        <p:txBody>
+          <a:bodyPr rtlCol="0" anchor="ctr"/>
+          <a:lstStyle/>
+          <a:p>
+            <a:pPr algn="ctr"/>
+            <a:endParaRPr lang="en-GB"/>
+          </a:p>
+        </p:txBody>
+      </p:sp>
+      <p:sp>
+        <p:nvSpPr>
+          <p:cNvPr id="73" name="Rectangle 72">
+            <a:extLst>
+              <a:ext uri="{FF2B5EF4-FFF2-40B4-BE49-F238E27FC236}">
+                <a16:creationId xmlns:a16="http://schemas.microsoft.com/office/drawing/2014/main" id="{28D18AC0-52F1-EF4B-BC44-7019C56D2B12}"/>
+              </a:ext>
+            </a:extLst>
+          </p:cNvPr>
+          <p:cNvSpPr/>
+          <p:nvPr/>
+        </p:nvSpPr>
+        <p:spPr>
+          <a:xfrm rot="16200000">
+            <a:off x="14054175" y="20344170"/>
+            <a:ext cx="1268925" cy="230140"/>
+          </a:xfrm>
+          <a:prstGeom prst="rect">
+            <a:avLst/>
+          </a:prstGeom>
+          <a:solidFill>
+            <a:schemeClr val="bg1"/>
+          </a:solidFill>
+          <a:ln>
+            <a:noFill/>
+          </a:ln>
+        </p:spPr>
+        <p:style>
+          <a:lnRef idx="2">
+            <a:schemeClr val="accent1">
+              <a:shade val="50000"/>
+            </a:schemeClr>
+          </a:lnRef>
+          <a:fillRef idx="1">
+            <a:schemeClr val="accent1"/>
+          </a:fillRef>
+          <a:effectRef idx="0">
+            <a:schemeClr val="accent1"/>
+          </a:effectRef>
+          <a:fontRef idx="minor">
+            <a:schemeClr val="lt1"/>
+          </a:fontRef>
+        </p:style>
+        <p:txBody>
+          <a:bodyPr rtlCol="0" anchor="ctr"/>
+          <a:lstStyle/>
+          <a:p>
+            <a:pPr algn="ctr"/>
+            <a:endParaRPr lang="en-GB"/>
+          </a:p>
+        </p:txBody>
+      </p:sp>
+      <p:sp>
+        <p:nvSpPr>
+          <p:cNvPr id="74" name="Rectangle 73">
+            <a:extLst>
+              <a:ext uri="{FF2B5EF4-FFF2-40B4-BE49-F238E27FC236}">
+                <a16:creationId xmlns:a16="http://schemas.microsoft.com/office/drawing/2014/main" id="{51330153-4AB7-BB44-AC07-404775629EF8}"/>
+              </a:ext>
+            </a:extLst>
+          </p:cNvPr>
+          <p:cNvSpPr/>
+          <p:nvPr/>
+        </p:nvSpPr>
+        <p:spPr>
+          <a:xfrm rot="16200000">
+            <a:off x="7831524" y="20303444"/>
+            <a:ext cx="1268925" cy="230140"/>
+          </a:xfrm>
+          <a:prstGeom prst="rect">
+            <a:avLst/>
+          </a:prstGeom>
+          <a:solidFill>
+            <a:schemeClr val="bg1"/>
+          </a:solidFill>
+          <a:ln>
+            <a:noFill/>
+          </a:ln>
+        </p:spPr>
+        <p:style>
+          <a:lnRef idx="2">
+            <a:schemeClr val="accent1">
+              <a:shade val="50000"/>
+            </a:schemeClr>
+          </a:lnRef>
+          <a:fillRef idx="1">
+            <a:schemeClr val="accent1"/>
+          </a:fillRef>
+          <a:effectRef idx="0">
+            <a:schemeClr val="accent1"/>
+          </a:effectRef>
+          <a:fontRef idx="minor">
+            <a:schemeClr val="lt1"/>
+          </a:fontRef>
+        </p:style>
+        <p:txBody>
+          <a:bodyPr rtlCol="0" anchor="ctr"/>
+          <a:lstStyle/>
+          <a:p>
+            <a:pPr algn="ctr"/>
+            <a:endParaRPr lang="en-GB"/>
+          </a:p>
+        </p:txBody>
+      </p:sp>
+      <p:sp>
+        <p:nvSpPr>
+          <p:cNvPr id="75" name="Rectangle 74">
+            <a:extLst>
+              <a:ext uri="{FF2B5EF4-FFF2-40B4-BE49-F238E27FC236}">
+                <a16:creationId xmlns:a16="http://schemas.microsoft.com/office/drawing/2014/main" id="{A1D1FFC2-F36B-FF4C-9701-BBA39A7C59D5}"/>
+              </a:ext>
+            </a:extLst>
+          </p:cNvPr>
+          <p:cNvSpPr/>
+          <p:nvPr/>
+        </p:nvSpPr>
+        <p:spPr>
+          <a:xfrm rot="16200000">
+            <a:off x="7919006" y="16794629"/>
+            <a:ext cx="1268925" cy="230140"/>
+          </a:xfrm>
+          <a:prstGeom prst="rect">
+            <a:avLst/>
+          </a:prstGeom>
+          <a:solidFill>
+            <a:schemeClr val="bg1"/>
+          </a:solidFill>
+          <a:ln>
+            <a:noFill/>
+          </a:ln>
+        </p:spPr>
+        <p:style>
+          <a:lnRef idx="2">
+            <a:schemeClr val="accent1">
+              <a:shade val="50000"/>
+            </a:schemeClr>
+          </a:lnRef>
+          <a:fillRef idx="1">
+            <a:schemeClr val="accent1"/>
+          </a:fillRef>
+          <a:effectRef idx="0">
+            <a:schemeClr val="accent1"/>
+          </a:effectRef>
+          <a:fontRef idx="minor">
+            <a:schemeClr val="lt1"/>
+          </a:fontRef>
+        </p:style>
+        <p:txBody>
+          <a:bodyPr rtlCol="0" anchor="ctr"/>
+          <a:lstStyle/>
+          <a:p>
+            <a:pPr algn="ctr"/>
+            <a:endParaRPr lang="en-GB"/>
+          </a:p>
+        </p:txBody>
+      </p:sp>
+      <p:sp>
+        <p:nvSpPr>
+          <p:cNvPr id="76" name="Rectangle 75">
+            <a:extLst>
+              <a:ext uri="{FF2B5EF4-FFF2-40B4-BE49-F238E27FC236}">
+                <a16:creationId xmlns:a16="http://schemas.microsoft.com/office/drawing/2014/main" id="{4232BDF2-F887-BA4F-8AEC-AB57AB9AD67F}"/>
+              </a:ext>
+            </a:extLst>
+          </p:cNvPr>
+          <p:cNvSpPr/>
+          <p:nvPr/>
+        </p:nvSpPr>
+        <p:spPr>
+          <a:xfrm rot="16200000">
+            <a:off x="13974007" y="16794630"/>
+            <a:ext cx="1268925" cy="230140"/>
+          </a:xfrm>
+          <a:prstGeom prst="rect">
+            <a:avLst/>
+          </a:prstGeom>
+          <a:solidFill>
+            <a:schemeClr val="bg1"/>
+          </a:solidFill>
+          <a:ln>
+            <a:noFill/>
+          </a:ln>
+        </p:spPr>
+        <p:style>
+          <a:lnRef idx="2">
+            <a:schemeClr val="accent1">
+              <a:shade val="50000"/>
+            </a:schemeClr>
+          </a:lnRef>
+          <a:fillRef idx="1">
+            <a:schemeClr val="accent1"/>
+          </a:fillRef>
+          <a:effectRef idx="0">
+            <a:schemeClr val="accent1"/>
+          </a:effectRef>
+          <a:fontRef idx="minor">
+            <a:schemeClr val="lt1"/>
+          </a:fontRef>
+        </p:style>
+        <p:txBody>
+          <a:bodyPr rtlCol="0" anchor="ctr"/>
+          <a:lstStyle/>
+          <a:p>
+            <a:pPr algn="ctr"/>
+            <a:endParaRPr lang="en-GB"/>
+          </a:p>
+        </p:txBody>
+      </p:sp>
+      <p:sp>
+        <p:nvSpPr>
+          <p:cNvPr id="77" name="Rectangle 76">
+            <a:extLst>
+              <a:ext uri="{FF2B5EF4-FFF2-40B4-BE49-F238E27FC236}">
+                <a16:creationId xmlns:a16="http://schemas.microsoft.com/office/drawing/2014/main" id="{F6E4847E-CE73-A44B-B5A4-BF3B9455C7C3}"/>
+              </a:ext>
+            </a:extLst>
+          </p:cNvPr>
+          <p:cNvSpPr/>
+          <p:nvPr/>
+        </p:nvSpPr>
+        <p:spPr>
+          <a:xfrm rot="16200000">
+            <a:off x="21329949" y="16862679"/>
+            <a:ext cx="1268925" cy="230140"/>
+          </a:xfrm>
+          <a:prstGeom prst="rect">
+            <a:avLst/>
+          </a:prstGeom>
+          <a:solidFill>
+            <a:schemeClr val="bg1"/>
+          </a:solidFill>
+          <a:ln>
+            <a:noFill/>
+          </a:ln>
+        </p:spPr>
+        <p:style>
+          <a:lnRef idx="2">
+            <a:schemeClr val="accent1">
+              <a:shade val="50000"/>
+            </a:schemeClr>
+          </a:lnRef>
+          <a:fillRef idx="1">
+            <a:schemeClr val="accent1"/>
+          </a:fillRef>
+          <a:effectRef idx="0">
+            <a:schemeClr val="accent1"/>
+          </a:effectRef>
+          <a:fontRef idx="minor">
+            <a:schemeClr val="lt1"/>
+          </a:fontRef>
+        </p:style>
+        <p:txBody>
+          <a:bodyPr rtlCol="0" anchor="ctr"/>
+          <a:lstStyle/>
+          <a:p>
+            <a:pPr algn="ctr"/>
+            <a:endParaRPr lang="en-GB"/>
+          </a:p>
+        </p:txBody>
+      </p:sp>
+      <p:sp>
+        <p:nvSpPr>
+          <p:cNvPr id="78" name="Rectangle 77">
+            <a:extLst>
+              <a:ext uri="{FF2B5EF4-FFF2-40B4-BE49-F238E27FC236}">
+                <a16:creationId xmlns:a16="http://schemas.microsoft.com/office/drawing/2014/main" id="{DC79B0F5-9712-564B-987B-9B8CD6DFC34B}"/>
+              </a:ext>
+            </a:extLst>
+          </p:cNvPr>
+          <p:cNvSpPr/>
+          <p:nvPr/>
+        </p:nvSpPr>
+        <p:spPr>
+          <a:xfrm rot="16200000">
+            <a:off x="21351890" y="13209071"/>
+            <a:ext cx="1268925" cy="230140"/>
+          </a:xfrm>
+          <a:prstGeom prst="rect">
+            <a:avLst/>
+          </a:prstGeom>
+          <a:solidFill>
+            <a:schemeClr val="bg1"/>
+          </a:solidFill>
+          <a:ln>
+            <a:noFill/>
+          </a:ln>
+        </p:spPr>
+        <p:style>
+          <a:lnRef idx="2">
+            <a:schemeClr val="accent1">
+              <a:shade val="50000"/>
+            </a:schemeClr>
+          </a:lnRef>
+          <a:fillRef idx="1">
+            <a:schemeClr val="accent1"/>
+          </a:fillRef>
+          <a:effectRef idx="0">
+            <a:schemeClr val="accent1"/>
+          </a:effectRef>
+          <a:fontRef idx="minor">
+            <a:schemeClr val="lt1"/>
+          </a:fontRef>
+        </p:style>
+        <p:txBody>
+          <a:bodyPr rtlCol="0" anchor="ctr"/>
+          <a:lstStyle/>
+          <a:p>
+            <a:pPr algn="ctr"/>
+            <a:endParaRPr lang="en-GB"/>
+          </a:p>
+        </p:txBody>
+      </p:sp>
+      <p:sp>
+        <p:nvSpPr>
+          <p:cNvPr id="79" name="Rectangle 78">
+            <a:extLst>
+              <a:ext uri="{FF2B5EF4-FFF2-40B4-BE49-F238E27FC236}">
+                <a16:creationId xmlns:a16="http://schemas.microsoft.com/office/drawing/2014/main" id="{58A994FC-DFFC-EA44-9FF9-E23E6FA9F37D}"/>
+              </a:ext>
+            </a:extLst>
+          </p:cNvPr>
+          <p:cNvSpPr/>
+          <p:nvPr/>
+        </p:nvSpPr>
+        <p:spPr>
+          <a:xfrm rot="16200000">
+            <a:off x="21330511" y="9875102"/>
+            <a:ext cx="1268925" cy="230140"/>
+          </a:xfrm>
+          <a:prstGeom prst="rect">
+            <a:avLst/>
+          </a:prstGeom>
+          <a:solidFill>
+            <a:schemeClr val="bg1"/>
+          </a:solidFill>
+          <a:ln>
+            <a:noFill/>
+          </a:ln>
+        </p:spPr>
+        <p:style>
+          <a:lnRef idx="2">
+            <a:schemeClr val="accent1">
+              <a:shade val="50000"/>
+            </a:schemeClr>
+          </a:lnRef>
+          <a:fillRef idx="1">
+            <a:schemeClr val="accent1"/>
+          </a:fillRef>
+          <a:effectRef idx="0">
+            <a:schemeClr val="accent1"/>
+          </a:effectRef>
+          <a:fontRef idx="minor">
+            <a:schemeClr val="lt1"/>
+          </a:fontRef>
+        </p:style>
+        <p:txBody>
+          <a:bodyPr rtlCol="0" anchor="ctr"/>
+          <a:lstStyle/>
+          <a:p>
+            <a:pPr algn="ctr"/>
+            <a:endParaRPr lang="en-GB"/>
+          </a:p>
+        </p:txBody>
+      </p:sp>
+      <p:sp>
+        <p:nvSpPr>
+          <p:cNvPr id="80" name="Rectangle 79">
+            <a:extLst>
+              <a:ext uri="{FF2B5EF4-FFF2-40B4-BE49-F238E27FC236}">
+                <a16:creationId xmlns:a16="http://schemas.microsoft.com/office/drawing/2014/main" id="{B3457A17-D671-2B41-AE90-CB01AC1C2604}"/>
+              </a:ext>
+            </a:extLst>
+          </p:cNvPr>
+          <p:cNvSpPr/>
+          <p:nvPr/>
+        </p:nvSpPr>
+        <p:spPr>
+          <a:xfrm rot="16200000">
+            <a:off x="21269431" y="6034711"/>
+            <a:ext cx="1268925" cy="230140"/>
+          </a:xfrm>
+          <a:prstGeom prst="rect">
+            <a:avLst/>
+          </a:prstGeom>
+          <a:solidFill>
+            <a:schemeClr val="bg1"/>
+          </a:solidFill>
+          <a:ln>
+            <a:noFill/>
+          </a:ln>
+        </p:spPr>
+        <p:style>
+          <a:lnRef idx="2">
+            <a:schemeClr val="accent1">
+              <a:shade val="50000"/>
+            </a:schemeClr>
+          </a:lnRef>
+          <a:fillRef idx="1">
+            <a:schemeClr val="accent1"/>
+          </a:fillRef>
+          <a:effectRef idx="0">
+            <a:schemeClr val="accent1"/>
+          </a:effectRef>
+          <a:fontRef idx="minor">
+            <a:schemeClr val="lt1"/>
+          </a:fontRef>
+        </p:style>
+        <p:txBody>
+          <a:bodyPr rtlCol="0" anchor="ctr"/>
+          <a:lstStyle/>
+          <a:p>
+            <a:pPr algn="ctr"/>
+            <a:endParaRPr lang="en-GB"/>
+          </a:p>
+        </p:txBody>
+      </p:sp>
+      <p:sp>
+        <p:nvSpPr>
+          <p:cNvPr id="81" name="Rectangle 80">
+            <a:extLst>
+              <a:ext uri="{FF2B5EF4-FFF2-40B4-BE49-F238E27FC236}">
+                <a16:creationId xmlns:a16="http://schemas.microsoft.com/office/drawing/2014/main" id="{CECCF5AF-7B72-0740-B32F-4ED210DE3DE3}"/>
+              </a:ext>
+            </a:extLst>
+          </p:cNvPr>
+          <p:cNvSpPr/>
+          <p:nvPr/>
+        </p:nvSpPr>
+        <p:spPr>
+          <a:xfrm rot="16200000">
+            <a:off x="13824034" y="6124583"/>
+            <a:ext cx="1268925" cy="230140"/>
+          </a:xfrm>
+          <a:prstGeom prst="rect">
+            <a:avLst/>
+          </a:prstGeom>
+          <a:solidFill>
+            <a:schemeClr val="bg1"/>
+          </a:solidFill>
+          <a:ln>
+            <a:noFill/>
+          </a:ln>
+        </p:spPr>
+        <p:style>
+          <a:lnRef idx="2">
+            <a:schemeClr val="accent1">
+              <a:shade val="50000"/>
+            </a:schemeClr>
+          </a:lnRef>
+          <a:fillRef idx="1">
+            <a:schemeClr val="accent1"/>
+          </a:fillRef>
+          <a:effectRef idx="0">
+            <a:schemeClr val="accent1"/>
+          </a:effectRef>
+          <a:fontRef idx="minor">
+            <a:schemeClr val="lt1"/>
+          </a:fontRef>
+        </p:style>
+        <p:txBody>
+          <a:bodyPr rtlCol="0" anchor="ctr"/>
+          <a:lstStyle/>
+          <a:p>
+            <a:pPr algn="ctr"/>
+            <a:endParaRPr lang="en-GB"/>
+          </a:p>
+        </p:txBody>
+      </p:sp>
+      <p:sp>
+        <p:nvSpPr>
+          <p:cNvPr id="82" name="Rectangle 81">
+            <a:extLst>
+              <a:ext uri="{FF2B5EF4-FFF2-40B4-BE49-F238E27FC236}">
+                <a16:creationId xmlns:a16="http://schemas.microsoft.com/office/drawing/2014/main" id="{CBFA3001-CCDF-3941-816F-51286A9CD10F}"/>
+              </a:ext>
+            </a:extLst>
+          </p:cNvPr>
+          <p:cNvSpPr/>
+          <p:nvPr/>
+        </p:nvSpPr>
+        <p:spPr>
+          <a:xfrm rot="16200000">
+            <a:off x="14020548" y="9636430"/>
+            <a:ext cx="1268925" cy="230140"/>
+          </a:xfrm>
+          <a:prstGeom prst="rect">
+            <a:avLst/>
+          </a:prstGeom>
+          <a:solidFill>
+            <a:schemeClr val="bg1"/>
+          </a:solidFill>
+          <a:ln>
+            <a:noFill/>
+          </a:ln>
+        </p:spPr>
+        <p:style>
+          <a:lnRef idx="2">
+            <a:schemeClr val="accent1">
+              <a:shade val="50000"/>
+            </a:schemeClr>
+          </a:lnRef>
+          <a:fillRef idx="1">
+            <a:schemeClr val="accent1"/>
+          </a:fillRef>
+          <a:effectRef idx="0">
+            <a:schemeClr val="accent1"/>
+          </a:effectRef>
+          <a:fontRef idx="minor">
+            <a:schemeClr val="lt1"/>
+          </a:fontRef>
+        </p:style>
+        <p:txBody>
+          <a:bodyPr rtlCol="0" anchor="ctr"/>
+          <a:lstStyle/>
+          <a:p>
+            <a:pPr algn="ctr"/>
+            <a:endParaRPr lang="en-GB"/>
+          </a:p>
+        </p:txBody>
+      </p:sp>
+      <p:sp>
+        <p:nvSpPr>
+          <p:cNvPr id="83" name="Rectangle 82">
+            <a:extLst>
+              <a:ext uri="{FF2B5EF4-FFF2-40B4-BE49-F238E27FC236}">
+                <a16:creationId xmlns:a16="http://schemas.microsoft.com/office/drawing/2014/main" id="{45F5B8FC-4F20-F441-88CF-8656D4965F60}"/>
+              </a:ext>
+            </a:extLst>
+          </p:cNvPr>
+          <p:cNvSpPr/>
+          <p:nvPr/>
+        </p:nvSpPr>
+        <p:spPr>
+          <a:xfrm rot="16200000">
+            <a:off x="7905820" y="9682768"/>
+            <a:ext cx="1268925" cy="230140"/>
+          </a:xfrm>
+          <a:prstGeom prst="rect">
+            <a:avLst/>
+          </a:prstGeom>
+          <a:solidFill>
+            <a:schemeClr val="bg1"/>
+          </a:solidFill>
+          <a:ln>
+            <a:noFill/>
+          </a:ln>
+        </p:spPr>
+        <p:style>
+          <a:lnRef idx="2">
+            <a:schemeClr val="accent1">
+              <a:shade val="50000"/>
+            </a:schemeClr>
+          </a:lnRef>
+          <a:fillRef idx="1">
+            <a:schemeClr val="accent1"/>
+          </a:fillRef>
+          <a:effectRef idx="0">
+            <a:schemeClr val="accent1"/>
+          </a:effectRef>
+          <a:fontRef idx="minor">
+            <a:schemeClr val="lt1"/>
+          </a:fontRef>
+        </p:style>
+        <p:txBody>
+          <a:bodyPr rtlCol="0" anchor="ctr"/>
+          <a:lstStyle/>
+          <a:p>
+            <a:pPr algn="ctr"/>
+            <a:endParaRPr lang="en-GB"/>
+          </a:p>
+        </p:txBody>
+      </p:sp>
+      <p:sp>
+        <p:nvSpPr>
+          <p:cNvPr id="84" name="Rectangle 83">
+            <a:extLst>
+              <a:ext uri="{FF2B5EF4-FFF2-40B4-BE49-F238E27FC236}">
+                <a16:creationId xmlns:a16="http://schemas.microsoft.com/office/drawing/2014/main" id="{4F6FBC4E-12DF-3B4D-888A-486AB7478C6C}"/>
+              </a:ext>
+            </a:extLst>
+          </p:cNvPr>
+          <p:cNvSpPr/>
+          <p:nvPr/>
+        </p:nvSpPr>
+        <p:spPr>
+          <a:xfrm rot="16200000">
+            <a:off x="7925215" y="13344720"/>
+            <a:ext cx="1268925" cy="230140"/>
+          </a:xfrm>
+          <a:prstGeom prst="rect">
+            <a:avLst/>
+          </a:prstGeom>
+          <a:solidFill>
+            <a:schemeClr val="bg1"/>
+          </a:solidFill>
+          <a:ln>
+            <a:noFill/>
+          </a:ln>
+        </p:spPr>
+        <p:style>
+          <a:lnRef idx="2">
+            <a:schemeClr val="accent1">
+              <a:shade val="50000"/>
+            </a:schemeClr>
+          </a:lnRef>
+          <a:fillRef idx="1">
+            <a:schemeClr val="accent1"/>
+          </a:fillRef>
+          <a:effectRef idx="0">
+            <a:schemeClr val="accent1"/>
+          </a:effectRef>
+          <a:fontRef idx="minor">
+            <a:schemeClr val="lt1"/>
+          </a:fontRef>
+        </p:style>
+        <p:txBody>
+          <a:bodyPr rtlCol="0" anchor="ctr"/>
+          <a:lstStyle/>
+          <a:p>
+            <a:pPr algn="ctr"/>
+            <a:endParaRPr lang="en-GB"/>
+          </a:p>
+        </p:txBody>
+      </p:sp>
+      <p:sp>
+        <p:nvSpPr>
+          <p:cNvPr id="85" name="Rectangle 84">
+            <a:extLst>
+              <a:ext uri="{FF2B5EF4-FFF2-40B4-BE49-F238E27FC236}">
+                <a16:creationId xmlns:a16="http://schemas.microsoft.com/office/drawing/2014/main" id="{AE138E08-947D-DE4C-94F3-F7DB3D25323D}"/>
+              </a:ext>
+            </a:extLst>
+          </p:cNvPr>
+          <p:cNvSpPr/>
+          <p:nvPr/>
+        </p:nvSpPr>
+        <p:spPr>
+          <a:xfrm rot="16200000">
+            <a:off x="14021000" y="13284875"/>
+            <a:ext cx="1268925" cy="230140"/>
+          </a:xfrm>
+          <a:prstGeom prst="rect">
+            <a:avLst/>
+          </a:prstGeom>
+          <a:solidFill>
+            <a:schemeClr val="bg1"/>
+          </a:solidFill>
+          <a:ln>
+            <a:noFill/>
+          </a:ln>
+        </p:spPr>
+        <p:style>
+          <a:lnRef idx="2">
+            <a:schemeClr val="accent1">
+              <a:shade val="50000"/>
+            </a:schemeClr>
+          </a:lnRef>
+          <a:fillRef idx="1">
+            <a:schemeClr val="accent1"/>
+          </a:fillRef>
+          <a:effectRef idx="0">
+            <a:schemeClr val="accent1"/>
+          </a:effectRef>
+          <a:fontRef idx="minor">
+            <a:schemeClr val="lt1"/>
+          </a:fontRef>
+        </p:style>
+        <p:txBody>
+          <a:bodyPr rtlCol="0" anchor="ctr"/>
+          <a:lstStyle/>
+          <a:p>
+            <a:pPr algn="ctr"/>
+            <a:endParaRPr lang="en-GB"/>
+          </a:p>
+        </p:txBody>
+      </p:sp>
+      <p:sp>
+        <p:nvSpPr>
+          <p:cNvPr id="86" name="Rectangle 85">
+            <a:extLst>
+              <a:ext uri="{FF2B5EF4-FFF2-40B4-BE49-F238E27FC236}">
+                <a16:creationId xmlns:a16="http://schemas.microsoft.com/office/drawing/2014/main" id="{3907668D-B910-2B49-81B3-392DD59C7B6E}"/>
+              </a:ext>
+            </a:extLst>
+          </p:cNvPr>
+          <p:cNvSpPr/>
+          <p:nvPr/>
+        </p:nvSpPr>
+        <p:spPr>
+          <a:xfrm rot="16200000">
+            <a:off x="14026007" y="16754405"/>
+            <a:ext cx="1268925" cy="230140"/>
+          </a:xfrm>
+          <a:prstGeom prst="rect">
+            <a:avLst/>
+          </a:prstGeom>
+          <a:solidFill>
+            <a:schemeClr val="bg1"/>
+          </a:solidFill>
+          <a:ln>
+            <a:noFill/>
+          </a:ln>
+        </p:spPr>
+        <p:style>
+          <a:lnRef idx="2">
+            <a:schemeClr val="accent1">
+              <a:shade val="50000"/>
+            </a:schemeClr>
+          </a:lnRef>
+          <a:fillRef idx="1">
+            <a:schemeClr val="accent1"/>
+          </a:fillRef>
+          <a:effectRef idx="0">
+            <a:schemeClr val="accent1"/>
+          </a:effectRef>
+          <a:fontRef idx="minor">
+            <a:schemeClr val="lt1"/>
+          </a:fontRef>
+        </p:style>
+        <p:txBody>
+          <a:bodyPr rtlCol="0" anchor="ctr"/>
+          <a:lstStyle/>
+          <a:p>
+            <a:pPr algn="ctr"/>
+            <a:endParaRPr lang="en-GB"/>
+          </a:p>
+        </p:txBody>
+      </p:sp>
+    </p:spTree>
+    <p:extLst>
+      <p:ext uri="{BB962C8B-B14F-4D97-AF65-F5344CB8AC3E}">
+        <p14:creationId xmlns:p14="http://schemas.microsoft.com/office/powerpoint/2010/main" val="1880377526"/>
+      </p:ext>
+    </p:extLst>
+  </p:cSld>
+  <p:clrMapOvr>
+    <a:masterClrMapping/>
+  </p:clrMapOvr>
+</p:sld>
+</file>
+
+<file path=ppt/slides/slide5.xml><?xml version="1.0" encoding="utf-8"?>
 <p:sld xmlns:a="http://schemas.openxmlformats.org/drawingml/2006/main" xmlns:r="http://schemas.openxmlformats.org/officeDocument/2006/relationships" xmlns:p="http://schemas.openxmlformats.org/presentationml/2006/main">
   <p:cSld>
     <p:spTree>
